--- a/AI-Infra/vLLM/vllm-PageAttention.pptx
+++ b/AI-Infra/vLLM/vllm-PageAttention.pptx
@@ -5,7 +5,7 @@
     <p:sldMasterId id="2147483648" r:id="rId1"/>
   </p:sldMasterIdLst>
   <p:notesMasterIdLst>
-    <p:notesMasterId r:id="rId15"/>
+    <p:notesMasterId r:id="rId18"/>
   </p:notesMasterIdLst>
   <p:sldIdLst>
     <p:sldId id="410" r:id="rId2"/>
@@ -20,7 +20,10 @@
     <p:sldId id="559" r:id="rId11"/>
     <p:sldId id="560" r:id="rId12"/>
     <p:sldId id="561" r:id="rId13"/>
-    <p:sldId id="411" r:id="rId14"/>
+    <p:sldId id="562" r:id="rId14"/>
+    <p:sldId id="563" r:id="rId15"/>
+    <p:sldId id="564" r:id="rId16"/>
+    <p:sldId id="411" r:id="rId17"/>
   </p:sldIdLst>
   <p:sldSz cx="12192000" cy="6858000"/>
   <p:notesSz cx="6858000" cy="9144000"/>
@@ -209,7 +212,7 @@
           <a:p>
             <a:fld id="{4A52B4EB-71A4-431D-81B4-414C21715A07}" type="datetimeFigureOut">
               <a:rPr lang="zh-CN" altLang="en-US" smtClean="0"/>
-              <a:t>2025/10/24</a:t>
+              <a:t>2025/10/25</a:t>
             </a:fld>
             <a:endParaRPr lang="zh-CN" altLang="en-US"/>
           </a:p>
@@ -857,6 +860,258 @@
             <a:spLocks noGrp="1"/>
           </p:cNvSpPr>
           <p:nvPr>
+            <p:ph type="sldNum" sz="quarter" idx="5"/>
+          </p:nvPr>
+        </p:nvSpPr>
+        <p:spPr/>
+        <p:txBody>
+          <a:bodyPr/>
+          <a:lstStyle/>
+          <a:p>
+            <a:fld id="{9963718C-E13D-4500-A87B-3750CAAD43CC}" type="slidenum">
+              <a:rPr lang="zh-CN" altLang="en-US" smtClean="0"/>
+              <a:t>13</a:t>
+            </a:fld>
+            <a:endParaRPr lang="zh-CN" altLang="en-US"/>
+          </a:p>
+        </p:txBody>
+      </p:sp>
+    </p:spTree>
+    <p:extLst>
+      <p:ext uri="{BB962C8B-B14F-4D97-AF65-F5344CB8AC3E}">
+        <p14:creationId xmlns:p14="http://schemas.microsoft.com/office/powerpoint/2010/main" val="2658733478"/>
+      </p:ext>
+    </p:extLst>
+  </p:cSld>
+  <p:clrMapOvr>
+    <a:masterClrMapping/>
+  </p:clrMapOvr>
+</p:notes>
+</file>
+
+<file path=ppt/notesSlides/notesSlide14.xml><?xml version="1.0" encoding="utf-8"?>
+<p:notes xmlns:a="http://schemas.openxmlformats.org/drawingml/2006/main" xmlns:r="http://schemas.openxmlformats.org/officeDocument/2006/relationships" xmlns:p="http://schemas.openxmlformats.org/presentationml/2006/main">
+  <p:cSld>
+    <p:spTree>
+      <p:nvGrpSpPr>
+        <p:cNvPr id="1" name=""/>
+        <p:cNvGrpSpPr/>
+        <p:nvPr/>
+      </p:nvGrpSpPr>
+      <p:grpSpPr>
+        <a:xfrm>
+          <a:off x="0" y="0"/>
+          <a:ext cx="0" cy="0"/>
+          <a:chOff x="0" y="0"/>
+          <a:chExt cx="0" cy="0"/>
+        </a:xfrm>
+      </p:grpSpPr>
+      <p:sp>
+        <p:nvSpPr>
+          <p:cNvPr id="2" name="幻灯片图像占位符 1"/>
+          <p:cNvSpPr>
+            <a:spLocks noGrp="1" noRot="1" noChangeAspect="1"/>
+          </p:cNvSpPr>
+          <p:nvPr>
+            <p:ph type="sldImg"/>
+          </p:nvPr>
+        </p:nvSpPr>
+        <p:spPr/>
+      </p:sp>
+      <p:sp>
+        <p:nvSpPr>
+          <p:cNvPr id="3" name="备注占位符 2"/>
+          <p:cNvSpPr>
+            <a:spLocks noGrp="1"/>
+          </p:cNvSpPr>
+          <p:nvPr>
+            <p:ph type="body" idx="1"/>
+          </p:nvPr>
+        </p:nvSpPr>
+        <p:spPr/>
+        <p:txBody>
+          <a:bodyPr/>
+          <a:lstStyle/>
+          <a:p>
+            <a:endParaRPr lang="zh-CN" altLang="en-US" dirty="0"/>
+          </a:p>
+        </p:txBody>
+      </p:sp>
+      <p:sp>
+        <p:nvSpPr>
+          <p:cNvPr id="4" name="灯片编号占位符 3"/>
+          <p:cNvSpPr>
+            <a:spLocks noGrp="1"/>
+          </p:cNvSpPr>
+          <p:nvPr>
+            <p:ph type="sldNum" sz="quarter" idx="5"/>
+          </p:nvPr>
+        </p:nvSpPr>
+        <p:spPr/>
+        <p:txBody>
+          <a:bodyPr/>
+          <a:lstStyle/>
+          <a:p>
+            <a:fld id="{9963718C-E13D-4500-A87B-3750CAAD43CC}" type="slidenum">
+              <a:rPr lang="zh-CN" altLang="en-US" smtClean="0"/>
+              <a:t>14</a:t>
+            </a:fld>
+            <a:endParaRPr lang="zh-CN" altLang="en-US"/>
+          </a:p>
+        </p:txBody>
+      </p:sp>
+    </p:spTree>
+    <p:extLst>
+      <p:ext uri="{BB962C8B-B14F-4D97-AF65-F5344CB8AC3E}">
+        <p14:creationId xmlns:p14="http://schemas.microsoft.com/office/powerpoint/2010/main" val="1095933828"/>
+      </p:ext>
+    </p:extLst>
+  </p:cSld>
+  <p:clrMapOvr>
+    <a:masterClrMapping/>
+  </p:clrMapOvr>
+</p:notes>
+</file>
+
+<file path=ppt/notesSlides/notesSlide15.xml><?xml version="1.0" encoding="utf-8"?>
+<p:notes xmlns:a="http://schemas.openxmlformats.org/drawingml/2006/main" xmlns:r="http://schemas.openxmlformats.org/officeDocument/2006/relationships" xmlns:p="http://schemas.openxmlformats.org/presentationml/2006/main">
+  <p:cSld>
+    <p:spTree>
+      <p:nvGrpSpPr>
+        <p:cNvPr id="1" name=""/>
+        <p:cNvGrpSpPr/>
+        <p:nvPr/>
+      </p:nvGrpSpPr>
+      <p:grpSpPr>
+        <a:xfrm>
+          <a:off x="0" y="0"/>
+          <a:ext cx="0" cy="0"/>
+          <a:chOff x="0" y="0"/>
+          <a:chExt cx="0" cy="0"/>
+        </a:xfrm>
+      </p:grpSpPr>
+      <p:sp>
+        <p:nvSpPr>
+          <p:cNvPr id="2" name="幻灯片图像占位符 1"/>
+          <p:cNvSpPr>
+            <a:spLocks noGrp="1" noRot="1" noChangeAspect="1"/>
+          </p:cNvSpPr>
+          <p:nvPr>
+            <p:ph type="sldImg"/>
+          </p:nvPr>
+        </p:nvSpPr>
+        <p:spPr/>
+      </p:sp>
+      <p:sp>
+        <p:nvSpPr>
+          <p:cNvPr id="3" name="备注占位符 2"/>
+          <p:cNvSpPr>
+            <a:spLocks noGrp="1"/>
+          </p:cNvSpPr>
+          <p:nvPr>
+            <p:ph type="body" idx="1"/>
+          </p:nvPr>
+        </p:nvSpPr>
+        <p:spPr/>
+        <p:txBody>
+          <a:bodyPr/>
+          <a:lstStyle/>
+          <a:p>
+            <a:endParaRPr lang="zh-CN" altLang="en-US" dirty="0"/>
+          </a:p>
+        </p:txBody>
+      </p:sp>
+      <p:sp>
+        <p:nvSpPr>
+          <p:cNvPr id="4" name="灯片编号占位符 3"/>
+          <p:cNvSpPr>
+            <a:spLocks noGrp="1"/>
+          </p:cNvSpPr>
+          <p:nvPr>
+            <p:ph type="sldNum" sz="quarter" idx="5"/>
+          </p:nvPr>
+        </p:nvSpPr>
+        <p:spPr/>
+        <p:txBody>
+          <a:bodyPr/>
+          <a:lstStyle/>
+          <a:p>
+            <a:fld id="{9963718C-E13D-4500-A87B-3750CAAD43CC}" type="slidenum">
+              <a:rPr lang="zh-CN" altLang="en-US" smtClean="0"/>
+              <a:t>15</a:t>
+            </a:fld>
+            <a:endParaRPr lang="zh-CN" altLang="en-US"/>
+          </a:p>
+        </p:txBody>
+      </p:sp>
+    </p:spTree>
+    <p:extLst>
+      <p:ext uri="{BB962C8B-B14F-4D97-AF65-F5344CB8AC3E}">
+        <p14:creationId xmlns:p14="http://schemas.microsoft.com/office/powerpoint/2010/main" val="183089522"/>
+      </p:ext>
+    </p:extLst>
+  </p:cSld>
+  <p:clrMapOvr>
+    <a:masterClrMapping/>
+  </p:clrMapOvr>
+</p:notes>
+</file>
+
+<file path=ppt/notesSlides/notesSlide16.xml><?xml version="1.0" encoding="utf-8"?>
+<p:notes xmlns:a="http://schemas.openxmlformats.org/drawingml/2006/main" xmlns:r="http://schemas.openxmlformats.org/officeDocument/2006/relationships" xmlns:p="http://schemas.openxmlformats.org/presentationml/2006/main">
+  <p:cSld>
+    <p:spTree>
+      <p:nvGrpSpPr>
+        <p:cNvPr id="1" name=""/>
+        <p:cNvGrpSpPr/>
+        <p:nvPr/>
+      </p:nvGrpSpPr>
+      <p:grpSpPr>
+        <a:xfrm>
+          <a:off x="0" y="0"/>
+          <a:ext cx="0" cy="0"/>
+          <a:chOff x="0" y="0"/>
+          <a:chExt cx="0" cy="0"/>
+        </a:xfrm>
+      </p:grpSpPr>
+      <p:sp>
+        <p:nvSpPr>
+          <p:cNvPr id="2" name="幻灯片图像占位符 1"/>
+          <p:cNvSpPr>
+            <a:spLocks noGrp="1" noRot="1" noChangeAspect="1"/>
+          </p:cNvSpPr>
+          <p:nvPr>
+            <p:ph type="sldImg"/>
+          </p:nvPr>
+        </p:nvSpPr>
+        <p:spPr/>
+      </p:sp>
+      <p:sp>
+        <p:nvSpPr>
+          <p:cNvPr id="3" name="备注占位符 2"/>
+          <p:cNvSpPr>
+            <a:spLocks noGrp="1"/>
+          </p:cNvSpPr>
+          <p:nvPr>
+            <p:ph type="body" idx="1"/>
+          </p:nvPr>
+        </p:nvSpPr>
+        <p:spPr/>
+        <p:txBody>
+          <a:bodyPr/>
+          <a:lstStyle/>
+          <a:p>
+            <a:endParaRPr lang="zh-CN" altLang="en-US" dirty="0"/>
+          </a:p>
+        </p:txBody>
+      </p:sp>
+      <p:sp>
+        <p:nvSpPr>
+          <p:cNvPr id="4" name="灯片编号占位符 3"/>
+          <p:cNvSpPr>
+            <a:spLocks noGrp="1"/>
+          </p:cNvSpPr>
+          <p:nvPr>
             <p:ph type="sldNum" sz="quarter" idx="10"/>
           </p:nvPr>
         </p:nvSpPr>
@@ -867,7 +1122,7 @@
           <a:p>
             <a:fld id="{04F69107-35E3-4F45-9121-475D3C203D59}" type="slidenum">
               <a:rPr lang="zh-CN" altLang="en-US" smtClean="0"/>
-              <a:t>13</a:t>
+              <a:t>16</a:t>
             </a:fld>
             <a:endParaRPr lang="zh-CN" altLang="en-US"/>
           </a:p>
@@ -1662,7 +1917,7 @@
           <a:p>
             <a:fld id="{E941AEAA-BB07-4843-834F-558AD1317431}" type="datetimeFigureOut">
               <a:rPr lang="zh-CN" altLang="en-US" smtClean="0"/>
-              <a:t>2025/10/24</a:t>
+              <a:t>2025/10/25</a:t>
             </a:fld>
             <a:endParaRPr lang="zh-CN" altLang="en-US"/>
           </a:p>
@@ -1825,7 +2080,7 @@
           <a:p>
             <a:fld id="{E941AEAA-BB07-4843-834F-558AD1317431}" type="datetimeFigureOut">
               <a:rPr lang="zh-CN" altLang="en-US" smtClean="0"/>
-              <a:t>2025/10/24</a:t>
+              <a:t>2025/10/25</a:t>
             </a:fld>
             <a:endParaRPr lang="zh-CN" altLang="en-US"/>
           </a:p>
@@ -1998,7 +2253,7 @@
           <a:p>
             <a:fld id="{E941AEAA-BB07-4843-834F-558AD1317431}" type="datetimeFigureOut">
               <a:rPr lang="zh-CN" altLang="en-US" smtClean="0"/>
-              <a:t>2025/10/24</a:t>
+              <a:t>2025/10/25</a:t>
             </a:fld>
             <a:endParaRPr lang="zh-CN" altLang="en-US"/>
           </a:p>
@@ -2238,7 +2493,7 @@
           <a:p>
             <a:fld id="{E941AEAA-BB07-4843-834F-558AD1317431}" type="datetimeFigureOut">
               <a:rPr lang="zh-CN" altLang="en-US" smtClean="0"/>
-              <a:t>2025/10/24</a:t>
+              <a:t>2025/10/25</a:t>
             </a:fld>
             <a:endParaRPr lang="zh-CN" altLang="en-US"/>
           </a:p>
@@ -2478,7 +2733,7 @@
           <a:p>
             <a:fld id="{E941AEAA-BB07-4843-834F-558AD1317431}" type="datetimeFigureOut">
               <a:rPr lang="zh-CN" altLang="en-US" smtClean="0"/>
-              <a:t>2025/10/24</a:t>
+              <a:t>2025/10/25</a:t>
             </a:fld>
             <a:endParaRPr lang="zh-CN" altLang="en-US"/>
           </a:p>
@@ -2702,7 +2957,7 @@
           <a:p>
             <a:fld id="{E941AEAA-BB07-4843-834F-558AD1317431}" type="datetimeFigureOut">
               <a:rPr lang="zh-CN" altLang="en-US" smtClean="0"/>
-              <a:t>2025/10/24</a:t>
+              <a:t>2025/10/25</a:t>
             </a:fld>
             <a:endParaRPr lang="zh-CN" altLang="en-US"/>
           </a:p>
@@ -3061,7 +3316,7 @@
           <a:p>
             <a:fld id="{E941AEAA-BB07-4843-834F-558AD1317431}" type="datetimeFigureOut">
               <a:rPr lang="zh-CN" altLang="en-US" smtClean="0"/>
-              <a:t>2025/10/24</a:t>
+              <a:t>2025/10/25</a:t>
             </a:fld>
             <a:endParaRPr lang="zh-CN" altLang="en-US"/>
           </a:p>
@@ -3180,7 +3435,7 @@
           <a:p>
             <a:fld id="{E941AEAA-BB07-4843-834F-558AD1317431}" type="datetimeFigureOut">
               <a:rPr lang="zh-CN" altLang="en-US" smtClean="0"/>
-              <a:t>2025/10/24</a:t>
+              <a:t>2025/10/25</a:t>
             </a:fld>
             <a:endParaRPr lang="zh-CN" altLang="en-US"/>
           </a:p>
@@ -3270,7 +3525,7 @@
           <a:p>
             <a:fld id="{E941AEAA-BB07-4843-834F-558AD1317431}" type="datetimeFigureOut">
               <a:rPr lang="zh-CN" altLang="en-US" smtClean="0"/>
-              <a:t>2025/10/24</a:t>
+              <a:t>2025/10/25</a:t>
             </a:fld>
             <a:endParaRPr lang="zh-CN" altLang="en-US"/>
           </a:p>
@@ -3540,7 +3795,7 @@
           <a:p>
             <a:fld id="{E941AEAA-BB07-4843-834F-558AD1317431}" type="datetimeFigureOut">
               <a:rPr lang="zh-CN" altLang="en-US" smtClean="0"/>
-              <a:t>2025/10/24</a:t>
+              <a:t>2025/10/25</a:t>
             </a:fld>
             <a:endParaRPr lang="zh-CN" altLang="en-US"/>
           </a:p>
@@ -3787,7 +4042,7 @@
           <a:p>
             <a:fld id="{E941AEAA-BB07-4843-834F-558AD1317431}" type="datetimeFigureOut">
               <a:rPr lang="zh-CN" altLang="en-US" smtClean="0"/>
-              <a:t>2025/10/24</a:t>
+              <a:t>2025/10/25</a:t>
             </a:fld>
             <a:endParaRPr lang="zh-CN" altLang="en-US"/>
           </a:p>
@@ -3993,7 +4248,7 @@
           <a:p>
             <a:fld id="{E941AEAA-BB07-4843-834F-558AD1317431}" type="datetimeFigureOut">
               <a:rPr lang="zh-CN" altLang="en-US" smtClean="0"/>
-              <a:t>2025/10/24</a:t>
+              <a:t>2025/10/25</a:t>
             </a:fld>
             <a:endParaRPr lang="zh-CN" altLang="en-US"/>
           </a:p>
@@ -4931,7 +5186,7 @@
                 <a:latin typeface="微软雅黑" panose="020B0503020204020204" pitchFamily="34" charset="-122"/>
                 <a:ea typeface="微软雅黑" panose="020B0503020204020204" pitchFamily="34" charset="-122"/>
               </a:rPr>
-              <a:t>2025/10/24</a:t>
+              <a:t>2025/10/25</a:t>
             </a:fld>
             <a:endParaRPr lang="zh-CN" altLang="en-US" dirty="0">
               <a:solidFill>
@@ -6879,8 +7134,8 @@
         </p:nvSpPr>
         <p:spPr>
           <a:xfrm>
-            <a:off x="301898" y="1683729"/>
-            <a:ext cx="11376630" cy="874214"/>
+            <a:off x="301898" y="1447796"/>
+            <a:ext cx="11376630" cy="923330"/>
           </a:xfrm>
           <a:prstGeom prst="rect">
             <a:avLst/>
@@ -6902,13 +7157,34 @@
                 <a:latin typeface="Times New Roman" panose="02020603050405020304" pitchFamily="18" charset="0"/>
                 <a:ea typeface="微软雅黑" panose="020B0503020204020204" pitchFamily="34" charset="-122"/>
               </a:rPr>
-              <a:t>在 </a:t>
+              <a:t>对所</a:t>
+            </a:r>
+            <a:r>
+              <a:rPr lang="zh-CN" altLang="en-US" dirty="0">
+                <a:latin typeface="Times New Roman" panose="02020603050405020304" pitchFamily="18" charset="0"/>
+                <a:ea typeface="微软雅黑" panose="020B0503020204020204" pitchFamily="34" charset="-122"/>
+              </a:rPr>
+              <a:t>有请求采用先到先服务（</a:t>
             </a:r>
             <a:r>
               <a:rPr lang="en-US" altLang="zh-CN" dirty="0">
                 <a:latin typeface="Times New Roman" panose="02020603050405020304" pitchFamily="18" charset="0"/>
                 <a:ea typeface="微软雅黑" panose="020B0503020204020204" pitchFamily="34" charset="-122"/>
               </a:rPr>
+              <a:t>FCFS</a:t>
+            </a:r>
+            <a:r>
+              <a:rPr lang="zh-CN" altLang="en-US" dirty="0">
+                <a:latin typeface="Times New Roman" panose="02020603050405020304" pitchFamily="18" charset="0"/>
+                <a:ea typeface="微软雅黑" panose="020B0503020204020204" pitchFamily="34" charset="-122"/>
+              </a:rPr>
+              <a:t>）的调度策略，以确保公平性并防止饥饿。当 </a:t>
+            </a:r>
+            <a:r>
+              <a:rPr lang="en-US" altLang="zh-CN" dirty="0">
+                <a:latin typeface="Times New Roman" panose="02020603050405020304" pitchFamily="18" charset="0"/>
+                <a:ea typeface="微软雅黑" panose="020B0503020204020204" pitchFamily="34" charset="-122"/>
+              </a:rPr>
               <a:t>vLLM </a:t>
             </a:r>
             <a:r>
@@ -6916,40 +7192,657 @@
                 <a:latin typeface="Times New Roman" panose="02020603050405020304" pitchFamily="18" charset="0"/>
                 <a:ea typeface="微软雅黑" panose="020B0503020204020204" pitchFamily="34" charset="-122"/>
               </a:rPr>
-              <a:t>中，我们对所有请求采用先到先服务（</a:t>
-            </a:r>
-            <a:r>
-              <a:rPr lang="en-US" altLang="zh-CN" dirty="0">
-                <a:latin typeface="Times New Roman" panose="02020603050405020304" pitchFamily="18" charset="0"/>
-                <a:ea typeface="微软雅黑" panose="020B0503020204020204" pitchFamily="34" charset="-122"/>
-              </a:rPr>
-              <a:t>FCFS</a:t>
-            </a:r>
-            <a:r>
-              <a:rPr lang="zh-CN" altLang="en-US" dirty="0">
-                <a:latin typeface="Times New Roman" panose="02020603050405020304" pitchFamily="18" charset="0"/>
-                <a:ea typeface="微软雅黑" panose="020B0503020204020204" pitchFamily="34" charset="-122"/>
-              </a:rPr>
-              <a:t>）的调度策略，以确保公平性并防止饥饿。当 </a:t>
-            </a:r>
-            <a:r>
-              <a:rPr lang="en-US" altLang="zh-CN" dirty="0">
-                <a:latin typeface="Times New Roman" panose="02020603050405020304" pitchFamily="18" charset="0"/>
-                <a:ea typeface="微软雅黑" panose="020B0503020204020204" pitchFamily="34" charset="-122"/>
-              </a:rPr>
-              <a:t>vLLM </a:t>
-            </a:r>
-            <a:r>
-              <a:rPr lang="zh-CN" altLang="en-US" dirty="0">
-                <a:latin typeface="Times New Roman" panose="02020603050405020304" pitchFamily="18" charset="0"/>
-                <a:ea typeface="微软雅黑" panose="020B0503020204020204" pitchFamily="34" charset="-122"/>
-              </a:rPr>
-              <a:t>需要抢占请求时，它会确保最早到达的请求优先被服务，而最晚到达的请求则被优先抢占。</a:t>
+              <a:t>需要抢占请求时，它会确保最早到达的请求优先被服务，而最晚到达的请求则被优先抢占</a:t>
+            </a:r>
+            <a:r>
+              <a:rPr lang="zh-CN" altLang="en-US" dirty="0" smtClean="0">
+                <a:latin typeface="Times New Roman" panose="02020603050405020304" pitchFamily="18" charset="0"/>
+                <a:ea typeface="微软雅黑" panose="020B0503020204020204" pitchFamily="34" charset="-122"/>
+              </a:rPr>
+              <a:t>。一旦开始抢占，停止接受新请求</a:t>
             </a:r>
             <a:endParaRPr lang="en-US" altLang="zh-CN" dirty="0" smtClean="0">
               <a:latin typeface="Times New Roman" panose="02020603050405020304" pitchFamily="18" charset="0"/>
               <a:ea typeface="微软雅黑" panose="020B0503020204020204" pitchFamily="34" charset="-122"/>
             </a:endParaRPr>
+          </a:p>
+        </p:txBody>
+      </p:sp>
+      <p:sp>
+        <p:nvSpPr>
+          <p:cNvPr id="3" name="矩形 2"/>
+          <p:cNvSpPr/>
+          <p:nvPr/>
+        </p:nvSpPr>
+        <p:spPr>
+          <a:xfrm>
+            <a:off x="301898" y="4303003"/>
+            <a:ext cx="2295528" cy="646331"/>
+          </a:xfrm>
+          <a:prstGeom prst="rect">
+            <a:avLst/>
+          </a:prstGeom>
+        </p:spPr>
+        <p:txBody>
+          <a:bodyPr wrap="square">
+            <a:spAutoFit/>
+          </a:bodyPr>
+          <a:lstStyle/>
+          <a:p>
+            <a:r>
+              <a:rPr lang="zh-CN" altLang="en-US" b="1" dirty="0" smtClean="0">
+                <a:solidFill>
+                  <a:srgbClr val="FF0000"/>
+                </a:solidFill>
+                <a:latin typeface="微软雅黑" panose="020B0503020204020204" pitchFamily="34" charset="-122"/>
+                <a:ea typeface="微软雅黑" panose="020B0503020204020204" pitchFamily="34" charset="-122"/>
+              </a:rPr>
+              <a:t>提</a:t>
+            </a:r>
+            <a:r>
+              <a:rPr lang="zh-CN" altLang="en-US" b="1" dirty="0">
+                <a:solidFill>
+                  <a:srgbClr val="FF0000"/>
+                </a:solidFill>
+                <a:latin typeface="微软雅黑" panose="020B0503020204020204" pitchFamily="34" charset="-122"/>
+                <a:ea typeface="微软雅黑" panose="020B0503020204020204" pitchFamily="34" charset="-122"/>
+              </a:rPr>
+              <a:t>示词长</a:t>
+            </a:r>
+            <a:r>
+              <a:rPr lang="zh-CN" altLang="en-US" b="1" dirty="0" smtClean="0">
+                <a:solidFill>
+                  <a:srgbClr val="FF0000"/>
+                </a:solidFill>
+                <a:latin typeface="微软雅黑" panose="020B0503020204020204" pitchFamily="34" charset="-122"/>
+                <a:ea typeface="微软雅黑" panose="020B0503020204020204" pitchFamily="34" charset="-122"/>
+              </a:rPr>
+              <a:t>度差</a:t>
+            </a:r>
+            <a:r>
+              <a:rPr lang="zh-CN" altLang="en-US" b="1" dirty="0">
+                <a:solidFill>
+                  <a:srgbClr val="FF0000"/>
+                </a:solidFill>
+                <a:latin typeface="微软雅黑" panose="020B0503020204020204" pitchFamily="34" charset="-122"/>
+                <a:ea typeface="微软雅黑" panose="020B0503020204020204" pitchFamily="34" charset="-122"/>
+              </a:rPr>
+              <a:t>异巨</a:t>
+            </a:r>
+            <a:r>
+              <a:rPr lang="zh-CN" altLang="en-US" b="1" dirty="0" smtClean="0">
+                <a:solidFill>
+                  <a:srgbClr val="FF0000"/>
+                </a:solidFill>
+                <a:latin typeface="微软雅黑" panose="020B0503020204020204" pitchFamily="34" charset="-122"/>
+                <a:ea typeface="微软雅黑" panose="020B0503020204020204" pitchFamily="34" charset="-122"/>
+              </a:rPr>
+              <a:t>大</a:t>
+            </a:r>
+            <a:endParaRPr lang="en-US" altLang="zh-CN" b="1" dirty="0" smtClean="0">
+              <a:solidFill>
+                <a:srgbClr val="FF0000"/>
+              </a:solidFill>
+              <a:latin typeface="微软雅黑" panose="020B0503020204020204" pitchFamily="34" charset="-122"/>
+              <a:ea typeface="微软雅黑" panose="020B0503020204020204" pitchFamily="34" charset="-122"/>
+            </a:endParaRPr>
+          </a:p>
+          <a:p>
+            <a:r>
+              <a:rPr lang="zh-CN" altLang="en-US" b="1" dirty="0" smtClean="0">
+                <a:solidFill>
+                  <a:srgbClr val="FF0000"/>
+                </a:solidFill>
+                <a:latin typeface="微软雅黑" panose="020B0503020204020204" pitchFamily="34" charset="-122"/>
+                <a:ea typeface="微软雅黑" panose="020B0503020204020204" pitchFamily="34" charset="-122"/>
+              </a:rPr>
+              <a:t>且输</a:t>
+            </a:r>
+            <a:r>
+              <a:rPr lang="zh-CN" altLang="en-US" b="1" dirty="0">
+                <a:solidFill>
+                  <a:srgbClr val="FF0000"/>
+                </a:solidFill>
+                <a:latin typeface="微软雅黑" panose="020B0503020204020204" pitchFamily="34" charset="-122"/>
+                <a:ea typeface="微软雅黑" panose="020B0503020204020204" pitchFamily="34" charset="-122"/>
+              </a:rPr>
+              <a:t>出长度无法</a:t>
+            </a:r>
+            <a:r>
+              <a:rPr lang="zh-CN" altLang="en-US" b="1" dirty="0" smtClean="0">
+                <a:solidFill>
+                  <a:srgbClr val="FF0000"/>
+                </a:solidFill>
+                <a:latin typeface="微软雅黑" panose="020B0503020204020204" pitchFamily="34" charset="-122"/>
+                <a:ea typeface="微软雅黑" panose="020B0503020204020204" pitchFamily="34" charset="-122"/>
+              </a:rPr>
+              <a:t>预知</a:t>
+            </a:r>
+            <a:endParaRPr lang="zh-CN" altLang="en-US" b="1" dirty="0">
+              <a:solidFill>
+                <a:srgbClr val="FF0000"/>
+              </a:solidFill>
+              <a:latin typeface="微软雅黑" panose="020B0503020204020204" pitchFamily="34" charset="-122"/>
+              <a:ea typeface="微软雅黑" panose="020B0503020204020204" pitchFamily="34" charset="-122"/>
+            </a:endParaRPr>
+          </a:p>
+        </p:txBody>
+      </p:sp>
+      <p:sp>
+        <p:nvSpPr>
+          <p:cNvPr id="13" name="矩形 12"/>
+          <p:cNvSpPr/>
+          <p:nvPr/>
+        </p:nvSpPr>
+        <p:spPr>
+          <a:xfrm>
+            <a:off x="301898" y="2371126"/>
+            <a:ext cx="10260085" cy="507831"/>
+          </a:xfrm>
+          <a:prstGeom prst="rect">
+            <a:avLst/>
+          </a:prstGeom>
+        </p:spPr>
+        <p:txBody>
+          <a:bodyPr wrap="square">
+            <a:spAutoFit/>
+          </a:bodyPr>
+          <a:lstStyle/>
+          <a:p>
+            <a:pPr>
+              <a:lnSpc>
+                <a:spcPct val="150000"/>
+              </a:lnSpc>
+            </a:pPr>
+            <a:r>
+              <a:rPr lang="zh-CN" altLang="en-US" dirty="0">
+                <a:latin typeface="Times New Roman" panose="02020603050405020304" pitchFamily="18" charset="0"/>
+                <a:ea typeface="微软雅黑" panose="020B0503020204020204" pitchFamily="34" charset="-122"/>
+              </a:rPr>
+              <a:t>随着请求数量及其输出的增长，</a:t>
+            </a:r>
+            <a:r>
+              <a:rPr lang="en-US" altLang="zh-CN" dirty="0">
+                <a:latin typeface="Times New Roman" panose="02020603050405020304" pitchFamily="18" charset="0"/>
+                <a:ea typeface="微软雅黑" panose="020B0503020204020204" pitchFamily="34" charset="-122"/>
+              </a:rPr>
+              <a:t>vLLM </a:t>
+            </a:r>
+            <a:r>
+              <a:rPr lang="zh-CN" altLang="en-US" dirty="0">
+                <a:latin typeface="Times New Roman" panose="02020603050405020304" pitchFamily="18" charset="0"/>
+                <a:ea typeface="微软雅黑" panose="020B0503020204020204" pitchFamily="34" charset="-122"/>
+              </a:rPr>
+              <a:t>可能会耗尽 </a:t>
+            </a:r>
+            <a:r>
+              <a:rPr lang="en-US" altLang="zh-CN" dirty="0">
+                <a:latin typeface="Times New Roman" panose="02020603050405020304" pitchFamily="18" charset="0"/>
+                <a:ea typeface="微软雅黑" panose="020B0503020204020204" pitchFamily="34" charset="-122"/>
+              </a:rPr>
+              <a:t>GPU </a:t>
+            </a:r>
+            <a:r>
+              <a:rPr lang="zh-CN" altLang="en-US" dirty="0">
+                <a:latin typeface="Times New Roman" panose="02020603050405020304" pitchFamily="18" charset="0"/>
+                <a:ea typeface="微软雅黑" panose="020B0503020204020204" pitchFamily="34" charset="-122"/>
+              </a:rPr>
+              <a:t>的物理块来存储新生成的 </a:t>
+            </a:r>
+            <a:r>
+              <a:rPr lang="en-US" altLang="zh-CN" dirty="0">
+                <a:latin typeface="Times New Roman" panose="02020603050405020304" pitchFamily="18" charset="0"/>
+                <a:ea typeface="微软雅黑" panose="020B0503020204020204" pitchFamily="34" charset="-122"/>
+              </a:rPr>
+              <a:t>KV </a:t>
+            </a:r>
+            <a:r>
+              <a:rPr lang="zh-CN" altLang="en-US" dirty="0">
+                <a:latin typeface="Times New Roman" panose="02020603050405020304" pitchFamily="18" charset="0"/>
+                <a:ea typeface="微软雅黑" panose="020B0503020204020204" pitchFamily="34" charset="-122"/>
+              </a:rPr>
+              <a:t>缓存。</a:t>
+            </a:r>
+            <a:endParaRPr lang="en-US" altLang="zh-CN" dirty="0">
+              <a:latin typeface="Times New Roman" panose="02020603050405020304" pitchFamily="18" charset="0"/>
+              <a:ea typeface="微软雅黑" panose="020B0503020204020204" pitchFamily="34" charset="-122"/>
+            </a:endParaRPr>
+          </a:p>
+        </p:txBody>
+      </p:sp>
+      <p:sp>
+        <p:nvSpPr>
+          <p:cNvPr id="14" name="矩形 13"/>
+          <p:cNvSpPr/>
+          <p:nvPr/>
+        </p:nvSpPr>
+        <p:spPr>
+          <a:xfrm>
+            <a:off x="3466396" y="3042632"/>
+            <a:ext cx="8212132" cy="3831818"/>
+          </a:xfrm>
+          <a:prstGeom prst="rect">
+            <a:avLst/>
+          </a:prstGeom>
+        </p:spPr>
+        <p:txBody>
+          <a:bodyPr wrap="square">
+            <a:spAutoFit/>
+          </a:bodyPr>
+          <a:lstStyle/>
+          <a:p>
+            <a:pPr>
+              <a:lnSpc>
+                <a:spcPct val="150000"/>
+              </a:lnSpc>
+            </a:pPr>
+            <a:r>
+              <a:rPr lang="zh-CN" altLang="en-US" b="1" dirty="0">
+                <a:latin typeface="Times New Roman" panose="02020603050405020304" pitchFamily="18" charset="0"/>
+                <a:ea typeface="微软雅黑" panose="020B0503020204020204" pitchFamily="34" charset="-122"/>
+              </a:rPr>
+              <a:t>问题一：</a:t>
+            </a:r>
+            <a:r>
+              <a:rPr lang="zh-CN" altLang="en-US" dirty="0">
+                <a:latin typeface="Times New Roman" panose="02020603050405020304" pitchFamily="18" charset="0"/>
+                <a:ea typeface="微软雅黑" panose="020B0503020204020204" pitchFamily="34" charset="-122"/>
+              </a:rPr>
+              <a:t>逐出哪些块？</a:t>
+            </a:r>
+            <a:endParaRPr lang="en-US" altLang="zh-CN" dirty="0">
+              <a:latin typeface="Times New Roman" panose="02020603050405020304" pitchFamily="18" charset="0"/>
+              <a:ea typeface="微软雅黑" panose="020B0503020204020204" pitchFamily="34" charset="-122"/>
+            </a:endParaRPr>
+          </a:p>
+          <a:p>
+            <a:pPr>
+              <a:lnSpc>
+                <a:spcPct val="150000"/>
+              </a:lnSpc>
+            </a:pPr>
+            <a:r>
+              <a:rPr lang="zh-CN" altLang="en-US" dirty="0">
+                <a:latin typeface="Times New Roman" panose="02020603050405020304" pitchFamily="18" charset="0"/>
+                <a:ea typeface="微软雅黑" panose="020B0503020204020204" pitchFamily="34" charset="-122"/>
+              </a:rPr>
+              <a:t>全部处理（保留、交换、丢弃</a:t>
+            </a:r>
+            <a:r>
+              <a:rPr lang="zh-CN" altLang="en-US" dirty="0" smtClean="0">
+                <a:latin typeface="Times New Roman" panose="02020603050405020304" pitchFamily="18" charset="0"/>
+                <a:ea typeface="微软雅黑" panose="020B0503020204020204" pitchFamily="34" charset="-122"/>
+              </a:rPr>
+              <a:t>）</a:t>
+            </a:r>
+            <a:endParaRPr lang="en-US" altLang="zh-CN" dirty="0" smtClean="0">
+              <a:latin typeface="Times New Roman" panose="02020603050405020304" pitchFamily="18" charset="0"/>
+              <a:ea typeface="微软雅黑" panose="020B0503020204020204" pitchFamily="34" charset="-122"/>
+            </a:endParaRPr>
+          </a:p>
+          <a:p>
+            <a:pPr>
+              <a:lnSpc>
+                <a:spcPct val="150000"/>
+              </a:lnSpc>
+            </a:pPr>
+            <a:r>
+              <a:rPr lang="zh-CN" altLang="en-US" dirty="0" smtClean="0">
+                <a:latin typeface="Times New Roman" panose="02020603050405020304" pitchFamily="18" charset="0"/>
+                <a:ea typeface="微软雅黑" panose="020B0503020204020204" pitchFamily="34" charset="-122"/>
+              </a:rPr>
+              <a:t>对</a:t>
+            </a:r>
+            <a:r>
+              <a:rPr lang="zh-CN" altLang="en-US" dirty="0">
+                <a:latin typeface="Times New Roman" panose="02020603050405020304" pitchFamily="18" charset="0"/>
+                <a:ea typeface="微软雅黑" panose="020B0503020204020204" pitchFamily="34" charset="-122"/>
+              </a:rPr>
+              <a:t>于并行采样、束搜索等生成多个序列的请求，这些序列被视为一个</a:t>
+            </a:r>
+            <a:r>
+              <a:rPr lang="zh-CN" altLang="en-US" b="1" dirty="0">
+                <a:latin typeface="Times New Roman" panose="02020603050405020304" pitchFamily="18" charset="0"/>
+                <a:ea typeface="微软雅黑" panose="020B0503020204020204" pitchFamily="34" charset="-122"/>
+              </a:rPr>
+              <a:t>整体</a:t>
+            </a:r>
+            <a:endParaRPr lang="en-US" altLang="zh-CN" b="1" dirty="0">
+              <a:latin typeface="Times New Roman" panose="02020603050405020304" pitchFamily="18" charset="0"/>
+              <a:ea typeface="微软雅黑" panose="020B0503020204020204" pitchFamily="34" charset="-122"/>
+            </a:endParaRPr>
+          </a:p>
+          <a:p>
+            <a:pPr>
+              <a:lnSpc>
+                <a:spcPct val="150000"/>
+              </a:lnSpc>
+            </a:pPr>
+            <a:r>
+              <a:rPr lang="zh-CN" altLang="en-US" b="1" dirty="0">
+                <a:latin typeface="Times New Roman" panose="02020603050405020304" pitchFamily="18" charset="0"/>
+                <a:ea typeface="微软雅黑" panose="020B0503020204020204" pitchFamily="34" charset="-122"/>
+              </a:rPr>
+              <a:t>问题二：</a:t>
+            </a:r>
+            <a:r>
+              <a:rPr lang="zh-CN" altLang="en-US" dirty="0">
+                <a:latin typeface="Times New Roman" panose="02020603050405020304" pitchFamily="18" charset="0"/>
+                <a:ea typeface="微软雅黑" panose="020B0503020204020204" pitchFamily="34" charset="-122"/>
+              </a:rPr>
+              <a:t>如果再次访问逐出的块，如何恢复</a:t>
+            </a:r>
+            <a:r>
+              <a:rPr lang="zh-CN" altLang="en-US" dirty="0" smtClean="0">
+                <a:latin typeface="Times New Roman" panose="02020603050405020304" pitchFamily="18" charset="0"/>
+                <a:ea typeface="微软雅黑" panose="020B0503020204020204" pitchFamily="34" charset="-122"/>
+              </a:rPr>
+              <a:t>？</a:t>
+            </a:r>
+            <a:r>
+              <a:rPr lang="en-US" altLang="zh-CN" dirty="0" smtClean="0">
+                <a:latin typeface="Times New Roman" panose="02020603050405020304" pitchFamily="18" charset="0"/>
+                <a:ea typeface="微软雅黑" panose="020B0503020204020204" pitchFamily="34" charset="-122"/>
+              </a:rPr>
+              <a:t>【</a:t>
+            </a:r>
+            <a:r>
+              <a:rPr lang="zh-CN" altLang="en-US" dirty="0" smtClean="0">
+                <a:latin typeface="Times New Roman" panose="02020603050405020304" pitchFamily="18" charset="0"/>
+                <a:ea typeface="微软雅黑" panose="020B0503020204020204" pitchFamily="34" charset="-122"/>
+              </a:rPr>
+              <a:t>两种策略，选择权留给了我们</a:t>
+            </a:r>
+            <a:r>
+              <a:rPr lang="en-US" altLang="zh-CN" dirty="0" smtClean="0">
+                <a:latin typeface="Times New Roman" panose="02020603050405020304" pitchFamily="18" charset="0"/>
+                <a:ea typeface="微软雅黑" panose="020B0503020204020204" pitchFamily="34" charset="-122"/>
+              </a:rPr>
+              <a:t>】</a:t>
+            </a:r>
+            <a:endParaRPr lang="en-US" altLang="zh-CN" dirty="0">
+              <a:latin typeface="Times New Roman" panose="02020603050405020304" pitchFamily="18" charset="0"/>
+              <a:ea typeface="微软雅黑" panose="020B0503020204020204" pitchFamily="34" charset="-122"/>
+            </a:endParaRPr>
+          </a:p>
+          <a:p>
+            <a:pPr>
+              <a:lnSpc>
+                <a:spcPct val="150000"/>
+              </a:lnSpc>
+            </a:pPr>
+            <a:r>
+              <a:rPr lang="zh-CN" altLang="en-US" dirty="0">
+                <a:latin typeface="Times New Roman" panose="02020603050405020304" pitchFamily="18" charset="0"/>
+                <a:ea typeface="微软雅黑" panose="020B0503020204020204" pitchFamily="34" charset="-122"/>
+              </a:rPr>
+              <a:t>①交换：内存换</a:t>
+            </a:r>
+            <a:r>
+              <a:rPr lang="zh-CN" altLang="en-US" dirty="0" smtClean="0">
+                <a:latin typeface="Times New Roman" panose="02020603050405020304" pitchFamily="18" charset="0"/>
+                <a:ea typeface="微软雅黑" panose="020B0503020204020204" pitchFamily="34" charset="-122"/>
+              </a:rPr>
+              <a:t>时间</a:t>
+            </a:r>
+            <a:endParaRPr lang="en-US" altLang="zh-CN" dirty="0" smtClean="0">
+              <a:latin typeface="Times New Roman" panose="02020603050405020304" pitchFamily="18" charset="0"/>
+              <a:ea typeface="微软雅黑" panose="020B0503020204020204" pitchFamily="34" charset="-122"/>
+            </a:endParaRPr>
+          </a:p>
+          <a:p>
+            <a:pPr>
+              <a:lnSpc>
+                <a:spcPct val="150000"/>
+              </a:lnSpc>
+            </a:pPr>
+            <a:r>
+              <a:rPr lang="en-US" altLang="zh-CN" dirty="0" smtClean="0">
+                <a:latin typeface="Times New Roman" panose="02020603050405020304" pitchFamily="18" charset="0"/>
+                <a:ea typeface="微软雅黑" panose="020B0503020204020204" pitchFamily="34" charset="-122"/>
+              </a:rPr>
+              <a:t>GPU</a:t>
+            </a:r>
+            <a:r>
+              <a:rPr lang="zh-CN" altLang="en-US" dirty="0" smtClean="0">
+                <a:latin typeface="Times New Roman" panose="02020603050405020304" pitchFamily="18" charset="0"/>
+                <a:ea typeface="微软雅黑" panose="020B0503020204020204" pitchFamily="34" charset="-122"/>
+              </a:rPr>
+              <a:t>显存不足时，选择一组最晚到达的请求，将所有</a:t>
+            </a:r>
+            <a:r>
+              <a:rPr lang="en-US" altLang="zh-CN" dirty="0" smtClean="0">
+                <a:latin typeface="Times New Roman" panose="02020603050405020304" pitchFamily="18" charset="0"/>
+                <a:ea typeface="微软雅黑" panose="020B0503020204020204" pitchFamily="34" charset="-122"/>
+              </a:rPr>
+              <a:t>KV</a:t>
+            </a:r>
+            <a:r>
+              <a:rPr lang="zh-CN" altLang="en-US" dirty="0" smtClean="0">
+                <a:latin typeface="Times New Roman" panose="02020603050405020304" pitchFamily="18" charset="0"/>
+                <a:ea typeface="微软雅黑" panose="020B0503020204020204" pitchFamily="34" charset="-122"/>
+              </a:rPr>
+              <a:t>块复制到</a:t>
+            </a:r>
+            <a:r>
+              <a:rPr lang="en-US" altLang="zh-CN" dirty="0" smtClean="0">
+                <a:latin typeface="Times New Roman" panose="02020603050405020304" pitchFamily="18" charset="0"/>
+                <a:ea typeface="微软雅黑" panose="020B0503020204020204" pitchFamily="34" charset="-122"/>
+              </a:rPr>
+              <a:t>CPU</a:t>
+            </a:r>
+            <a:r>
+              <a:rPr lang="zh-CN" altLang="en-US" dirty="0" smtClean="0">
+                <a:latin typeface="Times New Roman" panose="02020603050405020304" pitchFamily="18" charset="0"/>
+                <a:ea typeface="微软雅黑" panose="020B0503020204020204" pitchFamily="34" charset="-122"/>
+              </a:rPr>
+              <a:t>内存</a:t>
+            </a:r>
+            <a:endParaRPr lang="en-US" altLang="zh-CN" dirty="0" smtClean="0">
+              <a:latin typeface="Times New Roman" panose="02020603050405020304" pitchFamily="18" charset="0"/>
+              <a:ea typeface="微软雅黑" panose="020B0503020204020204" pitchFamily="34" charset="-122"/>
+            </a:endParaRPr>
+          </a:p>
+          <a:p>
+            <a:pPr>
+              <a:lnSpc>
+                <a:spcPct val="150000"/>
+              </a:lnSpc>
+            </a:pPr>
+            <a:r>
+              <a:rPr lang="zh-CN" altLang="en-US" dirty="0" smtClean="0">
+                <a:latin typeface="Times New Roman" panose="02020603050405020304" pitchFamily="18" charset="0"/>
+                <a:ea typeface="微软雅黑" panose="020B0503020204020204" pitchFamily="34" charset="-122"/>
+              </a:rPr>
+              <a:t>②</a:t>
+            </a:r>
+            <a:r>
+              <a:rPr lang="zh-CN" altLang="en-US" dirty="0">
+                <a:latin typeface="Times New Roman" panose="02020603050405020304" pitchFamily="18" charset="0"/>
+                <a:ea typeface="微软雅黑" panose="020B0503020204020204" pitchFamily="34" charset="-122"/>
+              </a:rPr>
+              <a:t>重新计算：时间换内</a:t>
+            </a:r>
+            <a:r>
+              <a:rPr lang="zh-CN" altLang="en-US" dirty="0" smtClean="0">
+                <a:latin typeface="Times New Roman" panose="02020603050405020304" pitchFamily="18" charset="0"/>
+                <a:ea typeface="微软雅黑" panose="020B0503020204020204" pitchFamily="34" charset="-122"/>
+              </a:rPr>
+              <a:t>存</a:t>
+            </a:r>
+            <a:endParaRPr lang="en-US" altLang="zh-CN" dirty="0" smtClean="0">
+              <a:latin typeface="Times New Roman" panose="02020603050405020304" pitchFamily="18" charset="0"/>
+              <a:ea typeface="微软雅黑" panose="020B0503020204020204" pitchFamily="34" charset="-122"/>
+            </a:endParaRPr>
+          </a:p>
+          <a:p>
+            <a:pPr>
+              <a:lnSpc>
+                <a:spcPct val="150000"/>
+              </a:lnSpc>
+            </a:pPr>
+            <a:r>
+              <a:rPr lang="zh-CN" altLang="en-US" dirty="0">
+                <a:latin typeface="Times New Roman" panose="02020603050405020304" pitchFamily="18" charset="0"/>
+                <a:ea typeface="微软雅黑" panose="020B0503020204020204" pitchFamily="34" charset="-122"/>
+              </a:rPr>
+              <a:t>优化：</a:t>
+            </a:r>
+            <a:r>
+              <a:rPr lang="en-US" altLang="zh-CN" dirty="0">
+                <a:latin typeface="Times New Roman" panose="02020603050405020304" pitchFamily="18" charset="0"/>
+                <a:ea typeface="微软雅黑" panose="020B0503020204020204" pitchFamily="34" charset="-122"/>
+              </a:rPr>
+              <a:t>vLLM </a:t>
+            </a:r>
+            <a:r>
+              <a:rPr lang="zh-CN" altLang="en-US" dirty="0">
+                <a:latin typeface="Times New Roman" panose="02020603050405020304" pitchFamily="18" charset="0"/>
+                <a:ea typeface="微软雅黑" panose="020B0503020204020204" pitchFamily="34" charset="-122"/>
+              </a:rPr>
+              <a:t>执行一次 “预填充”（</a:t>
+            </a:r>
+            <a:r>
+              <a:rPr lang="en-US" altLang="zh-CN" dirty="0">
+                <a:latin typeface="Times New Roman" panose="02020603050405020304" pitchFamily="18" charset="0"/>
+                <a:ea typeface="微软雅黑" panose="020B0503020204020204" pitchFamily="34" charset="-122"/>
+              </a:rPr>
+              <a:t>prefill</a:t>
+            </a:r>
+            <a:r>
+              <a:rPr lang="zh-CN" altLang="en-US" dirty="0">
+                <a:latin typeface="Times New Roman" panose="02020603050405020304" pitchFamily="18" charset="0"/>
+                <a:ea typeface="微软雅黑" panose="020B0503020204020204" pitchFamily="34" charset="-122"/>
+              </a:rPr>
+              <a:t>）计算，一次性生</a:t>
+            </a:r>
+            <a:r>
+              <a:rPr lang="zh-CN" altLang="en-US" dirty="0" smtClean="0">
+                <a:latin typeface="Times New Roman" panose="02020603050405020304" pitchFamily="18" charset="0"/>
+                <a:ea typeface="微软雅黑" panose="020B0503020204020204" pitchFamily="34" charset="-122"/>
+              </a:rPr>
+              <a:t>成。将原始</a:t>
+            </a:r>
+            <a:r>
+              <a:rPr lang="en-US" altLang="zh-CN" dirty="0" smtClean="0">
+                <a:latin typeface="Times New Roman" panose="02020603050405020304" pitchFamily="18" charset="0"/>
+                <a:ea typeface="微软雅黑" panose="020B0503020204020204" pitchFamily="34" charset="-122"/>
+              </a:rPr>
+              <a:t>prompt</a:t>
+            </a:r>
+            <a:r>
+              <a:rPr lang="zh-CN" altLang="en-US" dirty="0" smtClean="0">
+                <a:latin typeface="Times New Roman" panose="02020603050405020304" pitchFamily="18" charset="0"/>
+                <a:ea typeface="微软雅黑" panose="020B0503020204020204" pitchFamily="34" charset="-122"/>
+              </a:rPr>
+              <a:t>和已生成的 </a:t>
+            </a:r>
+            <a:r>
+              <a:rPr lang="en-US" altLang="zh-CN" dirty="0" smtClean="0">
+                <a:latin typeface="Times New Roman" panose="02020603050405020304" pitchFamily="18" charset="0"/>
+                <a:ea typeface="微软雅黑" panose="020B0503020204020204" pitchFamily="34" charset="-122"/>
+              </a:rPr>
+              <a:t>token</a:t>
+            </a:r>
+            <a:r>
+              <a:rPr lang="zh-CN" altLang="en-US" dirty="0" smtClean="0">
+                <a:latin typeface="Times New Roman" panose="02020603050405020304" pitchFamily="18" charset="0"/>
+                <a:ea typeface="微软雅黑" panose="020B0503020204020204" pitchFamily="34" charset="-122"/>
+              </a:rPr>
+              <a:t>拼接，并行处理整个长序列，一次性生成所有</a:t>
+            </a:r>
+            <a:r>
+              <a:rPr lang="en-US" altLang="zh-CN" b="1" dirty="0" smtClean="0">
+                <a:latin typeface="Times New Roman" panose="02020603050405020304" pitchFamily="18" charset="0"/>
+                <a:ea typeface="微软雅黑" panose="020B0503020204020204" pitchFamily="34" charset="-122"/>
+              </a:rPr>
+              <a:t>KV cache</a:t>
+            </a:r>
+            <a:r>
+              <a:rPr lang="zh-CN" altLang="en-US" dirty="0" smtClean="0">
+                <a:latin typeface="Times New Roman" panose="02020603050405020304" pitchFamily="18" charset="0"/>
+                <a:ea typeface="微软雅黑" panose="020B0503020204020204" pitchFamily="34" charset="-122"/>
+              </a:rPr>
+              <a:t>。</a:t>
+            </a:r>
+            <a:endParaRPr lang="en-US" altLang="zh-CN" dirty="0">
+              <a:latin typeface="Times New Roman" panose="02020603050405020304" pitchFamily="18" charset="0"/>
+              <a:ea typeface="微软雅黑" panose="020B0503020204020204" pitchFamily="34" charset="-122"/>
+            </a:endParaRPr>
+          </a:p>
+        </p:txBody>
+      </p:sp>
+      <p:sp>
+        <p:nvSpPr>
+          <p:cNvPr id="10" name="圆角矩形 9"/>
+          <p:cNvSpPr/>
+          <p:nvPr/>
+        </p:nvSpPr>
+        <p:spPr>
+          <a:xfrm>
+            <a:off x="361532" y="4303002"/>
+            <a:ext cx="2176259" cy="646331"/>
+          </a:xfrm>
+          <a:prstGeom prst="roundRect">
+            <a:avLst/>
+          </a:prstGeom>
+          <a:solidFill>
+            <a:schemeClr val="accent1">
+              <a:alpha val="12000"/>
+            </a:schemeClr>
+          </a:solidFill>
+        </p:spPr>
+        <p:style>
+          <a:lnRef idx="2">
+            <a:schemeClr val="accent1">
+              <a:shade val="50000"/>
+            </a:schemeClr>
+          </a:lnRef>
+          <a:fillRef idx="1">
+            <a:schemeClr val="accent1"/>
+          </a:fillRef>
+          <a:effectRef idx="0">
+            <a:schemeClr val="accent1"/>
+          </a:effectRef>
+          <a:fontRef idx="minor">
+            <a:schemeClr val="lt1"/>
+          </a:fontRef>
+        </p:style>
+        <p:txBody>
+          <a:bodyPr rtlCol="0" anchor="ctr"/>
+          <a:lstStyle/>
+          <a:p>
+            <a:pPr algn="ctr"/>
+            <a:endParaRPr lang="zh-CN" altLang="en-US"/>
+          </a:p>
+        </p:txBody>
+      </p:sp>
+      <p:sp>
+        <p:nvSpPr>
+          <p:cNvPr id="16" name="矩形 15"/>
+          <p:cNvSpPr/>
+          <p:nvPr/>
+        </p:nvSpPr>
+        <p:spPr>
+          <a:xfrm>
+            <a:off x="543804" y="5537158"/>
+            <a:ext cx="1811714" cy="369332"/>
+          </a:xfrm>
+          <a:prstGeom prst="rect">
+            <a:avLst/>
+          </a:prstGeom>
+        </p:spPr>
+        <p:txBody>
+          <a:bodyPr wrap="none">
+            <a:spAutoFit/>
+          </a:bodyPr>
+          <a:lstStyle/>
+          <a:p>
+            <a:r>
+              <a:rPr lang="zh-CN" altLang="en-US" b="1" dirty="0"/>
+              <a:t>计算与通信权衡</a:t>
+            </a:r>
+            <a:endParaRPr lang="zh-CN" altLang="en-US" dirty="0"/>
           </a:p>
         </p:txBody>
       </p:sp>
@@ -6974,6 +7867,3524 @@
 </file>
 
 <file path=ppt/slides/slide13.xml><?xml version="1.0" encoding="utf-8"?>
+<p:sld xmlns:a="http://schemas.openxmlformats.org/drawingml/2006/main" xmlns:r="http://schemas.openxmlformats.org/officeDocument/2006/relationships" xmlns:p="http://schemas.openxmlformats.org/presentationml/2006/main">
+  <p:cSld>
+    <p:spTree>
+      <p:nvGrpSpPr>
+        <p:cNvPr id="1" name=""/>
+        <p:cNvGrpSpPr/>
+        <p:nvPr/>
+      </p:nvGrpSpPr>
+      <p:grpSpPr>
+        <a:xfrm>
+          <a:off x="0" y="0"/>
+          <a:ext cx="0" cy="0"/>
+          <a:chOff x="0" y="0"/>
+          <a:chExt cx="0" cy="0"/>
+        </a:xfrm>
+      </p:grpSpPr>
+      <p:sp>
+        <p:nvSpPr>
+          <p:cNvPr id="2" name="TextBox 6"/>
+          <p:cNvSpPr>
+            <a:spLocks noChangeArrowheads="1"/>
+          </p:cNvSpPr>
+          <p:nvPr/>
+        </p:nvSpPr>
+        <p:spPr bwMode="auto">
+          <a:xfrm>
+            <a:off x="2423693" y="260912"/>
+            <a:ext cx="9407235" cy="430530"/>
+          </a:xfrm>
+          <a:prstGeom prst="rect">
+            <a:avLst/>
+          </a:prstGeom>
+          <a:noFill/>
+          <a:ln>
+            <a:noFill/>
+          </a:ln>
+          <a:extLst>
+            <a:ext uri="{909E8E84-426E-40DD-AFC4-6F175D3DCCD1}">
+              <a14:hiddenFill xmlns:a14="http://schemas.microsoft.com/office/drawing/2010/main">
+                <a:solidFill>
+                  <a:srgbClr val="FFFFFF"/>
+                </a:solidFill>
+              </a14:hiddenFill>
+            </a:ext>
+            <a:ext uri="{91240B29-F687-4F45-9708-019B960494DF}">
+              <a14:hiddenLine xmlns:a14="http://schemas.microsoft.com/office/drawing/2010/main" w="9525">
+                <a:solidFill>
+                  <a:srgbClr val="000000"/>
+                </a:solidFill>
+                <a:miter lim="800000"/>
+                <a:headEnd/>
+                <a:tailEnd/>
+              </a14:hiddenLine>
+            </a:ext>
+          </a:extLst>
+        </p:spPr>
+        <p:txBody>
+          <a:bodyPr wrap="square" lIns="0" tIns="0" rIns="0" bIns="0" anchor="ctr">
+            <a:spAutoFit/>
+          </a:bodyPr>
+          <a:lstStyle>
+            <a:lvl1pPr>
+              <a:defRPr>
+                <a:solidFill>
+                  <a:schemeClr val="tx1"/>
+                </a:solidFill>
+                <a:latin typeface="Arial" panose="020B0604020202020204" pitchFamily="34" charset="0"/>
+                <a:ea typeface="宋体" panose="02010600030101010101" pitchFamily="2" charset="-122"/>
+              </a:defRPr>
+            </a:lvl1pPr>
+            <a:lvl2pPr marL="742950" indent="-285750">
+              <a:defRPr>
+                <a:solidFill>
+                  <a:schemeClr val="tx1"/>
+                </a:solidFill>
+                <a:latin typeface="Arial" panose="020B0604020202020204" pitchFamily="34" charset="0"/>
+                <a:ea typeface="宋体" panose="02010600030101010101" pitchFamily="2" charset="-122"/>
+              </a:defRPr>
+            </a:lvl2pPr>
+            <a:lvl3pPr marL="1143000" indent="-228600">
+              <a:defRPr>
+                <a:solidFill>
+                  <a:schemeClr val="tx1"/>
+                </a:solidFill>
+                <a:latin typeface="Arial" panose="020B0604020202020204" pitchFamily="34" charset="0"/>
+                <a:ea typeface="宋体" panose="02010600030101010101" pitchFamily="2" charset="-122"/>
+              </a:defRPr>
+            </a:lvl3pPr>
+            <a:lvl4pPr marL="1600200" indent="-228600">
+              <a:defRPr>
+                <a:solidFill>
+                  <a:schemeClr val="tx1"/>
+                </a:solidFill>
+                <a:latin typeface="Arial" panose="020B0604020202020204" pitchFamily="34" charset="0"/>
+                <a:ea typeface="宋体" panose="02010600030101010101" pitchFamily="2" charset="-122"/>
+              </a:defRPr>
+            </a:lvl4pPr>
+            <a:lvl5pPr marL="2057400" indent="-228600">
+              <a:defRPr>
+                <a:solidFill>
+                  <a:schemeClr val="tx1"/>
+                </a:solidFill>
+                <a:latin typeface="Arial" panose="020B0604020202020204" pitchFamily="34" charset="0"/>
+                <a:ea typeface="宋体" panose="02010600030101010101" pitchFamily="2" charset="-122"/>
+              </a:defRPr>
+            </a:lvl5pPr>
+            <a:lvl6pPr marL="2514600" indent="-228600" eaLnBrk="0" fontAlgn="base" hangingPunct="0">
+              <a:spcBef>
+                <a:spcPct val="0"/>
+              </a:spcBef>
+              <a:spcAft>
+                <a:spcPct val="0"/>
+              </a:spcAft>
+              <a:defRPr>
+                <a:solidFill>
+                  <a:schemeClr val="tx1"/>
+                </a:solidFill>
+                <a:latin typeface="Arial" panose="020B0604020202020204" pitchFamily="34" charset="0"/>
+                <a:ea typeface="宋体" panose="02010600030101010101" pitchFamily="2" charset="-122"/>
+              </a:defRPr>
+            </a:lvl6pPr>
+            <a:lvl7pPr marL="2971800" indent="-228600" eaLnBrk="0" fontAlgn="base" hangingPunct="0">
+              <a:spcBef>
+                <a:spcPct val="0"/>
+              </a:spcBef>
+              <a:spcAft>
+                <a:spcPct val="0"/>
+              </a:spcAft>
+              <a:defRPr>
+                <a:solidFill>
+                  <a:schemeClr val="tx1"/>
+                </a:solidFill>
+                <a:latin typeface="Arial" panose="020B0604020202020204" pitchFamily="34" charset="0"/>
+                <a:ea typeface="宋体" panose="02010600030101010101" pitchFamily="2" charset="-122"/>
+              </a:defRPr>
+            </a:lvl7pPr>
+            <a:lvl8pPr marL="3429000" indent="-228600" eaLnBrk="0" fontAlgn="base" hangingPunct="0">
+              <a:spcBef>
+                <a:spcPct val="0"/>
+              </a:spcBef>
+              <a:spcAft>
+                <a:spcPct val="0"/>
+              </a:spcAft>
+              <a:defRPr>
+                <a:solidFill>
+                  <a:schemeClr val="tx1"/>
+                </a:solidFill>
+                <a:latin typeface="Arial" panose="020B0604020202020204" pitchFamily="34" charset="0"/>
+                <a:ea typeface="宋体" panose="02010600030101010101" pitchFamily="2" charset="-122"/>
+              </a:defRPr>
+            </a:lvl8pPr>
+            <a:lvl9pPr marL="3886200" indent="-228600" eaLnBrk="0" fontAlgn="base" hangingPunct="0">
+              <a:spcBef>
+                <a:spcPct val="0"/>
+              </a:spcBef>
+              <a:spcAft>
+                <a:spcPct val="0"/>
+              </a:spcAft>
+              <a:defRPr>
+                <a:solidFill>
+                  <a:schemeClr val="tx1"/>
+                </a:solidFill>
+                <a:latin typeface="Arial" panose="020B0604020202020204" pitchFamily="34" charset="0"/>
+                <a:ea typeface="宋体" panose="02010600030101010101" pitchFamily="2" charset="-122"/>
+              </a:defRPr>
+            </a:lvl9pPr>
+          </a:lstStyle>
+          <a:p>
+            <a:pPr marL="0" marR="0" lvl="0" indent="0" algn="l" defTabSz="914400" rtl="0" eaLnBrk="1" fontAlgn="base" latinLnBrk="0" hangingPunct="1">
+              <a:lnSpc>
+                <a:spcPct val="100000"/>
+              </a:lnSpc>
+              <a:spcBef>
+                <a:spcPct val="0"/>
+              </a:spcBef>
+              <a:spcAft>
+                <a:spcPct val="0"/>
+              </a:spcAft>
+              <a:buClrTx/>
+              <a:buSzTx/>
+              <a:buFontTx/>
+              <a:buNone/>
+              <a:defRPr/>
+            </a:pPr>
+            <a:r>
+              <a:rPr lang="zh-CN" altLang="en-US" sz="2800" b="1" noProof="0" dirty="0">
+                <a:solidFill>
+                  <a:srgbClr val="62055D"/>
+                </a:solidFill>
+                <a:latin typeface="Times New Roman" panose="02020603050405020304" pitchFamily="18" charset="0"/>
+                <a:ea typeface="微软雅黑" panose="020B0503020204020204" pitchFamily="34" charset="-122"/>
+                <a:cs typeface="Times New Roman" panose="02020603050405020304" pitchFamily="18" charset="0"/>
+                <a:sym typeface="Impact" panose="020B0806030902050204" pitchFamily="34" charset="0"/>
+              </a:rPr>
+              <a:t>方</a:t>
+            </a:r>
+            <a:r>
+              <a:rPr lang="zh-CN" altLang="en-US" sz="2800" b="1" noProof="0" dirty="0" smtClean="0">
+                <a:solidFill>
+                  <a:srgbClr val="62055D"/>
+                </a:solidFill>
+                <a:latin typeface="Times New Roman" panose="02020603050405020304" pitchFamily="18" charset="0"/>
+                <a:ea typeface="微软雅黑" panose="020B0503020204020204" pitchFamily="34" charset="-122"/>
+                <a:cs typeface="Times New Roman" panose="02020603050405020304" pitchFamily="18" charset="0"/>
+                <a:sym typeface="Impact" panose="020B0806030902050204" pitchFamily="34" charset="0"/>
+              </a:rPr>
+              <a:t>法设计</a:t>
+            </a:r>
+            <a:endParaRPr kumimoji="0" lang="zh-CN" altLang="en-US" sz="2800" b="1" i="0" u="none" strike="noStrike" kern="1200" cap="none" spc="0" normalizeH="0" baseline="0" noProof="0" dirty="0">
+              <a:ln>
+                <a:noFill/>
+              </a:ln>
+              <a:solidFill>
+                <a:srgbClr val="62055D"/>
+              </a:solidFill>
+              <a:effectLst/>
+              <a:uLnTx/>
+              <a:uFillTx/>
+              <a:latin typeface="Times New Roman" panose="02020603050405020304" pitchFamily="18" charset="0"/>
+              <a:ea typeface="微软雅黑" panose="020B0503020204020204" pitchFamily="34" charset="-122"/>
+              <a:cs typeface="Times New Roman" panose="02020603050405020304" pitchFamily="18" charset="0"/>
+              <a:sym typeface="Impact" panose="020B0806030902050204" pitchFamily="34" charset="0"/>
+            </a:endParaRPr>
+          </a:p>
+        </p:txBody>
+      </p:sp>
+      <p:pic>
+        <p:nvPicPr>
+          <p:cNvPr id="4" name="内容占位符 4"/>
+          <p:cNvPicPr>
+            <a:picLocks noChangeAspect="1"/>
+          </p:cNvPicPr>
+          <p:nvPr/>
+        </p:nvPicPr>
+        <p:blipFill>
+          <a:blip r:embed="rId3" cstate="print">
+            <a:extLst>
+              <a:ext uri="{28A0092B-C50C-407E-A947-70E740481C1C}">
+                <a14:useLocalDpi xmlns:a14="http://schemas.microsoft.com/office/drawing/2010/main" val="0"/>
+              </a:ext>
+            </a:extLst>
+          </a:blip>
+          <a:stretch>
+            <a:fillRect/>
+          </a:stretch>
+        </p:blipFill>
+        <p:spPr>
+          <a:xfrm>
+            <a:off x="129540" y="159790"/>
+            <a:ext cx="1989778" cy="632774"/>
+          </a:xfrm>
+          <a:prstGeom prst="rect">
+            <a:avLst/>
+          </a:prstGeom>
+        </p:spPr>
+      </p:pic>
+      <p:sp>
+        <p:nvSpPr>
+          <p:cNvPr id="6" name="矩形 5"/>
+          <p:cNvSpPr/>
+          <p:nvPr/>
+        </p:nvSpPr>
+        <p:spPr>
+          <a:xfrm>
+            <a:off x="2423694" y="697914"/>
+            <a:ext cx="6745244" cy="71852"/>
+          </a:xfrm>
+          <a:prstGeom prst="rect">
+            <a:avLst/>
+          </a:prstGeom>
+          <a:gradFill flip="none" rotWithShape="1">
+            <a:gsLst>
+              <a:gs pos="0">
+                <a:srgbClr val="63065F">
+                  <a:shade val="30000"/>
+                  <a:satMod val="115000"/>
+                  <a:alpha val="60000"/>
+                  <a:lumMod val="100000"/>
+                </a:srgbClr>
+              </a:gs>
+              <a:gs pos="52000">
+                <a:srgbClr val="63065F">
+                  <a:shade val="67500"/>
+                  <a:satMod val="115000"/>
+                  <a:alpha val="70000"/>
+                </a:srgbClr>
+              </a:gs>
+              <a:gs pos="100000">
+                <a:srgbClr val="63065F">
+                  <a:shade val="100000"/>
+                  <a:satMod val="115000"/>
+                </a:srgbClr>
+              </a:gs>
+            </a:gsLst>
+            <a:lin ang="5400000" scaled="1"/>
+            <a:tileRect/>
+          </a:gradFill>
+          <a:ln>
+            <a:noFill/>
+          </a:ln>
+        </p:spPr>
+        <p:style>
+          <a:lnRef idx="2">
+            <a:schemeClr val="accent1">
+              <a:shade val="50000"/>
+            </a:schemeClr>
+          </a:lnRef>
+          <a:fillRef idx="1">
+            <a:schemeClr val="accent1"/>
+          </a:fillRef>
+          <a:effectRef idx="0">
+            <a:schemeClr val="accent1"/>
+          </a:effectRef>
+          <a:fontRef idx="minor">
+            <a:schemeClr val="lt1"/>
+          </a:fontRef>
+        </p:style>
+        <p:txBody>
+          <a:bodyPr rtlCol="0" anchor="ctr"/>
+          <a:lstStyle/>
+          <a:p>
+            <a:pPr algn="ctr"/>
+            <a:endParaRPr lang="zh-CN" altLang="en-US"/>
+          </a:p>
+        </p:txBody>
+      </p:sp>
+      <p:sp>
+        <p:nvSpPr>
+          <p:cNvPr id="7" name="矩形 6"/>
+          <p:cNvSpPr/>
+          <p:nvPr/>
+        </p:nvSpPr>
+        <p:spPr>
+          <a:xfrm>
+            <a:off x="301898" y="924576"/>
+            <a:ext cx="3567002" cy="523220"/>
+          </a:xfrm>
+          <a:prstGeom prst="rect">
+            <a:avLst/>
+          </a:prstGeom>
+        </p:spPr>
+        <p:txBody>
+          <a:bodyPr wrap="none">
+            <a:spAutoFit/>
+          </a:bodyPr>
+          <a:lstStyle/>
+          <a:p>
+            <a:r>
+              <a:rPr lang="en-US" altLang="zh-CN" sz="2800" b="1" dirty="0" smtClean="0">
+                <a:latin typeface="Times New Roman" panose="02020603050405020304" pitchFamily="18" charset="0"/>
+                <a:ea typeface="微软雅黑" panose="020B0503020204020204" pitchFamily="34" charset="-122"/>
+              </a:rPr>
+              <a:t>Distributed </a:t>
+            </a:r>
+            <a:r>
+              <a:rPr lang="en-US" altLang="zh-CN" sz="2800" b="1" dirty="0">
+                <a:latin typeface="Times New Roman" panose="02020603050405020304" pitchFamily="18" charset="0"/>
+                <a:ea typeface="微软雅黑" panose="020B0503020204020204" pitchFamily="34" charset="-122"/>
+              </a:rPr>
+              <a:t>Execution</a:t>
+            </a:r>
+            <a:endParaRPr lang="zh-CN" altLang="en-US" sz="2800" b="1" dirty="0">
+              <a:latin typeface="Times New Roman" panose="02020603050405020304" pitchFamily="18" charset="0"/>
+              <a:ea typeface="微软雅黑" panose="020B0503020204020204" pitchFamily="34" charset="-122"/>
+            </a:endParaRPr>
+          </a:p>
+        </p:txBody>
+      </p:sp>
+      <p:sp>
+        <p:nvSpPr>
+          <p:cNvPr id="12" name="矩形 11"/>
+          <p:cNvSpPr/>
+          <p:nvPr/>
+        </p:nvSpPr>
+        <p:spPr>
+          <a:xfrm>
+            <a:off x="301898" y="1447796"/>
+            <a:ext cx="11376630" cy="1338828"/>
+          </a:xfrm>
+          <a:prstGeom prst="rect">
+            <a:avLst/>
+          </a:prstGeom>
+        </p:spPr>
+        <p:txBody>
+          <a:bodyPr wrap="square">
+            <a:spAutoFit/>
+          </a:bodyPr>
+          <a:lstStyle/>
+          <a:p>
+            <a:pPr>
+              <a:lnSpc>
+                <a:spcPct val="150000"/>
+              </a:lnSpc>
+            </a:pPr>
+            <a:r>
+              <a:rPr lang="zh-CN" altLang="en-US" dirty="0" smtClean="0">
+                <a:latin typeface="Times New Roman" panose="02020603050405020304" pitchFamily="18" charset="0"/>
+                <a:ea typeface="微软雅黑" panose="020B0503020204020204" pitchFamily="34" charset="-122"/>
+              </a:rPr>
+              <a:t>对于一些比较大的模型，其</a:t>
+            </a:r>
+            <a:r>
+              <a:rPr lang="zh-CN" altLang="en-US" dirty="0">
+                <a:latin typeface="Times New Roman" panose="02020603050405020304" pitchFamily="18" charset="0"/>
+                <a:ea typeface="微软雅黑" panose="020B0503020204020204" pitchFamily="34" charset="-122"/>
+              </a:rPr>
+              <a:t>参数量远超单个 </a:t>
+            </a:r>
+            <a:r>
+              <a:rPr lang="en-US" altLang="zh-CN" dirty="0">
+                <a:latin typeface="Times New Roman" panose="02020603050405020304" pitchFamily="18" charset="0"/>
+                <a:ea typeface="微软雅黑" panose="020B0503020204020204" pitchFamily="34" charset="-122"/>
+              </a:rPr>
+              <a:t>GPU </a:t>
+            </a:r>
+            <a:r>
+              <a:rPr lang="zh-CN" altLang="en-US" dirty="0">
+                <a:latin typeface="Times New Roman" panose="02020603050405020304" pitchFamily="18" charset="0"/>
+                <a:ea typeface="微软雅黑" panose="020B0503020204020204" pitchFamily="34" charset="-122"/>
+              </a:rPr>
+              <a:t>显存（如 </a:t>
+            </a:r>
+            <a:r>
+              <a:rPr lang="en-US" altLang="zh-CN" dirty="0">
+                <a:latin typeface="Times New Roman" panose="02020603050405020304" pitchFamily="18" charset="0"/>
+                <a:ea typeface="微软雅黑" panose="020B0503020204020204" pitchFamily="34" charset="-122"/>
+              </a:rPr>
+              <a:t>A100 </a:t>
+            </a:r>
+            <a:r>
+              <a:rPr lang="zh-CN" altLang="en-US" dirty="0">
+                <a:latin typeface="Times New Roman" panose="02020603050405020304" pitchFamily="18" charset="0"/>
+                <a:ea typeface="微软雅黑" panose="020B0503020204020204" pitchFamily="34" charset="-122"/>
+              </a:rPr>
+              <a:t>的 </a:t>
+            </a:r>
+            <a:r>
+              <a:rPr lang="en-US" altLang="zh-CN" dirty="0">
+                <a:latin typeface="Times New Roman" panose="02020603050405020304" pitchFamily="18" charset="0"/>
+                <a:ea typeface="微软雅黑" panose="020B0503020204020204" pitchFamily="34" charset="-122"/>
+              </a:rPr>
+              <a:t>40/80GB</a:t>
+            </a:r>
+            <a:r>
+              <a:rPr lang="zh-CN" altLang="en-US" dirty="0">
+                <a:latin typeface="Times New Roman" panose="02020603050405020304" pitchFamily="18" charset="0"/>
+                <a:ea typeface="微软雅黑" panose="020B0503020204020204" pitchFamily="34" charset="-122"/>
+              </a:rPr>
+              <a:t>）</a:t>
+            </a:r>
+            <a:r>
+              <a:rPr lang="zh-CN" altLang="en-US" dirty="0" smtClean="0">
+                <a:latin typeface="Times New Roman" panose="02020603050405020304" pitchFamily="18" charset="0"/>
+                <a:ea typeface="微软雅黑" panose="020B0503020204020204" pitchFamily="34" charset="-122"/>
+              </a:rPr>
+              <a:t>。</a:t>
+            </a:r>
+            <a:endParaRPr lang="en-US" altLang="zh-CN" dirty="0" smtClean="0">
+              <a:latin typeface="Times New Roman" panose="02020603050405020304" pitchFamily="18" charset="0"/>
+              <a:ea typeface="微软雅黑" panose="020B0503020204020204" pitchFamily="34" charset="-122"/>
+            </a:endParaRPr>
+          </a:p>
+          <a:p>
+            <a:pPr>
+              <a:lnSpc>
+                <a:spcPct val="150000"/>
+              </a:lnSpc>
+            </a:pPr>
+            <a:r>
+              <a:rPr lang="zh-CN" altLang="en-US" dirty="0" smtClean="0">
+                <a:latin typeface="Times New Roman" panose="02020603050405020304" pitchFamily="18" charset="0"/>
+                <a:ea typeface="微软雅黑" panose="020B0503020204020204" pitchFamily="34" charset="-122"/>
+              </a:rPr>
+              <a:t>必</a:t>
+            </a:r>
+            <a:r>
+              <a:rPr lang="zh-CN" altLang="en-US" dirty="0">
+                <a:latin typeface="Times New Roman" panose="02020603050405020304" pitchFamily="18" charset="0"/>
+                <a:ea typeface="微软雅黑" panose="020B0503020204020204" pitchFamily="34" charset="-122"/>
+              </a:rPr>
+              <a:t>须将模型参数切分到多个 </a:t>
+            </a:r>
+            <a:r>
+              <a:rPr lang="en-US" altLang="zh-CN" dirty="0">
+                <a:latin typeface="Times New Roman" panose="02020603050405020304" pitchFamily="18" charset="0"/>
+                <a:ea typeface="微软雅黑" panose="020B0503020204020204" pitchFamily="34" charset="-122"/>
+              </a:rPr>
+              <a:t>GPU </a:t>
+            </a:r>
+            <a:r>
+              <a:rPr lang="zh-CN" altLang="en-US" dirty="0">
+                <a:latin typeface="Times New Roman" panose="02020603050405020304" pitchFamily="18" charset="0"/>
+                <a:ea typeface="微软雅黑" panose="020B0503020204020204" pitchFamily="34" charset="-122"/>
+              </a:rPr>
+              <a:t>上</a:t>
+            </a:r>
+            <a:r>
+              <a:rPr lang="zh-CN" altLang="en-US" dirty="0" smtClean="0">
+                <a:latin typeface="Times New Roman" panose="02020603050405020304" pitchFamily="18" charset="0"/>
+                <a:ea typeface="微软雅黑" panose="020B0503020204020204" pitchFamily="34" charset="-122"/>
+              </a:rPr>
+              <a:t>。</a:t>
+            </a:r>
+            <a:r>
+              <a:rPr lang="zh-CN" altLang="en-US" dirty="0">
+                <a:latin typeface="Times New Roman" panose="02020603050405020304" pitchFamily="18" charset="0"/>
+                <a:ea typeface="微软雅黑" panose="020B0503020204020204" pitchFamily="34" charset="-122"/>
+              </a:rPr>
+              <a:t>因此，需要</a:t>
+            </a:r>
+            <a:r>
+              <a:rPr lang="zh-CN" altLang="en-US" b="1" dirty="0">
+                <a:latin typeface="Times New Roman" panose="02020603050405020304" pitchFamily="18" charset="0"/>
+                <a:ea typeface="微软雅黑" panose="020B0503020204020204" pitchFamily="34" charset="-122"/>
+              </a:rPr>
+              <a:t>张</a:t>
+            </a:r>
+            <a:r>
+              <a:rPr lang="zh-CN" altLang="en-US" b="1" dirty="0">
+                <a:latin typeface="Times New Roman" panose="02020603050405020304" pitchFamily="18" charset="0"/>
+                <a:ea typeface="微软雅黑" panose="020B0503020204020204" pitchFamily="34" charset="-122"/>
+              </a:rPr>
+              <a:t>量模型并行 </a:t>
+            </a:r>
+            <a:r>
+              <a:rPr lang="en-US" altLang="zh-CN" b="1" dirty="0">
+                <a:latin typeface="Times New Roman" panose="02020603050405020304" pitchFamily="18" charset="0"/>
+                <a:ea typeface="微软雅黑" panose="020B0503020204020204" pitchFamily="34" charset="-122"/>
+              </a:rPr>
+              <a:t>(Tensor Model Parallelism, TMP</a:t>
+            </a:r>
+            <a:r>
+              <a:rPr lang="en-US" altLang="zh-CN" b="1" dirty="0" smtClean="0">
+                <a:latin typeface="Times New Roman" panose="02020603050405020304" pitchFamily="18" charset="0"/>
+                <a:ea typeface="微软雅黑" panose="020B0503020204020204" pitchFamily="34" charset="-122"/>
+              </a:rPr>
+              <a:t>)</a:t>
+            </a:r>
+            <a:r>
+              <a:rPr lang="zh-CN" altLang="en-US" dirty="0" smtClean="0">
+                <a:latin typeface="Times New Roman" panose="02020603050405020304" pitchFamily="18" charset="0"/>
+                <a:ea typeface="微软雅黑" panose="020B0503020204020204" pitchFamily="34" charset="-122"/>
+              </a:rPr>
+              <a:t>。</a:t>
+            </a:r>
+            <a:endParaRPr lang="en-US" altLang="zh-CN" dirty="0">
+              <a:latin typeface="Times New Roman" panose="02020603050405020304" pitchFamily="18" charset="0"/>
+              <a:ea typeface="微软雅黑" panose="020B0503020204020204" pitchFamily="34" charset="-122"/>
+            </a:endParaRPr>
+          </a:p>
+          <a:p>
+            <a:pPr>
+              <a:lnSpc>
+                <a:spcPct val="150000"/>
+              </a:lnSpc>
+            </a:pPr>
+            <a:r>
+              <a:rPr lang="en-US" altLang="zh-CN" b="1" dirty="0" smtClean="0">
+                <a:latin typeface="Times New Roman" panose="02020603050405020304" pitchFamily="18" charset="0"/>
+                <a:ea typeface="微软雅黑" panose="020B0503020204020204" pitchFamily="34" charset="-122"/>
+              </a:rPr>
+              <a:t>SPMD </a:t>
+            </a:r>
+            <a:r>
+              <a:rPr lang="zh-CN" altLang="en-US" b="1" dirty="0">
+                <a:latin typeface="Times New Roman" panose="02020603050405020304" pitchFamily="18" charset="0"/>
+                <a:ea typeface="微软雅黑" panose="020B0503020204020204" pitchFamily="34" charset="-122"/>
+              </a:rPr>
+              <a:t>执</a:t>
+            </a:r>
+            <a:r>
+              <a:rPr lang="zh-CN" altLang="en-US" b="1" dirty="0">
+                <a:latin typeface="Times New Roman" panose="02020603050405020304" pitchFamily="18" charset="0"/>
+                <a:ea typeface="微软雅黑" panose="020B0503020204020204" pitchFamily="34" charset="-122"/>
+              </a:rPr>
+              <a:t>行：</a:t>
+            </a:r>
+            <a:r>
+              <a:rPr lang="zh-CN" altLang="en-US" dirty="0" smtClean="0"/>
+              <a:t>所</a:t>
+            </a:r>
+            <a:r>
+              <a:rPr lang="zh-CN" altLang="en-US" dirty="0"/>
+              <a:t>有 </a:t>
+            </a:r>
+            <a:r>
+              <a:rPr lang="en-US" altLang="zh-CN" dirty="0"/>
+              <a:t>GPU </a:t>
+            </a:r>
+            <a:r>
+              <a:rPr lang="zh-CN" altLang="en-US" dirty="0"/>
+              <a:t>运行相同的模型代码（</a:t>
+            </a:r>
+            <a:r>
+              <a:rPr lang="en-US" altLang="zh-CN" dirty="0"/>
+              <a:t>Single Program</a:t>
+            </a:r>
+            <a:r>
+              <a:rPr lang="zh-CN" altLang="en-US" dirty="0"/>
+              <a:t>），但处理的数据分片不同（</a:t>
+            </a:r>
+            <a:r>
+              <a:rPr lang="en-US" altLang="zh-CN" dirty="0"/>
+              <a:t>Multiple Data</a:t>
+            </a:r>
+            <a:r>
+              <a:rPr lang="zh-CN" altLang="en-US" dirty="0"/>
+              <a:t>）</a:t>
+            </a:r>
+            <a:r>
+              <a:rPr lang="zh-CN" altLang="en-US" dirty="0" smtClean="0"/>
+              <a:t>。</a:t>
+            </a:r>
+            <a:endParaRPr lang="en-US" altLang="zh-CN" sz="1600" dirty="0" smtClean="0">
+              <a:latin typeface="Times New Roman" panose="02020603050405020304" pitchFamily="18" charset="0"/>
+              <a:ea typeface="微软雅黑" panose="020B0503020204020204" pitchFamily="34" charset="-122"/>
+            </a:endParaRPr>
+          </a:p>
+        </p:txBody>
+      </p:sp>
+      <p:sp>
+        <p:nvSpPr>
+          <p:cNvPr id="5" name="矩形 4"/>
+          <p:cNvSpPr/>
+          <p:nvPr/>
+        </p:nvSpPr>
+        <p:spPr>
+          <a:xfrm>
+            <a:off x="301898" y="2918697"/>
+            <a:ext cx="11128102" cy="3831818"/>
+          </a:xfrm>
+          <a:prstGeom prst="rect">
+            <a:avLst/>
+          </a:prstGeom>
+        </p:spPr>
+        <p:txBody>
+          <a:bodyPr wrap="square">
+            <a:spAutoFit/>
+          </a:bodyPr>
+          <a:lstStyle/>
+          <a:p>
+            <a:pPr>
+              <a:lnSpc>
+                <a:spcPct val="150000"/>
+              </a:lnSpc>
+            </a:pPr>
+            <a:r>
+              <a:rPr lang="en-US" altLang="zh-CN" b="1" dirty="0">
+                <a:latin typeface="Times New Roman" panose="02020603050405020304" pitchFamily="18" charset="0"/>
+                <a:ea typeface="微软雅黑" panose="020B0503020204020204" pitchFamily="34" charset="-122"/>
+              </a:rPr>
+              <a:t>vLLM</a:t>
+            </a:r>
+            <a:r>
+              <a:rPr lang="zh-CN" altLang="en-US" dirty="0">
+                <a:latin typeface="Times New Roman" panose="02020603050405020304" pitchFamily="18" charset="0"/>
+                <a:ea typeface="微软雅黑" panose="020B0503020204020204" pitchFamily="34" charset="-122"/>
+              </a:rPr>
+              <a:t>的巧妙设计</a:t>
+            </a:r>
+            <a:endParaRPr lang="en-US" altLang="zh-CN" dirty="0">
+              <a:latin typeface="Times New Roman" panose="02020603050405020304" pitchFamily="18" charset="0"/>
+              <a:ea typeface="微软雅黑" panose="020B0503020204020204" pitchFamily="34" charset="-122"/>
+            </a:endParaRPr>
+          </a:p>
+          <a:p>
+            <a:pPr marL="342900" indent="-342900">
+              <a:lnSpc>
+                <a:spcPct val="150000"/>
+              </a:lnSpc>
+              <a:buClr>
+                <a:schemeClr val="accent1"/>
+              </a:buClr>
+              <a:buFont typeface="Wingdings" panose="05000000000000000000" pitchFamily="2" charset="2"/>
+              <a:buChar char="u"/>
+            </a:pPr>
+            <a:r>
+              <a:rPr lang="zh-CN" altLang="en-US" sz="1600" b="1" dirty="0">
+                <a:latin typeface="Times New Roman" panose="02020603050405020304" pitchFamily="18" charset="0"/>
+                <a:ea typeface="微软雅黑" panose="020B0503020204020204" pitchFamily="34" charset="-122"/>
+              </a:rPr>
+              <a:t>单一全局管理器 </a:t>
+            </a:r>
+            <a:r>
+              <a:rPr lang="en-US" altLang="zh-CN" sz="1600" b="1" dirty="0">
+                <a:latin typeface="Times New Roman" panose="02020603050405020304" pitchFamily="18" charset="0"/>
+                <a:ea typeface="微软雅黑" panose="020B0503020204020204" pitchFamily="34" charset="-122"/>
+              </a:rPr>
+              <a:t>(Single KV Cache Manager</a:t>
+            </a:r>
+            <a:r>
+              <a:rPr lang="en-US" altLang="zh-CN" sz="1600" b="1" dirty="0" smtClean="0">
+                <a:latin typeface="Times New Roman" panose="02020603050405020304" pitchFamily="18" charset="0"/>
+                <a:ea typeface="微软雅黑" panose="020B0503020204020204" pitchFamily="34" charset="-122"/>
+              </a:rPr>
+              <a:t>)                              </a:t>
+            </a:r>
+            <a:r>
+              <a:rPr lang="zh-CN" altLang="en-US" sz="1100" dirty="0" smtClean="0">
+                <a:latin typeface="楷体" panose="02010609060101010101" pitchFamily="49" charset="-122"/>
+                <a:ea typeface="楷体" panose="02010609060101010101" pitchFamily="49" charset="-122"/>
+              </a:rPr>
+              <a:t>决</a:t>
+            </a:r>
+            <a:r>
+              <a:rPr lang="zh-CN" altLang="en-US" sz="1100" dirty="0">
+                <a:latin typeface="楷体" panose="02010609060101010101" pitchFamily="49" charset="-122"/>
+                <a:ea typeface="楷体" panose="02010609060101010101" pitchFamily="49" charset="-122"/>
+              </a:rPr>
+              <a:t>定每个逻辑块应该映射到哪个物理块（在哪个 </a:t>
+            </a:r>
+            <a:r>
+              <a:rPr lang="en-US" altLang="zh-CN" sz="1100" dirty="0">
+                <a:latin typeface="楷体" panose="02010609060101010101" pitchFamily="49" charset="-122"/>
+                <a:ea typeface="楷体" panose="02010609060101010101" pitchFamily="49" charset="-122"/>
+              </a:rPr>
+              <a:t>GPU </a:t>
+            </a:r>
+            <a:r>
+              <a:rPr lang="zh-CN" altLang="en-US" sz="1100" dirty="0">
+                <a:latin typeface="楷体" panose="02010609060101010101" pitchFamily="49" charset="-122"/>
+                <a:ea typeface="楷体" panose="02010609060101010101" pitchFamily="49" charset="-122"/>
+              </a:rPr>
+              <a:t>的显存上），并跟踪引用计数</a:t>
+            </a:r>
+            <a:endParaRPr lang="en-US" altLang="zh-CN" sz="1100" b="1" dirty="0" smtClean="0">
+              <a:latin typeface="楷体" panose="02010609060101010101" pitchFamily="49" charset="-122"/>
+              <a:ea typeface="楷体" panose="02010609060101010101" pitchFamily="49" charset="-122"/>
+            </a:endParaRPr>
+          </a:p>
+          <a:p>
+            <a:pPr>
+              <a:lnSpc>
+                <a:spcPct val="150000"/>
+              </a:lnSpc>
+            </a:pPr>
+            <a:r>
+              <a:rPr lang="zh-CN" altLang="en-US" sz="1600" dirty="0">
+                <a:latin typeface="Times New Roman" panose="02020603050405020304" pitchFamily="18" charset="0"/>
+                <a:ea typeface="微软雅黑" panose="020B0503020204020204" pitchFamily="34" charset="-122"/>
+              </a:rPr>
+              <a:t>所有逻辑块到物理块的映射（块表）由集中式调度器上的一个单一管理器统一维</a:t>
+            </a:r>
+            <a:r>
+              <a:rPr lang="zh-CN" altLang="en-US" sz="1600" dirty="0" smtClean="0">
+                <a:latin typeface="Times New Roman" panose="02020603050405020304" pitchFamily="18" charset="0"/>
+                <a:ea typeface="微软雅黑" panose="020B0503020204020204" pitchFamily="34" charset="-122"/>
+              </a:rPr>
+              <a:t>护</a:t>
+            </a:r>
+            <a:endParaRPr lang="en-US" altLang="zh-CN" sz="1600" dirty="0" smtClean="0">
+              <a:latin typeface="Times New Roman" panose="02020603050405020304" pitchFamily="18" charset="0"/>
+              <a:ea typeface="微软雅黑" panose="020B0503020204020204" pitchFamily="34" charset="-122"/>
+            </a:endParaRPr>
+          </a:p>
+          <a:p>
+            <a:pPr marL="342900" indent="-342900">
+              <a:lnSpc>
+                <a:spcPct val="150000"/>
+              </a:lnSpc>
+              <a:buClr>
+                <a:schemeClr val="accent1"/>
+              </a:buClr>
+              <a:buFont typeface="Wingdings" panose="05000000000000000000" pitchFamily="2" charset="2"/>
+              <a:buChar char="u"/>
+            </a:pPr>
+            <a:r>
+              <a:rPr lang="zh-CN" altLang="en-US" sz="1600" b="1" dirty="0" smtClean="0">
+                <a:latin typeface="Times New Roman" panose="02020603050405020304" pitchFamily="18" charset="0"/>
+                <a:ea typeface="微软雅黑" panose="020B0503020204020204" pitchFamily="34" charset="-122"/>
+              </a:rPr>
+              <a:t>共</a:t>
+            </a:r>
+            <a:r>
+              <a:rPr lang="zh-CN" altLang="en-US" sz="1600" b="1" dirty="0">
+                <a:latin typeface="Times New Roman" panose="02020603050405020304" pitchFamily="18" charset="0"/>
+                <a:ea typeface="微软雅黑" panose="020B0503020204020204" pitchFamily="34" charset="-122"/>
+              </a:rPr>
+              <a:t>享映射，独立存</a:t>
+            </a:r>
+            <a:r>
+              <a:rPr lang="zh-CN" altLang="en-US" sz="1600" b="1" dirty="0" smtClean="0">
+                <a:latin typeface="Times New Roman" panose="02020603050405020304" pitchFamily="18" charset="0"/>
+                <a:ea typeface="微软雅黑" panose="020B0503020204020204" pitchFamily="34" charset="-122"/>
+              </a:rPr>
+              <a:t>储</a:t>
+            </a:r>
+            <a:endParaRPr lang="en-US" altLang="zh-CN" sz="1600" b="1" dirty="0" smtClean="0">
+              <a:latin typeface="Times New Roman" panose="02020603050405020304" pitchFamily="18" charset="0"/>
+              <a:ea typeface="微软雅黑" panose="020B0503020204020204" pitchFamily="34" charset="-122"/>
+            </a:endParaRPr>
+          </a:p>
+          <a:p>
+            <a:pPr>
+              <a:lnSpc>
+                <a:spcPct val="150000"/>
+              </a:lnSpc>
+              <a:buClr>
+                <a:schemeClr val="accent1"/>
+              </a:buClr>
+            </a:pPr>
+            <a:r>
+              <a:rPr lang="zh-CN" altLang="en-US" sz="1600" dirty="0">
+                <a:latin typeface="Times New Roman" panose="02020603050405020304" pitchFamily="18" charset="0"/>
+                <a:ea typeface="微软雅黑" panose="020B0503020204020204" pitchFamily="34" charset="-122"/>
+              </a:rPr>
+              <a:t>所有 </a:t>
+            </a:r>
+            <a:r>
+              <a:rPr lang="en-US" altLang="zh-CN" sz="1600" dirty="0">
+                <a:latin typeface="Times New Roman" panose="02020603050405020304" pitchFamily="18" charset="0"/>
+                <a:ea typeface="微软雅黑" panose="020B0503020204020204" pitchFamily="34" charset="-122"/>
+              </a:rPr>
+              <a:t>GPU </a:t>
+            </a:r>
+            <a:r>
+              <a:rPr lang="zh-CN" altLang="en-US" sz="1600" dirty="0">
+                <a:latin typeface="Times New Roman" panose="02020603050405020304" pitchFamily="18" charset="0"/>
+                <a:ea typeface="微软雅黑" panose="020B0503020204020204" pitchFamily="34" charset="-122"/>
+              </a:rPr>
+              <a:t>工作节点共享这个映射关</a:t>
+            </a:r>
+            <a:r>
+              <a:rPr lang="zh-CN" altLang="en-US" sz="1600" dirty="0">
+                <a:latin typeface="Times New Roman" panose="02020603050405020304" pitchFamily="18" charset="0"/>
+                <a:ea typeface="微软雅黑" panose="020B0503020204020204" pitchFamily="34" charset="-122"/>
+              </a:rPr>
+              <a:t>系</a:t>
+            </a:r>
+            <a:r>
+              <a:rPr lang="zh-CN" altLang="en-US" sz="1600" dirty="0">
+                <a:latin typeface="Times New Roman" panose="02020603050405020304" pitchFamily="18" charset="0"/>
+                <a:ea typeface="微软雅黑" panose="020B0503020204020204" pitchFamily="34" charset="-122"/>
+              </a:rPr>
+              <a:t>，</a:t>
+            </a:r>
+            <a:r>
+              <a:rPr lang="zh-CN" altLang="en-US" sz="1600" dirty="0">
+                <a:latin typeface="Times New Roman" panose="02020603050405020304" pitchFamily="18" charset="0"/>
+                <a:ea typeface="微软雅黑" panose="020B0503020204020204" pitchFamily="34" charset="-122"/>
+              </a:rPr>
+              <a:t>每</a:t>
+            </a:r>
+            <a:r>
+              <a:rPr lang="zh-CN" altLang="en-US" sz="1600" dirty="0" smtClean="0">
+                <a:latin typeface="Times New Roman" panose="02020603050405020304" pitchFamily="18" charset="0"/>
+                <a:ea typeface="微软雅黑" panose="020B0503020204020204" pitchFamily="34" charset="-122"/>
+              </a:rPr>
+              <a:t>个节</a:t>
+            </a:r>
+            <a:r>
+              <a:rPr lang="zh-CN" altLang="en-US" sz="1600" dirty="0">
+                <a:latin typeface="Times New Roman" panose="02020603050405020304" pitchFamily="18" charset="0"/>
+                <a:ea typeface="微软雅黑" panose="020B0503020204020204" pitchFamily="34" charset="-122"/>
+              </a:rPr>
+              <a:t>点根据这个块表，只读取和存储属于自己的那部分 </a:t>
+            </a:r>
+            <a:r>
+              <a:rPr lang="en-US" altLang="zh-CN" sz="1600" dirty="0">
+                <a:latin typeface="Times New Roman" panose="02020603050405020304" pitchFamily="18" charset="0"/>
+                <a:ea typeface="微软雅黑" panose="020B0503020204020204" pitchFamily="34" charset="-122"/>
+              </a:rPr>
+              <a:t>KV </a:t>
+            </a:r>
+            <a:r>
+              <a:rPr lang="zh-CN" altLang="en-US" sz="1600" dirty="0">
+                <a:latin typeface="Times New Roman" panose="02020603050405020304" pitchFamily="18" charset="0"/>
+                <a:ea typeface="微软雅黑" panose="020B0503020204020204" pitchFamily="34" charset="-122"/>
+              </a:rPr>
+              <a:t>数据（即其负责的注意力头的 </a:t>
+            </a:r>
+            <a:r>
+              <a:rPr lang="en-US" altLang="zh-CN" sz="1600" dirty="0">
+                <a:latin typeface="Times New Roman" panose="02020603050405020304" pitchFamily="18" charset="0"/>
+                <a:ea typeface="微软雅黑" panose="020B0503020204020204" pitchFamily="34" charset="-122"/>
+              </a:rPr>
+              <a:t>K </a:t>
+            </a:r>
+            <a:r>
+              <a:rPr lang="zh-CN" altLang="en-US" sz="1600" dirty="0">
+                <a:latin typeface="Times New Roman" panose="02020603050405020304" pitchFamily="18" charset="0"/>
+                <a:ea typeface="微软雅黑" panose="020B0503020204020204" pitchFamily="34" charset="-122"/>
+              </a:rPr>
+              <a:t>和 </a:t>
+            </a:r>
+            <a:r>
+              <a:rPr lang="en-US" altLang="zh-CN" sz="1600" dirty="0">
+                <a:latin typeface="Times New Roman" panose="02020603050405020304" pitchFamily="18" charset="0"/>
+                <a:ea typeface="微软雅黑" panose="020B0503020204020204" pitchFamily="34" charset="-122"/>
+              </a:rPr>
+              <a:t>V</a:t>
+            </a:r>
+            <a:r>
+              <a:rPr lang="zh-CN" altLang="en-US" sz="1600" dirty="0">
+                <a:latin typeface="Times New Roman" panose="02020603050405020304" pitchFamily="18" charset="0"/>
+                <a:ea typeface="微软雅黑" panose="020B0503020204020204" pitchFamily="34" charset="-122"/>
+              </a:rPr>
+              <a:t>）</a:t>
+            </a:r>
+            <a:r>
+              <a:rPr lang="zh-CN" altLang="en-US" sz="1600" dirty="0" smtClean="0">
+                <a:latin typeface="Times New Roman" panose="02020603050405020304" pitchFamily="18" charset="0"/>
+                <a:ea typeface="微软雅黑" panose="020B0503020204020204" pitchFamily="34" charset="-122"/>
+              </a:rPr>
+              <a:t>。</a:t>
+            </a:r>
+            <a:endParaRPr lang="en-US" altLang="zh-CN" sz="1600" dirty="0" smtClean="0">
+              <a:latin typeface="Times New Roman" panose="02020603050405020304" pitchFamily="18" charset="0"/>
+              <a:ea typeface="微软雅黑" panose="020B0503020204020204" pitchFamily="34" charset="-122"/>
+            </a:endParaRPr>
+          </a:p>
+          <a:p>
+            <a:pPr marL="342900" indent="-342900">
+              <a:lnSpc>
+                <a:spcPct val="150000"/>
+              </a:lnSpc>
+              <a:buClr>
+                <a:schemeClr val="accent1"/>
+              </a:buClr>
+              <a:buFont typeface="+mj-ea"/>
+              <a:buAutoNum type="circleNumDbPlain"/>
+            </a:pPr>
+            <a:r>
+              <a:rPr lang="en-US" altLang="zh-CN" sz="1600" dirty="0" smtClean="0">
+                <a:latin typeface="Times New Roman" panose="02020603050405020304" pitchFamily="18" charset="0"/>
+                <a:ea typeface="微软雅黑" panose="020B0503020204020204" pitchFamily="34" charset="-122"/>
+              </a:rPr>
+              <a:t>GPU </a:t>
+            </a:r>
+            <a:r>
+              <a:rPr lang="zh-CN" altLang="en-US" sz="1600" dirty="0">
+                <a:latin typeface="Times New Roman" panose="02020603050405020304" pitchFamily="18" charset="0"/>
+                <a:ea typeface="微软雅黑" panose="020B0503020204020204" pitchFamily="34" charset="-122"/>
+              </a:rPr>
+              <a:t>工作节点接收消息，获取自</a:t>
+            </a:r>
+            <a:r>
+              <a:rPr lang="zh-CN" altLang="en-US" sz="1600" dirty="0" smtClean="0">
+                <a:latin typeface="Times New Roman" panose="02020603050405020304" pitchFamily="18" charset="0"/>
+                <a:ea typeface="微软雅黑" panose="020B0503020204020204" pitchFamily="34" charset="-122"/>
+              </a:rPr>
+              <a:t>己的输入和 </a:t>
+            </a:r>
+            <a:r>
+              <a:rPr lang="en-US" altLang="zh-CN" sz="1600" dirty="0" smtClean="0">
+                <a:latin typeface="Times New Roman" panose="02020603050405020304" pitchFamily="18" charset="0"/>
+                <a:ea typeface="微软雅黑" panose="020B0503020204020204" pitchFamily="34" charset="-122"/>
+              </a:rPr>
+              <a:t>KV </a:t>
+            </a:r>
+            <a:r>
+              <a:rPr lang="zh-CN" altLang="en-US" sz="1600" dirty="0" smtClean="0">
+                <a:latin typeface="Times New Roman" panose="02020603050405020304" pitchFamily="18" charset="0"/>
+                <a:ea typeface="微软雅黑" panose="020B0503020204020204" pitchFamily="34" charset="-122"/>
+              </a:rPr>
+              <a:t>缓存位置</a:t>
+            </a:r>
+            <a:endParaRPr lang="en-US" altLang="zh-CN" sz="1600" dirty="0">
+              <a:latin typeface="Times New Roman" panose="02020603050405020304" pitchFamily="18" charset="0"/>
+              <a:ea typeface="微软雅黑" panose="020B0503020204020204" pitchFamily="34" charset="-122"/>
+            </a:endParaRPr>
+          </a:p>
+          <a:p>
+            <a:pPr marL="342900" indent="-342900">
+              <a:lnSpc>
+                <a:spcPct val="150000"/>
+              </a:lnSpc>
+              <a:buClr>
+                <a:schemeClr val="accent1"/>
+              </a:buClr>
+              <a:buFont typeface="+mj-ea"/>
+              <a:buAutoNum type="circleNumDbPlain"/>
+            </a:pPr>
+            <a:r>
+              <a:rPr lang="zh-CN" altLang="en-US" sz="1600" dirty="0">
+                <a:latin typeface="Times New Roman" panose="02020603050405020304" pitchFamily="18" charset="0"/>
+                <a:ea typeface="微软雅黑" panose="020B0503020204020204" pitchFamily="34" charset="-122"/>
+              </a:rPr>
+              <a:t>执</a:t>
+            </a:r>
+            <a:r>
+              <a:rPr lang="zh-CN" altLang="en-US" sz="1600" dirty="0">
+                <a:latin typeface="Times New Roman" panose="02020603050405020304" pitchFamily="18" charset="0"/>
+                <a:ea typeface="微软雅黑" panose="020B0503020204020204" pitchFamily="34" charset="-122"/>
+              </a:rPr>
+              <a:t>行模型前向传</a:t>
+            </a:r>
+            <a:r>
+              <a:rPr lang="zh-CN" altLang="en-US" sz="1600" dirty="0">
+                <a:latin typeface="Times New Roman" panose="02020603050405020304" pitchFamily="18" charset="0"/>
+                <a:ea typeface="微软雅黑" panose="020B0503020204020204" pitchFamily="34" charset="-122"/>
+              </a:rPr>
+              <a:t>播</a:t>
+            </a:r>
+            <a:endParaRPr lang="en-US" altLang="zh-CN" sz="1600" dirty="0">
+              <a:latin typeface="Times New Roman" panose="02020603050405020304" pitchFamily="18" charset="0"/>
+              <a:ea typeface="微软雅黑" panose="020B0503020204020204" pitchFamily="34" charset="-122"/>
+            </a:endParaRPr>
+          </a:p>
+          <a:p>
+            <a:pPr marL="342900" indent="-342900">
+              <a:lnSpc>
+                <a:spcPct val="150000"/>
+              </a:lnSpc>
+              <a:buClr>
+                <a:schemeClr val="accent1"/>
+              </a:buClr>
+              <a:buFont typeface="+mj-ea"/>
+              <a:buAutoNum type="circleNumDbPlain"/>
+            </a:pPr>
+            <a:r>
+              <a:rPr lang="zh-CN" altLang="en-US" sz="1600" dirty="0">
+                <a:latin typeface="Times New Roman" panose="02020603050405020304" pitchFamily="18" charset="0"/>
+                <a:ea typeface="微软雅黑" panose="020B0503020204020204" pitchFamily="34" charset="-122"/>
+              </a:rPr>
+              <a:t>在</a:t>
+            </a:r>
+            <a:r>
+              <a:rPr lang="zh-CN" altLang="en-US" sz="1600" dirty="0">
+                <a:latin typeface="Times New Roman" panose="02020603050405020304" pitchFamily="18" charset="0"/>
+                <a:ea typeface="微软雅黑" panose="020B0503020204020204" pitchFamily="34" charset="-122"/>
+              </a:rPr>
+              <a:t>注意力层，根据块表从本地显存读取所需的 </a:t>
+            </a:r>
+            <a:r>
+              <a:rPr lang="en-US" altLang="zh-CN" sz="1600" dirty="0">
+                <a:latin typeface="Times New Roman" panose="02020603050405020304" pitchFamily="18" charset="0"/>
+                <a:ea typeface="微软雅黑" panose="020B0503020204020204" pitchFamily="34" charset="-122"/>
+              </a:rPr>
+              <a:t>KV </a:t>
+            </a:r>
+            <a:r>
+              <a:rPr lang="zh-CN" altLang="en-US" sz="1600" dirty="0">
+                <a:latin typeface="Times New Roman" panose="02020603050405020304" pitchFamily="18" charset="0"/>
+                <a:ea typeface="微软雅黑" panose="020B0503020204020204" pitchFamily="34" charset="-122"/>
+              </a:rPr>
+              <a:t>块（只读取自己负责的头的部分</a:t>
+            </a:r>
+            <a:r>
+              <a:rPr lang="zh-CN" altLang="en-US" sz="1600" dirty="0" smtClean="0">
+                <a:latin typeface="Times New Roman" panose="02020603050405020304" pitchFamily="18" charset="0"/>
+                <a:ea typeface="微软雅黑" panose="020B0503020204020204" pitchFamily="34" charset="-122"/>
+              </a:rPr>
+              <a:t>）</a:t>
+            </a:r>
+            <a:endParaRPr lang="en-US" altLang="zh-CN" sz="1600" dirty="0">
+              <a:latin typeface="Times New Roman" panose="02020603050405020304" pitchFamily="18" charset="0"/>
+              <a:ea typeface="微软雅黑" panose="020B0503020204020204" pitchFamily="34" charset="-122"/>
+            </a:endParaRPr>
+          </a:p>
+          <a:p>
+            <a:pPr marL="342900" indent="-342900">
+              <a:lnSpc>
+                <a:spcPct val="150000"/>
+              </a:lnSpc>
+              <a:buClr>
+                <a:schemeClr val="accent1"/>
+              </a:buClr>
+              <a:buFont typeface="+mj-ea"/>
+              <a:buAutoNum type="circleNumDbPlain"/>
+            </a:pPr>
+            <a:r>
+              <a:rPr lang="zh-CN" altLang="en-US" sz="1600" dirty="0">
+                <a:latin typeface="Times New Roman" panose="02020603050405020304" pitchFamily="18" charset="0"/>
+                <a:ea typeface="微软雅黑" panose="020B0503020204020204" pitchFamily="34" charset="-122"/>
+              </a:rPr>
+              <a:t>在</a:t>
+            </a:r>
+            <a:r>
+              <a:rPr lang="zh-CN" altLang="en-US" sz="1600" dirty="0">
+                <a:latin typeface="Times New Roman" panose="02020603050405020304" pitchFamily="18" charset="0"/>
+                <a:ea typeface="微软雅黑" panose="020B0503020204020204" pitchFamily="34" charset="-122"/>
+              </a:rPr>
+              <a:t>需要聚合的层（如 </a:t>
+            </a:r>
+            <a:r>
+              <a:rPr lang="en-US" altLang="zh-CN" sz="1600" dirty="0">
+                <a:latin typeface="Times New Roman" panose="02020603050405020304" pitchFamily="18" charset="0"/>
+                <a:ea typeface="微软雅黑" panose="020B0503020204020204" pitchFamily="34" charset="-122"/>
+              </a:rPr>
+              <a:t>FFN </a:t>
+            </a:r>
+            <a:r>
+              <a:rPr lang="zh-CN" altLang="en-US" sz="1600" dirty="0">
+                <a:latin typeface="Times New Roman" panose="02020603050405020304" pitchFamily="18" charset="0"/>
+                <a:ea typeface="微软雅黑" panose="020B0503020204020204" pitchFamily="34" charset="-122"/>
+              </a:rPr>
+              <a:t>输出、注意力输出），通过 </a:t>
+            </a:r>
+            <a:r>
+              <a:rPr lang="en-US" altLang="zh-CN" sz="1600" dirty="0">
+                <a:latin typeface="Times New Roman" panose="02020603050405020304" pitchFamily="18" charset="0"/>
+                <a:ea typeface="微软雅黑" panose="020B0503020204020204" pitchFamily="34" charset="-122"/>
+              </a:rPr>
+              <a:t>all-reduce </a:t>
+            </a:r>
+            <a:r>
+              <a:rPr lang="zh-CN" altLang="en-US" sz="1600" dirty="0">
+                <a:latin typeface="Times New Roman" panose="02020603050405020304" pitchFamily="18" charset="0"/>
+                <a:ea typeface="微软雅黑" panose="020B0503020204020204" pitchFamily="34" charset="-122"/>
+              </a:rPr>
+              <a:t>与其他 </a:t>
+            </a:r>
+            <a:r>
+              <a:rPr lang="en-US" altLang="zh-CN" sz="1600" dirty="0">
+                <a:latin typeface="Times New Roman" panose="02020603050405020304" pitchFamily="18" charset="0"/>
+                <a:ea typeface="微软雅黑" panose="020B0503020204020204" pitchFamily="34" charset="-122"/>
+              </a:rPr>
+              <a:t>GPU </a:t>
+            </a:r>
+            <a:r>
+              <a:rPr lang="zh-CN" altLang="en-US" sz="1600" dirty="0">
+                <a:latin typeface="Times New Roman" panose="02020603050405020304" pitchFamily="18" charset="0"/>
+                <a:ea typeface="微软雅黑" panose="020B0503020204020204" pitchFamily="34" charset="-122"/>
+              </a:rPr>
+              <a:t>同步中间结</a:t>
+            </a:r>
+            <a:r>
+              <a:rPr lang="zh-CN" altLang="en-US" sz="1600" dirty="0" smtClean="0">
+                <a:latin typeface="Times New Roman" panose="02020603050405020304" pitchFamily="18" charset="0"/>
+                <a:ea typeface="微软雅黑" panose="020B0503020204020204" pitchFamily="34" charset="-122"/>
+              </a:rPr>
+              <a:t>果</a:t>
+            </a:r>
+            <a:endParaRPr lang="zh-CN" altLang="en-US" sz="1600" dirty="0">
+              <a:latin typeface="Times New Roman" panose="02020603050405020304" pitchFamily="18" charset="0"/>
+              <a:ea typeface="微软雅黑" panose="020B0503020204020204" pitchFamily="34" charset="-122"/>
+            </a:endParaRPr>
+          </a:p>
+        </p:txBody>
+      </p:sp>
+    </p:spTree>
+    <p:extLst>
+      <p:ext uri="{BB962C8B-B14F-4D97-AF65-F5344CB8AC3E}">
+        <p14:creationId xmlns:p14="http://schemas.microsoft.com/office/powerpoint/2010/main" val="1928523243"/>
+      </p:ext>
+    </p:extLst>
+  </p:cSld>
+  <p:clrMapOvr>
+    <a:masterClrMapping/>
+  </p:clrMapOvr>
+  <p:timing>
+    <p:tnLst>
+      <p:par>
+        <p:cTn id="1" dur="indefinite" restart="never" nodeType="tmRoot"/>
+      </p:par>
+    </p:tnLst>
+  </p:timing>
+</p:sld>
+</file>
+
+<file path=ppt/slides/slide14.xml><?xml version="1.0" encoding="utf-8"?>
+<p:sld xmlns:a="http://schemas.openxmlformats.org/drawingml/2006/main" xmlns:r="http://schemas.openxmlformats.org/officeDocument/2006/relationships" xmlns:p="http://schemas.openxmlformats.org/presentationml/2006/main">
+  <p:cSld>
+    <p:spTree>
+      <p:nvGrpSpPr>
+        <p:cNvPr id="1" name=""/>
+        <p:cNvGrpSpPr/>
+        <p:nvPr/>
+      </p:nvGrpSpPr>
+      <p:grpSpPr>
+        <a:xfrm>
+          <a:off x="0" y="0"/>
+          <a:ext cx="0" cy="0"/>
+          <a:chOff x="0" y="0"/>
+          <a:chExt cx="0" cy="0"/>
+        </a:xfrm>
+      </p:grpSpPr>
+      <p:sp>
+        <p:nvSpPr>
+          <p:cNvPr id="2" name="TextBox 6"/>
+          <p:cNvSpPr>
+            <a:spLocks noChangeArrowheads="1"/>
+          </p:cNvSpPr>
+          <p:nvPr/>
+        </p:nvSpPr>
+        <p:spPr bwMode="auto">
+          <a:xfrm>
+            <a:off x="2423693" y="260912"/>
+            <a:ext cx="9407235" cy="430530"/>
+          </a:xfrm>
+          <a:prstGeom prst="rect">
+            <a:avLst/>
+          </a:prstGeom>
+          <a:noFill/>
+          <a:ln>
+            <a:noFill/>
+          </a:ln>
+          <a:extLst>
+            <a:ext uri="{909E8E84-426E-40DD-AFC4-6F175D3DCCD1}">
+              <a14:hiddenFill xmlns:a14="http://schemas.microsoft.com/office/drawing/2010/main">
+                <a:solidFill>
+                  <a:srgbClr val="FFFFFF"/>
+                </a:solidFill>
+              </a14:hiddenFill>
+            </a:ext>
+            <a:ext uri="{91240B29-F687-4F45-9708-019B960494DF}">
+              <a14:hiddenLine xmlns:a14="http://schemas.microsoft.com/office/drawing/2010/main" w="9525">
+                <a:solidFill>
+                  <a:srgbClr val="000000"/>
+                </a:solidFill>
+                <a:miter lim="800000"/>
+                <a:headEnd/>
+                <a:tailEnd/>
+              </a14:hiddenLine>
+            </a:ext>
+          </a:extLst>
+        </p:spPr>
+        <p:txBody>
+          <a:bodyPr wrap="square" lIns="0" tIns="0" rIns="0" bIns="0" anchor="ctr">
+            <a:spAutoFit/>
+          </a:bodyPr>
+          <a:lstStyle>
+            <a:lvl1pPr>
+              <a:defRPr>
+                <a:solidFill>
+                  <a:schemeClr val="tx1"/>
+                </a:solidFill>
+                <a:latin typeface="Arial" panose="020B0604020202020204" pitchFamily="34" charset="0"/>
+                <a:ea typeface="宋体" panose="02010600030101010101" pitchFamily="2" charset="-122"/>
+              </a:defRPr>
+            </a:lvl1pPr>
+            <a:lvl2pPr marL="742950" indent="-285750">
+              <a:defRPr>
+                <a:solidFill>
+                  <a:schemeClr val="tx1"/>
+                </a:solidFill>
+                <a:latin typeface="Arial" panose="020B0604020202020204" pitchFamily="34" charset="0"/>
+                <a:ea typeface="宋体" panose="02010600030101010101" pitchFamily="2" charset="-122"/>
+              </a:defRPr>
+            </a:lvl2pPr>
+            <a:lvl3pPr marL="1143000" indent="-228600">
+              <a:defRPr>
+                <a:solidFill>
+                  <a:schemeClr val="tx1"/>
+                </a:solidFill>
+                <a:latin typeface="Arial" panose="020B0604020202020204" pitchFamily="34" charset="0"/>
+                <a:ea typeface="宋体" panose="02010600030101010101" pitchFamily="2" charset="-122"/>
+              </a:defRPr>
+            </a:lvl3pPr>
+            <a:lvl4pPr marL="1600200" indent="-228600">
+              <a:defRPr>
+                <a:solidFill>
+                  <a:schemeClr val="tx1"/>
+                </a:solidFill>
+                <a:latin typeface="Arial" panose="020B0604020202020204" pitchFamily="34" charset="0"/>
+                <a:ea typeface="宋体" panose="02010600030101010101" pitchFamily="2" charset="-122"/>
+              </a:defRPr>
+            </a:lvl4pPr>
+            <a:lvl5pPr marL="2057400" indent="-228600">
+              <a:defRPr>
+                <a:solidFill>
+                  <a:schemeClr val="tx1"/>
+                </a:solidFill>
+                <a:latin typeface="Arial" panose="020B0604020202020204" pitchFamily="34" charset="0"/>
+                <a:ea typeface="宋体" panose="02010600030101010101" pitchFamily="2" charset="-122"/>
+              </a:defRPr>
+            </a:lvl5pPr>
+            <a:lvl6pPr marL="2514600" indent="-228600" eaLnBrk="0" fontAlgn="base" hangingPunct="0">
+              <a:spcBef>
+                <a:spcPct val="0"/>
+              </a:spcBef>
+              <a:spcAft>
+                <a:spcPct val="0"/>
+              </a:spcAft>
+              <a:defRPr>
+                <a:solidFill>
+                  <a:schemeClr val="tx1"/>
+                </a:solidFill>
+                <a:latin typeface="Arial" panose="020B0604020202020204" pitchFamily="34" charset="0"/>
+                <a:ea typeface="宋体" panose="02010600030101010101" pitchFamily="2" charset="-122"/>
+              </a:defRPr>
+            </a:lvl6pPr>
+            <a:lvl7pPr marL="2971800" indent="-228600" eaLnBrk="0" fontAlgn="base" hangingPunct="0">
+              <a:spcBef>
+                <a:spcPct val="0"/>
+              </a:spcBef>
+              <a:spcAft>
+                <a:spcPct val="0"/>
+              </a:spcAft>
+              <a:defRPr>
+                <a:solidFill>
+                  <a:schemeClr val="tx1"/>
+                </a:solidFill>
+                <a:latin typeface="Arial" panose="020B0604020202020204" pitchFamily="34" charset="0"/>
+                <a:ea typeface="宋体" panose="02010600030101010101" pitchFamily="2" charset="-122"/>
+              </a:defRPr>
+            </a:lvl7pPr>
+            <a:lvl8pPr marL="3429000" indent="-228600" eaLnBrk="0" fontAlgn="base" hangingPunct="0">
+              <a:spcBef>
+                <a:spcPct val="0"/>
+              </a:spcBef>
+              <a:spcAft>
+                <a:spcPct val="0"/>
+              </a:spcAft>
+              <a:defRPr>
+                <a:solidFill>
+                  <a:schemeClr val="tx1"/>
+                </a:solidFill>
+                <a:latin typeface="Arial" panose="020B0604020202020204" pitchFamily="34" charset="0"/>
+                <a:ea typeface="宋体" panose="02010600030101010101" pitchFamily="2" charset="-122"/>
+              </a:defRPr>
+            </a:lvl8pPr>
+            <a:lvl9pPr marL="3886200" indent="-228600" eaLnBrk="0" fontAlgn="base" hangingPunct="0">
+              <a:spcBef>
+                <a:spcPct val="0"/>
+              </a:spcBef>
+              <a:spcAft>
+                <a:spcPct val="0"/>
+              </a:spcAft>
+              <a:defRPr>
+                <a:solidFill>
+                  <a:schemeClr val="tx1"/>
+                </a:solidFill>
+                <a:latin typeface="Arial" panose="020B0604020202020204" pitchFamily="34" charset="0"/>
+                <a:ea typeface="宋体" panose="02010600030101010101" pitchFamily="2" charset="-122"/>
+              </a:defRPr>
+            </a:lvl9pPr>
+          </a:lstStyle>
+          <a:p>
+            <a:pPr marL="0" marR="0" lvl="0" indent="0" algn="l" defTabSz="914400" rtl="0" eaLnBrk="1" fontAlgn="base" latinLnBrk="0" hangingPunct="1">
+              <a:lnSpc>
+                <a:spcPct val="100000"/>
+              </a:lnSpc>
+              <a:spcBef>
+                <a:spcPct val="0"/>
+              </a:spcBef>
+              <a:spcAft>
+                <a:spcPct val="0"/>
+              </a:spcAft>
+              <a:buClrTx/>
+              <a:buSzTx/>
+              <a:buFontTx/>
+              <a:buNone/>
+              <a:defRPr/>
+            </a:pPr>
+            <a:r>
+              <a:rPr lang="zh-CN" altLang="en-US" sz="2800" b="1" dirty="0">
+                <a:solidFill>
+                  <a:srgbClr val="62055D"/>
+                </a:solidFill>
+                <a:latin typeface="Times New Roman" panose="02020603050405020304" pitchFamily="18" charset="0"/>
+                <a:ea typeface="微软雅黑" panose="020B0503020204020204" pitchFamily="34" charset="-122"/>
+                <a:cs typeface="Times New Roman" panose="02020603050405020304" pitchFamily="18" charset="0"/>
+                <a:sym typeface="Impact" panose="020B0806030902050204" pitchFamily="34" charset="0"/>
+              </a:rPr>
+              <a:t>实</a:t>
+            </a:r>
+            <a:r>
+              <a:rPr lang="zh-CN" altLang="en-US" sz="2800" b="1" dirty="0" smtClean="0">
+                <a:solidFill>
+                  <a:srgbClr val="62055D"/>
+                </a:solidFill>
+                <a:latin typeface="Times New Roman" panose="02020603050405020304" pitchFamily="18" charset="0"/>
+                <a:ea typeface="微软雅黑" panose="020B0503020204020204" pitchFamily="34" charset="-122"/>
+                <a:cs typeface="Times New Roman" panose="02020603050405020304" pitchFamily="18" charset="0"/>
+                <a:sym typeface="Impact" panose="020B0806030902050204" pitchFamily="34" charset="0"/>
+              </a:rPr>
+              <a:t>现与结果评估</a:t>
+            </a:r>
+            <a:endParaRPr kumimoji="0" lang="zh-CN" altLang="en-US" sz="2800" b="1" i="0" u="none" strike="noStrike" kern="1200" cap="none" spc="0" normalizeH="0" baseline="0" noProof="0" dirty="0">
+              <a:ln>
+                <a:noFill/>
+              </a:ln>
+              <a:solidFill>
+                <a:srgbClr val="62055D"/>
+              </a:solidFill>
+              <a:effectLst/>
+              <a:uLnTx/>
+              <a:uFillTx/>
+              <a:latin typeface="Times New Roman" panose="02020603050405020304" pitchFamily="18" charset="0"/>
+              <a:ea typeface="微软雅黑" panose="020B0503020204020204" pitchFamily="34" charset="-122"/>
+              <a:cs typeface="Times New Roman" panose="02020603050405020304" pitchFamily="18" charset="0"/>
+              <a:sym typeface="Impact" panose="020B0806030902050204" pitchFamily="34" charset="0"/>
+            </a:endParaRPr>
+          </a:p>
+        </p:txBody>
+      </p:sp>
+      <p:pic>
+        <p:nvPicPr>
+          <p:cNvPr id="4" name="内容占位符 4"/>
+          <p:cNvPicPr>
+            <a:picLocks noChangeAspect="1"/>
+          </p:cNvPicPr>
+          <p:nvPr/>
+        </p:nvPicPr>
+        <p:blipFill>
+          <a:blip r:embed="rId3" cstate="print">
+            <a:extLst>
+              <a:ext uri="{28A0092B-C50C-407E-A947-70E740481C1C}">
+                <a14:useLocalDpi xmlns:a14="http://schemas.microsoft.com/office/drawing/2010/main" val="0"/>
+              </a:ext>
+            </a:extLst>
+          </a:blip>
+          <a:stretch>
+            <a:fillRect/>
+          </a:stretch>
+        </p:blipFill>
+        <p:spPr>
+          <a:xfrm>
+            <a:off x="129540" y="159790"/>
+            <a:ext cx="1989778" cy="632774"/>
+          </a:xfrm>
+          <a:prstGeom prst="rect">
+            <a:avLst/>
+          </a:prstGeom>
+        </p:spPr>
+      </p:pic>
+      <p:sp>
+        <p:nvSpPr>
+          <p:cNvPr id="6" name="矩形 5"/>
+          <p:cNvSpPr/>
+          <p:nvPr/>
+        </p:nvSpPr>
+        <p:spPr>
+          <a:xfrm>
+            <a:off x="2423694" y="697914"/>
+            <a:ext cx="6745244" cy="71852"/>
+          </a:xfrm>
+          <a:prstGeom prst="rect">
+            <a:avLst/>
+          </a:prstGeom>
+          <a:gradFill flip="none" rotWithShape="1">
+            <a:gsLst>
+              <a:gs pos="0">
+                <a:srgbClr val="63065F">
+                  <a:shade val="30000"/>
+                  <a:satMod val="115000"/>
+                  <a:alpha val="60000"/>
+                  <a:lumMod val="100000"/>
+                </a:srgbClr>
+              </a:gs>
+              <a:gs pos="52000">
+                <a:srgbClr val="63065F">
+                  <a:shade val="67500"/>
+                  <a:satMod val="115000"/>
+                  <a:alpha val="70000"/>
+                </a:srgbClr>
+              </a:gs>
+              <a:gs pos="100000">
+                <a:srgbClr val="63065F">
+                  <a:shade val="100000"/>
+                  <a:satMod val="115000"/>
+                </a:srgbClr>
+              </a:gs>
+            </a:gsLst>
+            <a:lin ang="5400000" scaled="1"/>
+            <a:tileRect/>
+          </a:gradFill>
+          <a:ln>
+            <a:noFill/>
+          </a:ln>
+        </p:spPr>
+        <p:style>
+          <a:lnRef idx="2">
+            <a:schemeClr val="accent1">
+              <a:shade val="50000"/>
+            </a:schemeClr>
+          </a:lnRef>
+          <a:fillRef idx="1">
+            <a:schemeClr val="accent1"/>
+          </a:fillRef>
+          <a:effectRef idx="0">
+            <a:schemeClr val="accent1"/>
+          </a:effectRef>
+          <a:fontRef idx="minor">
+            <a:schemeClr val="lt1"/>
+          </a:fontRef>
+        </p:style>
+        <p:txBody>
+          <a:bodyPr rtlCol="0" anchor="ctr"/>
+          <a:lstStyle/>
+          <a:p>
+            <a:pPr algn="ctr"/>
+            <a:endParaRPr lang="zh-CN" altLang="en-US"/>
+          </a:p>
+        </p:txBody>
+      </p:sp>
+      <p:sp>
+        <p:nvSpPr>
+          <p:cNvPr id="7" name="矩形 6"/>
+          <p:cNvSpPr/>
+          <p:nvPr/>
+        </p:nvSpPr>
+        <p:spPr>
+          <a:xfrm>
+            <a:off x="301898" y="924576"/>
+            <a:ext cx="2640466" cy="523220"/>
+          </a:xfrm>
+          <a:prstGeom prst="rect">
+            <a:avLst/>
+          </a:prstGeom>
+        </p:spPr>
+        <p:txBody>
+          <a:bodyPr wrap="none">
+            <a:spAutoFit/>
+          </a:bodyPr>
+          <a:lstStyle/>
+          <a:p>
+            <a:r>
+              <a:rPr lang="en-US" altLang="zh-CN" sz="2800" b="1" dirty="0" smtClean="0">
+                <a:latin typeface="Times New Roman" panose="02020603050405020304" pitchFamily="18" charset="0"/>
+                <a:ea typeface="微软雅黑" panose="020B0503020204020204" pitchFamily="34" charset="-122"/>
+              </a:rPr>
+              <a:t>Implementation</a:t>
+            </a:r>
+            <a:endParaRPr lang="zh-CN" altLang="en-US" sz="2800" b="1" dirty="0">
+              <a:latin typeface="Times New Roman" panose="02020603050405020304" pitchFamily="18" charset="0"/>
+              <a:ea typeface="微软雅黑" panose="020B0503020204020204" pitchFamily="34" charset="-122"/>
+            </a:endParaRPr>
+          </a:p>
+        </p:txBody>
+      </p:sp>
+      <p:sp>
+        <p:nvSpPr>
+          <p:cNvPr id="12" name="矩形 11"/>
+          <p:cNvSpPr/>
+          <p:nvPr/>
+        </p:nvSpPr>
+        <p:spPr>
+          <a:xfrm>
+            <a:off x="301898" y="1447796"/>
+            <a:ext cx="11376630" cy="1338828"/>
+          </a:xfrm>
+          <a:prstGeom prst="rect">
+            <a:avLst/>
+          </a:prstGeom>
+        </p:spPr>
+        <p:txBody>
+          <a:bodyPr wrap="square">
+            <a:spAutoFit/>
+          </a:bodyPr>
+          <a:lstStyle/>
+          <a:p>
+            <a:pPr>
+              <a:lnSpc>
+                <a:spcPct val="150000"/>
+              </a:lnSpc>
+            </a:pPr>
+            <a:r>
+              <a:rPr lang="en-US" altLang="zh-CN" dirty="0" smtClean="0">
+                <a:latin typeface="Times New Roman" panose="02020603050405020304" pitchFamily="18" charset="0"/>
+                <a:ea typeface="微软雅黑" panose="020B0503020204020204" pitchFamily="34" charset="-122"/>
+              </a:rPr>
+              <a:t>vLLM </a:t>
+            </a:r>
+            <a:r>
+              <a:rPr lang="zh-CN" altLang="en-US" dirty="0" smtClean="0">
+                <a:latin typeface="Times New Roman" panose="02020603050405020304" pitchFamily="18" charset="0"/>
+                <a:ea typeface="微软雅黑" panose="020B0503020204020204" pitchFamily="34" charset="-122"/>
+              </a:rPr>
+              <a:t>是一个</a:t>
+            </a:r>
+            <a:r>
+              <a:rPr lang="zh-CN" altLang="en-US" dirty="0">
+                <a:latin typeface="Times New Roman" panose="02020603050405020304" pitchFamily="18" charset="0"/>
+                <a:ea typeface="微软雅黑" panose="020B0503020204020204" pitchFamily="34" charset="-122"/>
+              </a:rPr>
+              <a:t>端到端</a:t>
+            </a:r>
+            <a:r>
+              <a:rPr lang="zh-CN" altLang="en-US" dirty="0" smtClean="0">
+                <a:latin typeface="Times New Roman" panose="02020603050405020304" pitchFamily="18" charset="0"/>
+                <a:ea typeface="微软雅黑" panose="020B0503020204020204" pitchFamily="34" charset="-122"/>
+              </a:rPr>
+              <a:t>的 </a:t>
+            </a:r>
+            <a:r>
+              <a:rPr lang="en-US" altLang="zh-CN" dirty="0" smtClean="0">
+                <a:latin typeface="Times New Roman" panose="02020603050405020304" pitchFamily="18" charset="0"/>
+                <a:ea typeface="微软雅黑" panose="020B0503020204020204" pitchFamily="34" charset="-122"/>
+              </a:rPr>
+              <a:t>LLM </a:t>
+            </a:r>
+            <a:r>
+              <a:rPr lang="zh-CN" altLang="en-US" dirty="0" smtClean="0">
+                <a:latin typeface="Times New Roman" panose="02020603050405020304" pitchFamily="18" charset="0"/>
+                <a:ea typeface="微软雅黑" panose="020B0503020204020204" pitchFamily="34" charset="-122"/>
+              </a:rPr>
+              <a:t>服</a:t>
+            </a:r>
+            <a:r>
+              <a:rPr lang="zh-CN" altLang="en-US" dirty="0">
+                <a:latin typeface="Times New Roman" panose="02020603050405020304" pitchFamily="18" charset="0"/>
+                <a:ea typeface="微软雅黑" panose="020B0503020204020204" pitchFamily="34" charset="-122"/>
+              </a:rPr>
+              <a:t>务系</a:t>
+            </a:r>
+            <a:r>
+              <a:rPr lang="zh-CN" altLang="en-US" dirty="0">
+                <a:latin typeface="Times New Roman" panose="02020603050405020304" pitchFamily="18" charset="0"/>
+                <a:ea typeface="微软雅黑" panose="020B0503020204020204" pitchFamily="34" charset="-122"/>
+              </a:rPr>
+              <a:t>统，包含一个基于 </a:t>
+            </a:r>
+            <a:r>
+              <a:rPr lang="en-US" altLang="zh-CN" dirty="0" smtClean="0">
+                <a:latin typeface="Times New Roman" panose="02020603050405020304" pitchFamily="18" charset="0"/>
+                <a:ea typeface="微软雅黑" panose="020B0503020204020204" pitchFamily="34" charset="-122"/>
+              </a:rPr>
+              <a:t>FastAPI</a:t>
+            </a:r>
+            <a:r>
+              <a:rPr lang="zh-CN" altLang="en-US" dirty="0" smtClean="0">
+                <a:latin typeface="Times New Roman" panose="02020603050405020304" pitchFamily="18" charset="0"/>
+                <a:ea typeface="微软雅黑" panose="020B0503020204020204" pitchFamily="34" charset="-122"/>
+              </a:rPr>
+              <a:t>的</a:t>
+            </a:r>
+            <a:r>
+              <a:rPr lang="zh-CN" altLang="en-US" dirty="0">
+                <a:latin typeface="Times New Roman" panose="02020603050405020304" pitchFamily="18" charset="0"/>
+                <a:ea typeface="微软雅黑" panose="020B0503020204020204" pitchFamily="34" charset="-122"/>
+              </a:rPr>
+              <a:t>前端和一个基于 </a:t>
+            </a:r>
+            <a:r>
+              <a:rPr lang="en-US" altLang="zh-CN" dirty="0">
+                <a:latin typeface="Times New Roman" panose="02020603050405020304" pitchFamily="18" charset="0"/>
+                <a:ea typeface="微软雅黑" panose="020B0503020204020204" pitchFamily="34" charset="-122"/>
+              </a:rPr>
+              <a:t>GPU </a:t>
+            </a:r>
+            <a:r>
+              <a:rPr lang="zh-CN" altLang="en-US" dirty="0">
+                <a:latin typeface="Times New Roman" panose="02020603050405020304" pitchFamily="18" charset="0"/>
+                <a:ea typeface="微软雅黑" panose="020B0503020204020204" pitchFamily="34" charset="-122"/>
+              </a:rPr>
+              <a:t>的推理引擎。使用 </a:t>
+            </a:r>
+            <a:r>
+              <a:rPr lang="en-US" altLang="zh-CN" dirty="0">
+                <a:latin typeface="Times New Roman" panose="02020603050405020304" pitchFamily="18" charset="0"/>
+                <a:ea typeface="微软雅黑" panose="020B0503020204020204" pitchFamily="34" charset="-122"/>
+              </a:rPr>
+              <a:t>Python </a:t>
+            </a:r>
+            <a:r>
+              <a:rPr lang="zh-CN" altLang="en-US" dirty="0">
+                <a:latin typeface="Times New Roman" panose="02020603050405020304" pitchFamily="18" charset="0"/>
+                <a:ea typeface="微软雅黑" panose="020B0503020204020204" pitchFamily="34" charset="-122"/>
+              </a:rPr>
+              <a:t>开发了调度器和块管理器等控制相关组件</a:t>
+            </a:r>
+            <a:r>
+              <a:rPr lang="zh-CN" altLang="en-US" dirty="0" smtClean="0">
+                <a:latin typeface="Times New Roman" panose="02020603050405020304" pitchFamily="18" charset="0"/>
+                <a:ea typeface="微软雅黑" panose="020B0503020204020204" pitchFamily="34" charset="-122"/>
+              </a:rPr>
+              <a:t>，</a:t>
+            </a:r>
+            <a:r>
+              <a:rPr lang="zh-CN" altLang="en-US" dirty="0">
+                <a:latin typeface="Times New Roman" panose="02020603050405020304" pitchFamily="18" charset="0"/>
+                <a:ea typeface="微软雅黑" panose="020B0503020204020204" pitchFamily="34" charset="-122"/>
+              </a:rPr>
+              <a:t>使用 </a:t>
+            </a:r>
+            <a:r>
+              <a:rPr lang="en-US" altLang="zh-CN" dirty="0">
+                <a:latin typeface="Times New Roman" panose="02020603050405020304" pitchFamily="18" charset="0"/>
+                <a:ea typeface="微软雅黑" panose="020B0503020204020204" pitchFamily="34" charset="-122"/>
+              </a:rPr>
+              <a:t>NCCL </a:t>
+            </a:r>
+            <a:r>
+              <a:rPr lang="zh-CN" altLang="en-US" dirty="0">
+                <a:latin typeface="Times New Roman" panose="02020603050405020304" pitchFamily="18" charset="0"/>
+                <a:ea typeface="微软雅黑" panose="020B0503020204020204" pitchFamily="34" charset="-122"/>
+              </a:rPr>
+              <a:t>进行分布式 </a:t>
+            </a:r>
+            <a:r>
+              <a:rPr lang="en-US" altLang="zh-CN" dirty="0">
+                <a:latin typeface="Times New Roman" panose="02020603050405020304" pitchFamily="18" charset="0"/>
+                <a:ea typeface="微软雅黑" panose="020B0503020204020204" pitchFamily="34" charset="-122"/>
+              </a:rPr>
+              <a:t>GPU </a:t>
+            </a:r>
+            <a:r>
+              <a:rPr lang="zh-CN" altLang="en-US" dirty="0">
+                <a:latin typeface="Times New Roman" panose="02020603050405020304" pitchFamily="18" charset="0"/>
+                <a:ea typeface="微软雅黑" panose="020B0503020204020204" pitchFamily="34" charset="-122"/>
+              </a:rPr>
+              <a:t>工作节点之间的张量通信。</a:t>
+            </a:r>
+            <a:r>
+              <a:rPr lang="zh-CN" altLang="en-US" dirty="0" smtClean="0">
+                <a:latin typeface="Times New Roman" panose="02020603050405020304" pitchFamily="18" charset="0"/>
+                <a:ea typeface="微软雅黑" panose="020B0503020204020204" pitchFamily="34" charset="-122"/>
+              </a:rPr>
+              <a:t>同</a:t>
+            </a:r>
+            <a:r>
+              <a:rPr lang="zh-CN" altLang="en-US" dirty="0">
+                <a:latin typeface="Times New Roman" panose="02020603050405020304" pitchFamily="18" charset="0"/>
+                <a:ea typeface="微软雅黑" panose="020B0503020204020204" pitchFamily="34" charset="-122"/>
+              </a:rPr>
+              <a:t>时为 </a:t>
+            </a:r>
+            <a:r>
+              <a:rPr lang="en-US" altLang="zh-CN" dirty="0">
+                <a:latin typeface="Times New Roman" panose="02020603050405020304" pitchFamily="18" charset="0"/>
+                <a:ea typeface="微软雅黑" panose="020B0503020204020204" pitchFamily="34" charset="-122"/>
+              </a:rPr>
+              <a:t>PagedAttention </a:t>
+            </a:r>
+            <a:r>
+              <a:rPr lang="zh-CN" altLang="en-US" dirty="0">
+                <a:latin typeface="Times New Roman" panose="02020603050405020304" pitchFamily="18" charset="0"/>
+                <a:ea typeface="微软雅黑" panose="020B0503020204020204" pitchFamily="34" charset="-122"/>
+              </a:rPr>
+              <a:t>等关键操作开发了自定义的 </a:t>
+            </a:r>
+            <a:r>
+              <a:rPr lang="en-US" altLang="zh-CN" dirty="0">
+                <a:latin typeface="Times New Roman" panose="02020603050405020304" pitchFamily="18" charset="0"/>
+                <a:ea typeface="微软雅黑" panose="020B0503020204020204" pitchFamily="34" charset="-122"/>
+              </a:rPr>
+              <a:t>CUDA </a:t>
+            </a:r>
+            <a:r>
+              <a:rPr lang="zh-CN" altLang="en-US" dirty="0">
+                <a:latin typeface="Times New Roman" panose="02020603050405020304" pitchFamily="18" charset="0"/>
+                <a:ea typeface="微软雅黑" panose="020B0503020204020204" pitchFamily="34" charset="-122"/>
+              </a:rPr>
+              <a:t>内核</a:t>
+            </a:r>
+            <a:r>
+              <a:rPr lang="zh-CN" altLang="en-US" dirty="0" smtClean="0">
+                <a:latin typeface="Times New Roman" panose="02020603050405020304" pitchFamily="18" charset="0"/>
+                <a:ea typeface="微软雅黑" panose="020B0503020204020204" pitchFamily="34" charset="-122"/>
+              </a:rPr>
+              <a:t>。</a:t>
+            </a:r>
+            <a:endParaRPr lang="en-US" altLang="zh-CN" dirty="0" smtClean="0">
+              <a:latin typeface="Times New Roman" panose="02020603050405020304" pitchFamily="18" charset="0"/>
+              <a:ea typeface="微软雅黑" panose="020B0503020204020204" pitchFamily="34" charset="-122"/>
+            </a:endParaRPr>
+          </a:p>
+        </p:txBody>
+      </p:sp>
+      <p:sp>
+        <p:nvSpPr>
+          <p:cNvPr id="5" name="矩形 4"/>
+          <p:cNvSpPr/>
+          <p:nvPr/>
+        </p:nvSpPr>
+        <p:spPr>
+          <a:xfrm>
+            <a:off x="301898" y="2864489"/>
+            <a:ext cx="11128102" cy="3785652"/>
+          </a:xfrm>
+          <a:prstGeom prst="rect">
+            <a:avLst/>
+          </a:prstGeom>
+        </p:spPr>
+        <p:txBody>
+          <a:bodyPr wrap="square">
+            <a:spAutoFit/>
+          </a:bodyPr>
+          <a:lstStyle/>
+          <a:p>
+            <a:pPr marL="342900" indent="-342900">
+              <a:lnSpc>
+                <a:spcPct val="150000"/>
+              </a:lnSpc>
+              <a:buClr>
+                <a:schemeClr val="accent1"/>
+              </a:buClr>
+              <a:buFont typeface="Wingdings" panose="05000000000000000000" pitchFamily="2" charset="2"/>
+              <a:buChar char="u"/>
+            </a:pPr>
+            <a:r>
+              <a:rPr lang="zh-CN" altLang="en-US" sz="1600" b="1" dirty="0" smtClean="0">
+                <a:latin typeface="Times New Roman" panose="02020603050405020304" pitchFamily="18" charset="0"/>
+                <a:ea typeface="微软雅黑" panose="020B0503020204020204" pitchFamily="34" charset="-122"/>
+              </a:rPr>
+              <a:t>内核级优化 </a:t>
+            </a:r>
+            <a:r>
+              <a:rPr lang="en-US" altLang="zh-CN" sz="1600" b="1" dirty="0" smtClean="0">
+                <a:latin typeface="Times New Roman" panose="02020603050405020304" pitchFamily="18" charset="0"/>
+                <a:ea typeface="微软雅黑" panose="020B0503020204020204" pitchFamily="34" charset="-122"/>
+              </a:rPr>
+              <a:t>(Kernel-level Optimization)</a:t>
+            </a:r>
+          </a:p>
+          <a:p>
+            <a:pPr>
+              <a:lnSpc>
+                <a:spcPct val="150000"/>
+              </a:lnSpc>
+              <a:buClr>
+                <a:schemeClr val="accent1"/>
+              </a:buClr>
+            </a:pPr>
+            <a:r>
+              <a:rPr lang="zh-CN" altLang="en-US" sz="1600" dirty="0">
+                <a:latin typeface="Times New Roman" panose="02020603050405020304" pitchFamily="18" charset="0"/>
+                <a:ea typeface="微软雅黑" panose="020B0503020204020204" pitchFamily="34" charset="-122"/>
+              </a:rPr>
+              <a:t>融合重塑与块写入、融合块读取与注意力计算、融合块复制</a:t>
+            </a:r>
+            <a:endParaRPr lang="en-US" altLang="zh-CN" sz="1600" dirty="0" smtClean="0">
+              <a:latin typeface="Times New Roman" panose="02020603050405020304" pitchFamily="18" charset="0"/>
+              <a:ea typeface="微软雅黑" panose="020B0503020204020204" pitchFamily="34" charset="-122"/>
+            </a:endParaRPr>
+          </a:p>
+          <a:p>
+            <a:pPr marL="342900" indent="-342900">
+              <a:lnSpc>
+                <a:spcPct val="150000"/>
+              </a:lnSpc>
+              <a:buClr>
+                <a:schemeClr val="accent1"/>
+              </a:buClr>
+              <a:buFont typeface="Wingdings" panose="05000000000000000000" pitchFamily="2" charset="2"/>
+              <a:buChar char="u"/>
+            </a:pPr>
+            <a:r>
+              <a:rPr lang="zh-CN" altLang="en-US" sz="1600" b="1" dirty="0" smtClean="0">
+                <a:latin typeface="Times New Roman" panose="02020603050405020304" pitchFamily="18" charset="0"/>
+                <a:ea typeface="微软雅黑" panose="020B0503020204020204" pitchFamily="34" charset="-122"/>
+              </a:rPr>
+              <a:t>支</a:t>
+            </a:r>
+            <a:r>
+              <a:rPr lang="zh-CN" altLang="en-US" sz="1600" b="1" dirty="0">
+                <a:latin typeface="Times New Roman" panose="02020603050405020304" pitchFamily="18" charset="0"/>
+                <a:ea typeface="微软雅黑" panose="020B0503020204020204" pitchFamily="34" charset="-122"/>
+              </a:rPr>
+              <a:t>持多种解码算</a:t>
+            </a:r>
+            <a:r>
+              <a:rPr lang="zh-CN" altLang="en-US" sz="1600" b="1" dirty="0" smtClean="0">
+                <a:latin typeface="Times New Roman" panose="02020603050405020304" pitchFamily="18" charset="0"/>
+                <a:ea typeface="微软雅黑" panose="020B0503020204020204" pitchFamily="34" charset="-122"/>
+              </a:rPr>
+              <a:t>法</a:t>
+            </a:r>
+            <a:r>
+              <a:rPr lang="en-US" altLang="zh-CN" sz="1600" b="1" dirty="0">
+                <a:latin typeface="Times New Roman" panose="02020603050405020304" pitchFamily="18" charset="0"/>
+                <a:ea typeface="微软雅黑" panose="020B0503020204020204" pitchFamily="34" charset="-122"/>
+              </a:rPr>
+              <a:t>( </a:t>
+            </a:r>
+            <a:r>
+              <a:rPr lang="en-US" altLang="zh-CN" sz="1600" b="1" dirty="0" smtClean="0">
+                <a:latin typeface="Times New Roman" panose="02020603050405020304" pitchFamily="18" charset="0"/>
+                <a:ea typeface="微软雅黑" panose="020B0503020204020204" pitchFamily="34" charset="-122"/>
+              </a:rPr>
+              <a:t>Supporting </a:t>
+            </a:r>
+            <a:r>
+              <a:rPr lang="en-US" altLang="zh-CN" sz="1600" b="1" dirty="0">
+                <a:latin typeface="Times New Roman" panose="02020603050405020304" pitchFamily="18" charset="0"/>
+                <a:ea typeface="微软雅黑" panose="020B0503020204020204" pitchFamily="34" charset="-122"/>
+              </a:rPr>
+              <a:t>Various Decoding </a:t>
+            </a:r>
+            <a:r>
+              <a:rPr lang="en-US" altLang="zh-CN" sz="1600" b="1" dirty="0" smtClean="0">
+                <a:latin typeface="Times New Roman" panose="02020603050405020304" pitchFamily="18" charset="0"/>
+                <a:ea typeface="微软雅黑" panose="020B0503020204020204" pitchFamily="34" charset="-122"/>
+              </a:rPr>
+              <a:t>Algorithms)</a:t>
+            </a:r>
+          </a:p>
+          <a:p>
+            <a:pPr>
+              <a:lnSpc>
+                <a:spcPct val="150000"/>
+              </a:lnSpc>
+              <a:buClr>
+                <a:schemeClr val="accent1"/>
+              </a:buClr>
+            </a:pPr>
+            <a:r>
+              <a:rPr lang="zh-CN" altLang="en-US" sz="1600" dirty="0" smtClean="0">
+                <a:latin typeface="Times New Roman" panose="02020603050405020304" pitchFamily="18" charset="0"/>
+                <a:ea typeface="微软雅黑" panose="020B0503020204020204" pitchFamily="34" charset="-122"/>
+              </a:rPr>
+              <a:t>使用三</a:t>
+            </a:r>
+            <a:r>
+              <a:rPr lang="zh-CN" altLang="en-US" sz="1600" dirty="0">
+                <a:latin typeface="Times New Roman" panose="02020603050405020304" pitchFamily="18" charset="0"/>
+                <a:ea typeface="微软雅黑" panose="020B0503020204020204" pitchFamily="34" charset="-122"/>
+              </a:rPr>
+              <a:t>种关键方法实现了多种解码算法：</a:t>
+            </a:r>
+            <a:r>
+              <a:rPr lang="en-US" altLang="zh-CN" sz="1600" dirty="0">
+                <a:latin typeface="Times New Roman" panose="02020603050405020304" pitchFamily="18" charset="0"/>
+                <a:ea typeface="微软雅黑" panose="020B0503020204020204" pitchFamily="34" charset="-122"/>
+              </a:rPr>
+              <a:t>fork</a:t>
+            </a:r>
+            <a:r>
+              <a:rPr lang="zh-CN" altLang="en-US" sz="1600" dirty="0">
+                <a:latin typeface="Times New Roman" panose="02020603050405020304" pitchFamily="18" charset="0"/>
+                <a:ea typeface="微软雅黑" panose="020B0503020204020204" pitchFamily="34" charset="-122"/>
+              </a:rPr>
+              <a:t>、</a:t>
+            </a:r>
+            <a:r>
+              <a:rPr lang="en-US" altLang="zh-CN" sz="1600" dirty="0">
+                <a:latin typeface="Times New Roman" panose="02020603050405020304" pitchFamily="18" charset="0"/>
+                <a:ea typeface="微软雅黑" panose="020B0503020204020204" pitchFamily="34" charset="-122"/>
+              </a:rPr>
+              <a:t>append </a:t>
+            </a:r>
+            <a:r>
+              <a:rPr lang="zh-CN" altLang="en-US" sz="1600" dirty="0">
+                <a:latin typeface="Times New Roman" panose="02020603050405020304" pitchFamily="18" charset="0"/>
+                <a:ea typeface="微软雅黑" panose="020B0503020204020204" pitchFamily="34" charset="-122"/>
+              </a:rPr>
+              <a:t>和 </a:t>
+            </a:r>
+            <a:r>
+              <a:rPr lang="en-US" altLang="zh-CN" sz="1600" dirty="0">
+                <a:latin typeface="Times New Roman" panose="02020603050405020304" pitchFamily="18" charset="0"/>
+                <a:ea typeface="微软雅黑" panose="020B0503020204020204" pitchFamily="34" charset="-122"/>
+              </a:rPr>
+              <a:t>free</a:t>
+            </a:r>
+            <a:r>
+              <a:rPr lang="zh-CN" altLang="en-US" sz="1600" dirty="0" smtClean="0">
+                <a:latin typeface="Times New Roman" panose="02020603050405020304" pitchFamily="18" charset="0"/>
+                <a:ea typeface="微软雅黑" panose="020B0503020204020204" pitchFamily="34" charset="-122"/>
+              </a:rPr>
+              <a:t>。</a:t>
+            </a:r>
+            <a:endParaRPr lang="en-US" altLang="zh-CN" sz="1600" dirty="0" smtClean="0">
+              <a:latin typeface="Times New Roman" panose="02020603050405020304" pitchFamily="18" charset="0"/>
+              <a:ea typeface="微软雅黑" panose="020B0503020204020204" pitchFamily="34" charset="-122"/>
+            </a:endParaRPr>
+          </a:p>
+          <a:p>
+            <a:pPr marL="342900" indent="-342900">
+              <a:lnSpc>
+                <a:spcPct val="150000"/>
+              </a:lnSpc>
+              <a:buClr>
+                <a:schemeClr val="accent1"/>
+              </a:buClr>
+              <a:buFont typeface="+mj-ea"/>
+              <a:buAutoNum type="circleNumDbPlain"/>
+            </a:pPr>
+            <a:r>
+              <a:rPr lang="en-US" altLang="zh-CN" sz="1600" dirty="0">
+                <a:latin typeface="Times New Roman" panose="02020603050405020304" pitchFamily="18" charset="0"/>
+                <a:ea typeface="微软雅黑" panose="020B0503020204020204" pitchFamily="34" charset="-122"/>
+              </a:rPr>
+              <a:t>fork </a:t>
+            </a:r>
+            <a:r>
+              <a:rPr lang="zh-CN" altLang="en-US" sz="1600" dirty="0">
+                <a:latin typeface="Times New Roman" panose="02020603050405020304" pitchFamily="18" charset="0"/>
+                <a:ea typeface="微软雅黑" panose="020B0503020204020204" pitchFamily="34" charset="-122"/>
+              </a:rPr>
+              <a:t>方法从一个现有序列创建一个新序列</a:t>
+            </a:r>
+            <a:r>
+              <a:rPr lang="zh-CN" altLang="en-US" sz="1600" dirty="0" smtClean="0">
+                <a:latin typeface="Times New Roman" panose="02020603050405020304" pitchFamily="18" charset="0"/>
+                <a:ea typeface="微软雅黑" panose="020B0503020204020204" pitchFamily="34" charset="-122"/>
+              </a:rPr>
+              <a:t>。</a:t>
+            </a:r>
+            <a:endParaRPr lang="en-US" altLang="zh-CN" sz="1600" dirty="0" smtClean="0">
+              <a:latin typeface="Times New Roman" panose="02020603050405020304" pitchFamily="18" charset="0"/>
+              <a:ea typeface="微软雅黑" panose="020B0503020204020204" pitchFamily="34" charset="-122"/>
+            </a:endParaRPr>
+          </a:p>
+          <a:p>
+            <a:pPr marL="342900" indent="-342900">
+              <a:lnSpc>
+                <a:spcPct val="150000"/>
+              </a:lnSpc>
+              <a:buClr>
+                <a:schemeClr val="accent1"/>
+              </a:buClr>
+              <a:buFont typeface="+mj-ea"/>
+              <a:buAutoNum type="circleNumDbPlain"/>
+            </a:pPr>
+            <a:r>
+              <a:rPr lang="en-US" altLang="zh-CN" sz="1600" dirty="0" smtClean="0">
+                <a:latin typeface="Times New Roman" panose="02020603050405020304" pitchFamily="18" charset="0"/>
+                <a:ea typeface="微软雅黑" panose="020B0503020204020204" pitchFamily="34" charset="-122"/>
+              </a:rPr>
+              <a:t>append </a:t>
+            </a:r>
+            <a:r>
+              <a:rPr lang="zh-CN" altLang="en-US" sz="1600" dirty="0">
+                <a:latin typeface="Times New Roman" panose="02020603050405020304" pitchFamily="18" charset="0"/>
+                <a:ea typeface="微软雅黑" panose="020B0503020204020204" pitchFamily="34" charset="-122"/>
+              </a:rPr>
+              <a:t>方法向序列追加一个新 </a:t>
+            </a:r>
+            <a:r>
+              <a:rPr lang="en-US" altLang="zh-CN" sz="1600" dirty="0">
+                <a:latin typeface="Times New Roman" panose="02020603050405020304" pitchFamily="18" charset="0"/>
+                <a:ea typeface="微软雅黑" panose="020B0503020204020204" pitchFamily="34" charset="-122"/>
+              </a:rPr>
+              <a:t>token</a:t>
+            </a:r>
+            <a:r>
+              <a:rPr lang="zh-CN" altLang="en-US" sz="1600" dirty="0" smtClean="0">
+                <a:latin typeface="Times New Roman" panose="02020603050405020304" pitchFamily="18" charset="0"/>
+                <a:ea typeface="微软雅黑" panose="020B0503020204020204" pitchFamily="34" charset="-122"/>
+              </a:rPr>
+              <a:t>。</a:t>
+            </a:r>
+            <a:endParaRPr lang="en-US" altLang="zh-CN" sz="1600" dirty="0" smtClean="0">
+              <a:latin typeface="Times New Roman" panose="02020603050405020304" pitchFamily="18" charset="0"/>
+              <a:ea typeface="微软雅黑" panose="020B0503020204020204" pitchFamily="34" charset="-122"/>
+            </a:endParaRPr>
+          </a:p>
+          <a:p>
+            <a:pPr marL="342900" indent="-342900">
+              <a:lnSpc>
+                <a:spcPct val="150000"/>
+              </a:lnSpc>
+              <a:buClr>
+                <a:schemeClr val="accent1"/>
+              </a:buClr>
+              <a:buFont typeface="+mj-ea"/>
+              <a:buAutoNum type="circleNumDbPlain"/>
+            </a:pPr>
+            <a:r>
+              <a:rPr lang="en-US" altLang="zh-CN" sz="1600" dirty="0" smtClean="0">
+                <a:latin typeface="Times New Roman" panose="02020603050405020304" pitchFamily="18" charset="0"/>
+                <a:ea typeface="微软雅黑" panose="020B0503020204020204" pitchFamily="34" charset="-122"/>
+              </a:rPr>
+              <a:t>free </a:t>
+            </a:r>
+            <a:r>
+              <a:rPr lang="zh-CN" altLang="en-US" sz="1600" dirty="0">
+                <a:latin typeface="Times New Roman" panose="02020603050405020304" pitchFamily="18" charset="0"/>
+                <a:ea typeface="微软雅黑" panose="020B0503020204020204" pitchFamily="34" charset="-122"/>
+              </a:rPr>
+              <a:t>方法删除序列</a:t>
+            </a:r>
+            <a:r>
+              <a:rPr lang="zh-CN" altLang="en-US" sz="1600" dirty="0" smtClean="0">
+                <a:latin typeface="Times New Roman" panose="02020603050405020304" pitchFamily="18" charset="0"/>
+                <a:ea typeface="微软雅黑" panose="020B0503020204020204" pitchFamily="34" charset="-122"/>
+              </a:rPr>
+              <a:t>。</a:t>
+            </a:r>
+          </a:p>
+          <a:p>
+            <a:pPr>
+              <a:lnSpc>
+                <a:spcPct val="150000"/>
+              </a:lnSpc>
+              <a:buClr>
+                <a:schemeClr val="accent1"/>
+              </a:buClr>
+            </a:pPr>
+            <a:r>
+              <a:rPr lang="zh-CN" altLang="en-US" sz="1400" b="1" dirty="0" smtClean="0">
+                <a:latin typeface="Times New Roman" panose="02020603050405020304" pitchFamily="18" charset="0"/>
+                <a:ea typeface="微软雅黑" panose="020B0503020204020204" pitchFamily="34" charset="-122"/>
+              </a:rPr>
+              <a:t>并行采样</a:t>
+            </a:r>
+            <a:r>
+              <a:rPr lang="zh-CN" altLang="en-US" sz="1400" dirty="0" smtClean="0">
+                <a:latin typeface="Times New Roman" panose="02020603050405020304" pitchFamily="18" charset="0"/>
+                <a:ea typeface="微软雅黑" panose="020B0503020204020204" pitchFamily="34" charset="-122"/>
+              </a:rPr>
+              <a:t> </a:t>
+            </a:r>
+            <a:r>
+              <a:rPr lang="en-US" altLang="zh-CN" sz="1400" dirty="0" smtClean="0">
+                <a:latin typeface="Times New Roman" panose="02020603050405020304" pitchFamily="18" charset="0"/>
+                <a:ea typeface="微软雅黑" panose="020B0503020204020204" pitchFamily="34" charset="-122"/>
+              </a:rPr>
+              <a:t>= fork (N</a:t>
+            </a:r>
+            <a:r>
+              <a:rPr lang="zh-CN" altLang="en-US" sz="1400" dirty="0" smtClean="0">
+                <a:latin typeface="Times New Roman" panose="02020603050405020304" pitchFamily="18" charset="0"/>
+                <a:ea typeface="微软雅黑" panose="020B0503020204020204" pitchFamily="34" charset="-122"/>
+              </a:rPr>
+              <a:t>次</a:t>
+            </a:r>
+            <a:r>
+              <a:rPr lang="en-US" altLang="zh-CN" sz="1400" dirty="0" smtClean="0">
+                <a:latin typeface="Times New Roman" panose="02020603050405020304" pitchFamily="18" charset="0"/>
+                <a:ea typeface="微软雅黑" panose="020B0503020204020204" pitchFamily="34" charset="-122"/>
+              </a:rPr>
+              <a:t>) + append (</a:t>
+            </a:r>
+            <a:r>
+              <a:rPr lang="zh-CN" altLang="en-US" sz="1400" dirty="0" smtClean="0">
+                <a:latin typeface="Times New Roman" panose="02020603050405020304" pitchFamily="18" charset="0"/>
+                <a:ea typeface="微软雅黑" panose="020B0503020204020204" pitchFamily="34" charset="-122"/>
+              </a:rPr>
+              <a:t>循环</a:t>
+            </a:r>
+            <a:r>
+              <a:rPr lang="en-US" altLang="zh-CN" sz="1400" dirty="0" smtClean="0">
+                <a:latin typeface="Times New Roman" panose="02020603050405020304" pitchFamily="18" charset="0"/>
+                <a:ea typeface="微软雅黑" panose="020B0503020204020204" pitchFamily="34" charset="-122"/>
+              </a:rPr>
+              <a:t>) + free (</a:t>
+            </a:r>
+            <a:r>
+              <a:rPr lang="zh-CN" altLang="en-US" sz="1400" dirty="0" smtClean="0">
+                <a:latin typeface="Times New Roman" panose="02020603050405020304" pitchFamily="18" charset="0"/>
+                <a:ea typeface="微软雅黑" panose="020B0503020204020204" pitchFamily="34" charset="-122"/>
+              </a:rPr>
+              <a:t>完成时</a:t>
+            </a:r>
+            <a:r>
+              <a:rPr lang="en-US" altLang="zh-CN" sz="1400" dirty="0" smtClean="0">
+                <a:latin typeface="Times New Roman" panose="02020603050405020304" pitchFamily="18" charset="0"/>
+                <a:ea typeface="微软雅黑" panose="020B0503020204020204" pitchFamily="34" charset="-122"/>
+              </a:rPr>
+              <a:t>)</a:t>
+            </a:r>
+          </a:p>
+          <a:p>
+            <a:pPr>
+              <a:lnSpc>
+                <a:spcPct val="150000"/>
+              </a:lnSpc>
+              <a:buClr>
+                <a:schemeClr val="accent1"/>
+              </a:buClr>
+            </a:pPr>
+            <a:r>
+              <a:rPr lang="zh-CN" altLang="en-US" sz="1400" b="1" dirty="0" smtClean="0">
+                <a:latin typeface="Times New Roman" panose="02020603050405020304" pitchFamily="18" charset="0"/>
+                <a:ea typeface="微软雅黑" panose="020B0503020204020204" pitchFamily="34" charset="-122"/>
+              </a:rPr>
+              <a:t>束搜索 </a:t>
+            </a:r>
+            <a:r>
+              <a:rPr lang="en-US" altLang="zh-CN" sz="1400" dirty="0" smtClean="0">
+                <a:latin typeface="Times New Roman" panose="02020603050405020304" pitchFamily="18" charset="0"/>
+                <a:ea typeface="微软雅黑" panose="020B0503020204020204" pitchFamily="34" charset="-122"/>
+              </a:rPr>
+              <a:t>= fork (</a:t>
+            </a:r>
+            <a:r>
+              <a:rPr lang="zh-CN" altLang="en-US" sz="1400" dirty="0" smtClean="0">
+                <a:latin typeface="Times New Roman" panose="02020603050405020304" pitchFamily="18" charset="0"/>
+                <a:ea typeface="微软雅黑" panose="020B0503020204020204" pitchFamily="34" charset="-122"/>
+              </a:rPr>
+              <a:t>分支时</a:t>
+            </a:r>
+            <a:r>
+              <a:rPr lang="en-US" altLang="zh-CN" sz="1400" dirty="0" smtClean="0">
+                <a:latin typeface="Times New Roman" panose="02020603050405020304" pitchFamily="18" charset="0"/>
+                <a:ea typeface="微软雅黑" panose="020B0503020204020204" pitchFamily="34" charset="-122"/>
+              </a:rPr>
+              <a:t>) + append (</a:t>
+            </a:r>
+            <a:r>
+              <a:rPr lang="zh-CN" altLang="en-US" sz="1400" dirty="0" smtClean="0">
+                <a:latin typeface="Times New Roman" panose="02020603050405020304" pitchFamily="18" charset="0"/>
+                <a:ea typeface="微软雅黑" panose="020B0503020204020204" pitchFamily="34" charset="-122"/>
+              </a:rPr>
+              <a:t>生成时</a:t>
+            </a:r>
+            <a:r>
+              <a:rPr lang="en-US" altLang="zh-CN" sz="1400" dirty="0" smtClean="0">
+                <a:latin typeface="Times New Roman" panose="02020603050405020304" pitchFamily="18" charset="0"/>
+                <a:ea typeface="微软雅黑" panose="020B0503020204020204" pitchFamily="34" charset="-122"/>
+              </a:rPr>
+              <a:t>) + free (</a:t>
+            </a:r>
+            <a:r>
+              <a:rPr lang="zh-CN" altLang="en-US" sz="1400" dirty="0" smtClean="0">
+                <a:latin typeface="Times New Roman" panose="02020603050405020304" pitchFamily="18" charset="0"/>
+                <a:ea typeface="微软雅黑" panose="020B0503020204020204" pitchFamily="34" charset="-122"/>
+              </a:rPr>
+              <a:t>淘汰时</a:t>
+            </a:r>
+            <a:r>
+              <a:rPr lang="en-US" altLang="zh-CN" sz="1400" dirty="0" smtClean="0">
+                <a:latin typeface="Times New Roman" panose="02020603050405020304" pitchFamily="18" charset="0"/>
+                <a:ea typeface="微软雅黑" panose="020B0503020204020204" pitchFamily="34" charset="-122"/>
+              </a:rPr>
+              <a:t>)</a:t>
+            </a:r>
+          </a:p>
+          <a:p>
+            <a:pPr>
+              <a:lnSpc>
+                <a:spcPct val="150000"/>
+              </a:lnSpc>
+              <a:buClr>
+                <a:schemeClr val="accent1"/>
+              </a:buClr>
+            </a:pPr>
+            <a:r>
+              <a:rPr lang="zh-CN" altLang="en-US" sz="1400" b="1" dirty="0" smtClean="0">
+                <a:latin typeface="Times New Roman" panose="02020603050405020304" pitchFamily="18" charset="0"/>
+                <a:ea typeface="微软雅黑" panose="020B0503020204020204" pitchFamily="34" charset="-122"/>
+              </a:rPr>
+              <a:t>普通贪婪</a:t>
+            </a:r>
+            <a:r>
+              <a:rPr lang="en-US" altLang="zh-CN" sz="1400" b="1" dirty="0" smtClean="0">
+                <a:latin typeface="Times New Roman" panose="02020603050405020304" pitchFamily="18" charset="0"/>
+                <a:ea typeface="微软雅黑" panose="020B0503020204020204" pitchFamily="34" charset="-122"/>
+              </a:rPr>
+              <a:t>/</a:t>
+            </a:r>
+            <a:r>
+              <a:rPr lang="zh-CN" altLang="en-US" sz="1400" b="1" dirty="0" smtClean="0">
+                <a:latin typeface="Times New Roman" panose="02020603050405020304" pitchFamily="18" charset="0"/>
+                <a:ea typeface="微软雅黑" panose="020B0503020204020204" pitchFamily="34" charset="-122"/>
+              </a:rPr>
+              <a:t>采样 </a:t>
+            </a:r>
+            <a:r>
+              <a:rPr lang="en-US" altLang="zh-CN" sz="1400" dirty="0" smtClean="0">
+                <a:latin typeface="Times New Roman" panose="02020603050405020304" pitchFamily="18" charset="0"/>
+                <a:ea typeface="微软雅黑" panose="020B0503020204020204" pitchFamily="34" charset="-122"/>
+              </a:rPr>
+              <a:t>= append (</a:t>
+            </a:r>
+            <a:r>
+              <a:rPr lang="zh-CN" altLang="en-US" sz="1400" dirty="0" smtClean="0">
+                <a:latin typeface="Times New Roman" panose="02020603050405020304" pitchFamily="18" charset="0"/>
+                <a:ea typeface="微软雅黑" panose="020B0503020204020204" pitchFamily="34" charset="-122"/>
+              </a:rPr>
+              <a:t>循环</a:t>
+            </a:r>
+            <a:r>
+              <a:rPr lang="en-US" altLang="zh-CN" sz="1400" dirty="0" smtClean="0">
+                <a:latin typeface="Times New Roman" panose="02020603050405020304" pitchFamily="18" charset="0"/>
+                <a:ea typeface="微软雅黑" panose="020B0503020204020204" pitchFamily="34" charset="-122"/>
+              </a:rPr>
+              <a:t>) + free (</a:t>
+            </a:r>
+            <a:r>
+              <a:rPr lang="zh-CN" altLang="en-US" sz="1400" dirty="0" smtClean="0">
+                <a:latin typeface="Times New Roman" panose="02020603050405020304" pitchFamily="18" charset="0"/>
+                <a:ea typeface="微软雅黑" panose="020B0503020204020204" pitchFamily="34" charset="-122"/>
+              </a:rPr>
+              <a:t>完成时</a:t>
+            </a:r>
+            <a:r>
+              <a:rPr lang="en-US" altLang="zh-CN" sz="1400" dirty="0" smtClean="0">
+                <a:latin typeface="Times New Roman" panose="02020603050405020304" pitchFamily="18" charset="0"/>
+                <a:ea typeface="微软雅黑" panose="020B0503020204020204" pitchFamily="34" charset="-122"/>
+              </a:rPr>
+              <a:t>)</a:t>
+            </a:r>
+            <a:endParaRPr lang="en-US" altLang="zh-CN" sz="1400" dirty="0">
+              <a:latin typeface="Times New Roman" panose="02020603050405020304" pitchFamily="18" charset="0"/>
+              <a:ea typeface="微软雅黑" panose="020B0503020204020204" pitchFamily="34" charset="-122"/>
+            </a:endParaRPr>
+          </a:p>
+        </p:txBody>
+      </p:sp>
+    </p:spTree>
+    <p:extLst>
+      <p:ext uri="{BB962C8B-B14F-4D97-AF65-F5344CB8AC3E}">
+        <p14:creationId xmlns:p14="http://schemas.microsoft.com/office/powerpoint/2010/main" val="861165411"/>
+      </p:ext>
+    </p:extLst>
+  </p:cSld>
+  <p:clrMapOvr>
+    <a:masterClrMapping/>
+  </p:clrMapOvr>
+  <p:timing>
+    <p:tnLst>
+      <p:par>
+        <p:cTn id="1" dur="indefinite" restart="never" nodeType="tmRoot"/>
+      </p:par>
+    </p:tnLst>
+  </p:timing>
+</p:sld>
+</file>
+
+<file path=ppt/slides/slide15.xml><?xml version="1.0" encoding="utf-8"?>
+<p:sld xmlns:a="http://schemas.openxmlformats.org/drawingml/2006/main" xmlns:r="http://schemas.openxmlformats.org/officeDocument/2006/relationships" xmlns:p="http://schemas.openxmlformats.org/presentationml/2006/main">
+  <p:cSld>
+    <p:spTree>
+      <p:nvGrpSpPr>
+        <p:cNvPr id="1" name=""/>
+        <p:cNvGrpSpPr/>
+        <p:nvPr/>
+      </p:nvGrpSpPr>
+      <p:grpSpPr>
+        <a:xfrm>
+          <a:off x="0" y="0"/>
+          <a:ext cx="0" cy="0"/>
+          <a:chOff x="0" y="0"/>
+          <a:chExt cx="0" cy="0"/>
+        </a:xfrm>
+      </p:grpSpPr>
+      <p:sp>
+        <p:nvSpPr>
+          <p:cNvPr id="2" name="TextBox 6"/>
+          <p:cNvSpPr>
+            <a:spLocks noChangeArrowheads="1"/>
+          </p:cNvSpPr>
+          <p:nvPr/>
+        </p:nvSpPr>
+        <p:spPr bwMode="auto">
+          <a:xfrm>
+            <a:off x="2423693" y="260912"/>
+            <a:ext cx="9407235" cy="430530"/>
+          </a:xfrm>
+          <a:prstGeom prst="rect">
+            <a:avLst/>
+          </a:prstGeom>
+          <a:noFill/>
+          <a:ln>
+            <a:noFill/>
+          </a:ln>
+          <a:extLst>
+            <a:ext uri="{909E8E84-426E-40DD-AFC4-6F175D3DCCD1}">
+              <a14:hiddenFill xmlns:a14="http://schemas.microsoft.com/office/drawing/2010/main">
+                <a:solidFill>
+                  <a:srgbClr val="FFFFFF"/>
+                </a:solidFill>
+              </a14:hiddenFill>
+            </a:ext>
+            <a:ext uri="{91240B29-F687-4F45-9708-019B960494DF}">
+              <a14:hiddenLine xmlns:a14="http://schemas.microsoft.com/office/drawing/2010/main" w="9525">
+                <a:solidFill>
+                  <a:srgbClr val="000000"/>
+                </a:solidFill>
+                <a:miter lim="800000"/>
+                <a:headEnd/>
+                <a:tailEnd/>
+              </a14:hiddenLine>
+            </a:ext>
+          </a:extLst>
+        </p:spPr>
+        <p:txBody>
+          <a:bodyPr wrap="square" lIns="0" tIns="0" rIns="0" bIns="0" anchor="ctr">
+            <a:spAutoFit/>
+          </a:bodyPr>
+          <a:lstStyle>
+            <a:lvl1pPr>
+              <a:defRPr>
+                <a:solidFill>
+                  <a:schemeClr val="tx1"/>
+                </a:solidFill>
+                <a:latin typeface="Arial" panose="020B0604020202020204" pitchFamily="34" charset="0"/>
+                <a:ea typeface="宋体" panose="02010600030101010101" pitchFamily="2" charset="-122"/>
+              </a:defRPr>
+            </a:lvl1pPr>
+            <a:lvl2pPr marL="742950" indent="-285750">
+              <a:defRPr>
+                <a:solidFill>
+                  <a:schemeClr val="tx1"/>
+                </a:solidFill>
+                <a:latin typeface="Arial" panose="020B0604020202020204" pitchFamily="34" charset="0"/>
+                <a:ea typeface="宋体" panose="02010600030101010101" pitchFamily="2" charset="-122"/>
+              </a:defRPr>
+            </a:lvl2pPr>
+            <a:lvl3pPr marL="1143000" indent="-228600">
+              <a:defRPr>
+                <a:solidFill>
+                  <a:schemeClr val="tx1"/>
+                </a:solidFill>
+                <a:latin typeface="Arial" panose="020B0604020202020204" pitchFamily="34" charset="0"/>
+                <a:ea typeface="宋体" panose="02010600030101010101" pitchFamily="2" charset="-122"/>
+              </a:defRPr>
+            </a:lvl3pPr>
+            <a:lvl4pPr marL="1600200" indent="-228600">
+              <a:defRPr>
+                <a:solidFill>
+                  <a:schemeClr val="tx1"/>
+                </a:solidFill>
+                <a:latin typeface="Arial" panose="020B0604020202020204" pitchFamily="34" charset="0"/>
+                <a:ea typeface="宋体" panose="02010600030101010101" pitchFamily="2" charset="-122"/>
+              </a:defRPr>
+            </a:lvl4pPr>
+            <a:lvl5pPr marL="2057400" indent="-228600">
+              <a:defRPr>
+                <a:solidFill>
+                  <a:schemeClr val="tx1"/>
+                </a:solidFill>
+                <a:latin typeface="Arial" panose="020B0604020202020204" pitchFamily="34" charset="0"/>
+                <a:ea typeface="宋体" panose="02010600030101010101" pitchFamily="2" charset="-122"/>
+              </a:defRPr>
+            </a:lvl5pPr>
+            <a:lvl6pPr marL="2514600" indent="-228600" eaLnBrk="0" fontAlgn="base" hangingPunct="0">
+              <a:spcBef>
+                <a:spcPct val="0"/>
+              </a:spcBef>
+              <a:spcAft>
+                <a:spcPct val="0"/>
+              </a:spcAft>
+              <a:defRPr>
+                <a:solidFill>
+                  <a:schemeClr val="tx1"/>
+                </a:solidFill>
+                <a:latin typeface="Arial" panose="020B0604020202020204" pitchFamily="34" charset="0"/>
+                <a:ea typeface="宋体" panose="02010600030101010101" pitchFamily="2" charset="-122"/>
+              </a:defRPr>
+            </a:lvl6pPr>
+            <a:lvl7pPr marL="2971800" indent="-228600" eaLnBrk="0" fontAlgn="base" hangingPunct="0">
+              <a:spcBef>
+                <a:spcPct val="0"/>
+              </a:spcBef>
+              <a:spcAft>
+                <a:spcPct val="0"/>
+              </a:spcAft>
+              <a:defRPr>
+                <a:solidFill>
+                  <a:schemeClr val="tx1"/>
+                </a:solidFill>
+                <a:latin typeface="Arial" panose="020B0604020202020204" pitchFamily="34" charset="0"/>
+                <a:ea typeface="宋体" panose="02010600030101010101" pitchFamily="2" charset="-122"/>
+              </a:defRPr>
+            </a:lvl7pPr>
+            <a:lvl8pPr marL="3429000" indent="-228600" eaLnBrk="0" fontAlgn="base" hangingPunct="0">
+              <a:spcBef>
+                <a:spcPct val="0"/>
+              </a:spcBef>
+              <a:spcAft>
+                <a:spcPct val="0"/>
+              </a:spcAft>
+              <a:defRPr>
+                <a:solidFill>
+                  <a:schemeClr val="tx1"/>
+                </a:solidFill>
+                <a:latin typeface="Arial" panose="020B0604020202020204" pitchFamily="34" charset="0"/>
+                <a:ea typeface="宋体" panose="02010600030101010101" pitchFamily="2" charset="-122"/>
+              </a:defRPr>
+            </a:lvl8pPr>
+            <a:lvl9pPr marL="3886200" indent="-228600" eaLnBrk="0" fontAlgn="base" hangingPunct="0">
+              <a:spcBef>
+                <a:spcPct val="0"/>
+              </a:spcBef>
+              <a:spcAft>
+                <a:spcPct val="0"/>
+              </a:spcAft>
+              <a:defRPr>
+                <a:solidFill>
+                  <a:schemeClr val="tx1"/>
+                </a:solidFill>
+                <a:latin typeface="Arial" panose="020B0604020202020204" pitchFamily="34" charset="0"/>
+                <a:ea typeface="宋体" panose="02010600030101010101" pitchFamily="2" charset="-122"/>
+              </a:defRPr>
+            </a:lvl9pPr>
+          </a:lstStyle>
+          <a:p>
+            <a:pPr marL="0" marR="0" lvl="0" indent="0" algn="l" defTabSz="914400" rtl="0" eaLnBrk="1" fontAlgn="base" latinLnBrk="0" hangingPunct="1">
+              <a:lnSpc>
+                <a:spcPct val="100000"/>
+              </a:lnSpc>
+              <a:spcBef>
+                <a:spcPct val="0"/>
+              </a:spcBef>
+              <a:spcAft>
+                <a:spcPct val="0"/>
+              </a:spcAft>
+              <a:buClrTx/>
+              <a:buSzTx/>
+              <a:buFontTx/>
+              <a:buNone/>
+              <a:defRPr/>
+            </a:pPr>
+            <a:r>
+              <a:rPr lang="zh-CN" altLang="en-US" sz="2800" b="1" dirty="0">
+                <a:solidFill>
+                  <a:srgbClr val="62055D"/>
+                </a:solidFill>
+                <a:latin typeface="Times New Roman" panose="02020603050405020304" pitchFamily="18" charset="0"/>
+                <a:ea typeface="微软雅黑" panose="020B0503020204020204" pitchFamily="34" charset="-122"/>
+                <a:cs typeface="Times New Roman" panose="02020603050405020304" pitchFamily="18" charset="0"/>
+                <a:sym typeface="Impact" panose="020B0806030902050204" pitchFamily="34" charset="0"/>
+              </a:rPr>
+              <a:t>实</a:t>
+            </a:r>
+            <a:r>
+              <a:rPr lang="zh-CN" altLang="en-US" sz="2800" b="1" dirty="0" smtClean="0">
+                <a:solidFill>
+                  <a:srgbClr val="62055D"/>
+                </a:solidFill>
+                <a:latin typeface="Times New Roman" panose="02020603050405020304" pitchFamily="18" charset="0"/>
+                <a:ea typeface="微软雅黑" panose="020B0503020204020204" pitchFamily="34" charset="-122"/>
+                <a:cs typeface="Times New Roman" panose="02020603050405020304" pitchFamily="18" charset="0"/>
+                <a:sym typeface="Impact" panose="020B0806030902050204" pitchFamily="34" charset="0"/>
+              </a:rPr>
+              <a:t>现与结果评估</a:t>
+            </a:r>
+            <a:endParaRPr kumimoji="0" lang="zh-CN" altLang="en-US" sz="2800" b="1" i="0" u="none" strike="noStrike" kern="1200" cap="none" spc="0" normalizeH="0" baseline="0" noProof="0" dirty="0">
+              <a:ln>
+                <a:noFill/>
+              </a:ln>
+              <a:solidFill>
+                <a:srgbClr val="62055D"/>
+              </a:solidFill>
+              <a:effectLst/>
+              <a:uLnTx/>
+              <a:uFillTx/>
+              <a:latin typeface="Times New Roman" panose="02020603050405020304" pitchFamily="18" charset="0"/>
+              <a:ea typeface="微软雅黑" panose="020B0503020204020204" pitchFamily="34" charset="-122"/>
+              <a:cs typeface="Times New Roman" panose="02020603050405020304" pitchFamily="18" charset="0"/>
+              <a:sym typeface="Impact" panose="020B0806030902050204" pitchFamily="34" charset="0"/>
+            </a:endParaRPr>
+          </a:p>
+        </p:txBody>
+      </p:sp>
+      <p:pic>
+        <p:nvPicPr>
+          <p:cNvPr id="4" name="内容占位符 4"/>
+          <p:cNvPicPr>
+            <a:picLocks noChangeAspect="1"/>
+          </p:cNvPicPr>
+          <p:nvPr/>
+        </p:nvPicPr>
+        <p:blipFill>
+          <a:blip r:embed="rId3" cstate="print">
+            <a:extLst>
+              <a:ext uri="{28A0092B-C50C-407E-A947-70E740481C1C}">
+                <a14:useLocalDpi xmlns:a14="http://schemas.microsoft.com/office/drawing/2010/main" val="0"/>
+              </a:ext>
+            </a:extLst>
+          </a:blip>
+          <a:stretch>
+            <a:fillRect/>
+          </a:stretch>
+        </p:blipFill>
+        <p:spPr>
+          <a:xfrm>
+            <a:off x="129540" y="159790"/>
+            <a:ext cx="1989778" cy="632774"/>
+          </a:xfrm>
+          <a:prstGeom prst="rect">
+            <a:avLst/>
+          </a:prstGeom>
+        </p:spPr>
+      </p:pic>
+      <p:sp>
+        <p:nvSpPr>
+          <p:cNvPr id="6" name="矩形 5"/>
+          <p:cNvSpPr/>
+          <p:nvPr/>
+        </p:nvSpPr>
+        <p:spPr>
+          <a:xfrm>
+            <a:off x="2423694" y="697914"/>
+            <a:ext cx="6745244" cy="71852"/>
+          </a:xfrm>
+          <a:prstGeom prst="rect">
+            <a:avLst/>
+          </a:prstGeom>
+          <a:gradFill flip="none" rotWithShape="1">
+            <a:gsLst>
+              <a:gs pos="0">
+                <a:srgbClr val="63065F">
+                  <a:shade val="30000"/>
+                  <a:satMod val="115000"/>
+                  <a:alpha val="60000"/>
+                  <a:lumMod val="100000"/>
+                </a:srgbClr>
+              </a:gs>
+              <a:gs pos="52000">
+                <a:srgbClr val="63065F">
+                  <a:shade val="67500"/>
+                  <a:satMod val="115000"/>
+                  <a:alpha val="70000"/>
+                </a:srgbClr>
+              </a:gs>
+              <a:gs pos="100000">
+                <a:srgbClr val="63065F">
+                  <a:shade val="100000"/>
+                  <a:satMod val="115000"/>
+                </a:srgbClr>
+              </a:gs>
+            </a:gsLst>
+            <a:lin ang="5400000" scaled="1"/>
+            <a:tileRect/>
+          </a:gradFill>
+          <a:ln>
+            <a:noFill/>
+          </a:ln>
+        </p:spPr>
+        <p:style>
+          <a:lnRef idx="2">
+            <a:schemeClr val="accent1">
+              <a:shade val="50000"/>
+            </a:schemeClr>
+          </a:lnRef>
+          <a:fillRef idx="1">
+            <a:schemeClr val="accent1"/>
+          </a:fillRef>
+          <a:effectRef idx="0">
+            <a:schemeClr val="accent1"/>
+          </a:effectRef>
+          <a:fontRef idx="minor">
+            <a:schemeClr val="lt1"/>
+          </a:fontRef>
+        </p:style>
+        <p:txBody>
+          <a:bodyPr rtlCol="0" anchor="ctr"/>
+          <a:lstStyle/>
+          <a:p>
+            <a:pPr algn="ctr"/>
+            <a:endParaRPr lang="zh-CN" altLang="en-US"/>
+          </a:p>
+        </p:txBody>
+      </p:sp>
+      <p:sp>
+        <p:nvSpPr>
+          <p:cNvPr id="7" name="矩形 6"/>
+          <p:cNvSpPr/>
+          <p:nvPr/>
+        </p:nvSpPr>
+        <p:spPr>
+          <a:xfrm>
+            <a:off x="301898" y="924576"/>
+            <a:ext cx="1861407" cy="523220"/>
+          </a:xfrm>
+          <a:prstGeom prst="rect">
+            <a:avLst/>
+          </a:prstGeom>
+        </p:spPr>
+        <p:txBody>
+          <a:bodyPr wrap="none">
+            <a:spAutoFit/>
+          </a:bodyPr>
+          <a:lstStyle/>
+          <a:p>
+            <a:r>
+              <a:rPr lang="en-US" altLang="zh-CN" sz="2800" b="1" dirty="0" smtClean="0">
+                <a:latin typeface="Times New Roman" panose="02020603050405020304" pitchFamily="18" charset="0"/>
+                <a:ea typeface="微软雅黑" panose="020B0503020204020204" pitchFamily="34" charset="-122"/>
+              </a:rPr>
+              <a:t>Evaluation</a:t>
+            </a:r>
+            <a:endParaRPr lang="zh-CN" altLang="en-US" sz="2800" b="1" dirty="0">
+              <a:latin typeface="Times New Roman" panose="02020603050405020304" pitchFamily="18" charset="0"/>
+              <a:ea typeface="微软雅黑" panose="020B0503020204020204" pitchFamily="34" charset="-122"/>
+            </a:endParaRPr>
+          </a:p>
+        </p:txBody>
+      </p:sp>
+      <p:sp>
+        <p:nvSpPr>
+          <p:cNvPr id="12" name="矩形 11"/>
+          <p:cNvSpPr/>
+          <p:nvPr/>
+        </p:nvSpPr>
+        <p:spPr>
+          <a:xfrm>
+            <a:off x="301898" y="1447796"/>
+            <a:ext cx="1184002" cy="507831"/>
+          </a:xfrm>
+          <a:prstGeom prst="rect">
+            <a:avLst/>
+          </a:prstGeom>
+        </p:spPr>
+        <p:txBody>
+          <a:bodyPr wrap="square">
+            <a:spAutoFit/>
+          </a:bodyPr>
+          <a:lstStyle/>
+          <a:p>
+            <a:pPr>
+              <a:lnSpc>
+                <a:spcPct val="150000"/>
+              </a:lnSpc>
+            </a:pPr>
+            <a:r>
+              <a:rPr lang="zh-CN" altLang="en-US" b="1" dirty="0">
+                <a:latin typeface="Times New Roman" panose="02020603050405020304" pitchFamily="18" charset="0"/>
+                <a:ea typeface="微软雅黑" panose="020B0503020204020204" pitchFamily="34" charset="-122"/>
+              </a:rPr>
+              <a:t>对</a:t>
+            </a:r>
+            <a:r>
+              <a:rPr lang="zh-CN" altLang="en-US" b="1" dirty="0" smtClean="0">
+                <a:latin typeface="Times New Roman" panose="02020603050405020304" pitchFamily="18" charset="0"/>
+                <a:ea typeface="微软雅黑" panose="020B0503020204020204" pitchFamily="34" charset="-122"/>
+              </a:rPr>
+              <a:t>比实验</a:t>
+            </a:r>
+            <a:endParaRPr lang="en-US" altLang="zh-CN" dirty="0" smtClean="0">
+              <a:latin typeface="Times New Roman" panose="02020603050405020304" pitchFamily="18" charset="0"/>
+              <a:ea typeface="微软雅黑" panose="020B0503020204020204" pitchFamily="34" charset="-122"/>
+            </a:endParaRPr>
+          </a:p>
+        </p:txBody>
+      </p:sp>
+      <p:graphicFrame>
+        <p:nvGraphicFramePr>
+          <p:cNvPr id="3" name="表格 2"/>
+          <p:cNvGraphicFramePr>
+            <a:graphicFrameLocks noGrp="1"/>
+          </p:cNvGraphicFramePr>
+          <p:nvPr>
+            <p:extLst>
+              <p:ext uri="{D42A27DB-BD31-4B8C-83A1-F6EECF244321}">
+                <p14:modId xmlns:p14="http://schemas.microsoft.com/office/powerpoint/2010/main" val="3068982449"/>
+              </p:ext>
+            </p:extLst>
+          </p:nvPr>
+        </p:nvGraphicFramePr>
+        <p:xfrm>
+          <a:off x="389819" y="2028281"/>
+          <a:ext cx="11288708" cy="1854200"/>
+        </p:xfrm>
+        <a:graphic>
+          <a:graphicData uri="http://schemas.openxmlformats.org/drawingml/2006/table">
+            <a:tbl>
+              <a:tblPr firstRow="1" bandRow="1">
+                <a:tableStyleId>{5C22544A-7EE6-4342-B048-85BDC9FD1C3A}</a:tableStyleId>
+              </a:tblPr>
+              <a:tblGrid>
+                <a:gridCol w="1386227">
+                  <a:extLst>
+                    <a:ext uri="{9D8B030D-6E8A-4147-A177-3AD203B41FA5}">
+                      <a16:colId xmlns:a16="http://schemas.microsoft.com/office/drawing/2014/main" val="2444379165"/>
+                    </a:ext>
+                  </a:extLst>
+                </a:gridCol>
+                <a:gridCol w="9902481">
+                  <a:extLst>
+                    <a:ext uri="{9D8B030D-6E8A-4147-A177-3AD203B41FA5}">
+                      <a16:colId xmlns:a16="http://schemas.microsoft.com/office/drawing/2014/main" val="953954304"/>
+                    </a:ext>
+                  </a:extLst>
+                </a:gridCol>
+              </a:tblGrid>
+              <a:tr h="370840">
+                <a:tc>
+                  <a:txBody>
+                    <a:bodyPr/>
+                    <a:lstStyle/>
+                    <a:p>
+                      <a:pPr algn="ctr"/>
+                      <a:r>
+                        <a:rPr lang="zh-CN" altLang="en-US" baseline="0" dirty="0" smtClean="0">
+                          <a:latin typeface="Times New Roman" panose="02020603050405020304" pitchFamily="18" charset="0"/>
+                          <a:ea typeface="微软雅黑" panose="020B0503020204020204" pitchFamily="34" charset="-122"/>
+                        </a:rPr>
+                        <a:t>实验设置</a:t>
+                      </a:r>
+                      <a:endParaRPr lang="zh-CN" altLang="en-US" baseline="0" dirty="0">
+                        <a:latin typeface="Times New Roman" panose="02020603050405020304" pitchFamily="18" charset="0"/>
+                        <a:ea typeface="微软雅黑" panose="020B0503020204020204" pitchFamily="34" charset="-122"/>
+                      </a:endParaRPr>
+                    </a:p>
+                  </a:txBody>
+                  <a:tcPr/>
+                </a:tc>
+                <a:tc>
+                  <a:txBody>
+                    <a:bodyPr/>
+                    <a:lstStyle/>
+                    <a:p>
+                      <a:pPr algn="ctr"/>
+                      <a:r>
+                        <a:rPr lang="zh-CN" altLang="en-US" baseline="0" dirty="0" smtClean="0">
+                          <a:latin typeface="Times New Roman" panose="02020603050405020304" pitchFamily="18" charset="0"/>
+                          <a:ea typeface="微软雅黑" panose="020B0503020204020204" pitchFamily="34" charset="-122"/>
+                        </a:rPr>
+                        <a:t>实验说明</a:t>
+                      </a:r>
+                      <a:endParaRPr lang="zh-CN" altLang="en-US" baseline="0" dirty="0">
+                        <a:latin typeface="Times New Roman" panose="02020603050405020304" pitchFamily="18" charset="0"/>
+                        <a:ea typeface="微软雅黑" panose="020B0503020204020204" pitchFamily="34" charset="-122"/>
+                      </a:endParaRPr>
+                    </a:p>
+                  </a:txBody>
+                  <a:tcPr/>
+                </a:tc>
+                <a:extLst>
+                  <a:ext uri="{0D108BD9-81ED-4DB2-BD59-A6C34878D82A}">
+                    <a16:rowId xmlns:a16="http://schemas.microsoft.com/office/drawing/2014/main" val="3358334061"/>
+                  </a:ext>
+                </a:extLst>
+              </a:tr>
+              <a:tr h="370840">
+                <a:tc>
+                  <a:txBody>
+                    <a:bodyPr/>
+                    <a:lstStyle/>
+                    <a:p>
+                      <a:pPr algn="just"/>
+                      <a:r>
+                        <a:rPr lang="zh-CN" altLang="en-US" baseline="0" dirty="0" smtClean="0">
+                          <a:latin typeface="Times New Roman" panose="02020603050405020304" pitchFamily="18" charset="0"/>
+                          <a:ea typeface="微软雅黑" panose="020B0503020204020204" pitchFamily="34" charset="-122"/>
+                        </a:rPr>
+                        <a:t>基线</a:t>
+                      </a:r>
+                      <a:endParaRPr lang="zh-CN" altLang="en-US" baseline="0" dirty="0">
+                        <a:latin typeface="Times New Roman" panose="02020603050405020304" pitchFamily="18" charset="0"/>
+                        <a:ea typeface="微软雅黑" panose="020B0503020204020204" pitchFamily="34" charset="-122"/>
+                      </a:endParaRPr>
+                    </a:p>
+                  </a:txBody>
+                  <a:tcPr/>
+                </a:tc>
+                <a:tc>
+                  <a:txBody>
+                    <a:bodyPr/>
+                    <a:lstStyle/>
+                    <a:p>
+                      <a:r>
+                        <a:rPr lang="en-US" altLang="zh-CN" sz="1800" b="0" i="0" kern="1200" baseline="0" dirty="0" smtClean="0">
+                          <a:solidFill>
+                            <a:schemeClr val="dk1"/>
+                          </a:solidFill>
+                          <a:effectLst/>
+                          <a:latin typeface="Times New Roman" panose="02020603050405020304" pitchFamily="18" charset="0"/>
+                          <a:ea typeface="微软雅黑" panose="020B0503020204020204" pitchFamily="34" charset="-122"/>
+                          <a:cs typeface="+mn-cs"/>
+                        </a:rPr>
+                        <a:t>FasterTransformer</a:t>
+                      </a:r>
+                      <a:r>
+                        <a:rPr lang="zh-CN" altLang="en-US" sz="1800" b="0" i="0" kern="1200" baseline="0" dirty="0" smtClean="0">
+                          <a:solidFill>
+                            <a:schemeClr val="dk1"/>
+                          </a:solidFill>
+                          <a:effectLst/>
+                          <a:latin typeface="Times New Roman" panose="02020603050405020304" pitchFamily="18" charset="0"/>
+                          <a:ea typeface="微软雅黑" panose="020B0503020204020204" pitchFamily="34" charset="-122"/>
+                          <a:cs typeface="+mn-cs"/>
+                        </a:rPr>
+                        <a:t>、</a:t>
+                      </a:r>
+                      <a:r>
+                        <a:rPr lang="en-US" altLang="zh-CN" sz="1800" b="0" i="0" kern="1200" baseline="0" dirty="0" smtClean="0">
+                          <a:solidFill>
+                            <a:schemeClr val="dk1"/>
+                          </a:solidFill>
+                          <a:effectLst/>
+                          <a:latin typeface="Times New Roman" panose="02020603050405020304" pitchFamily="18" charset="0"/>
+                          <a:ea typeface="微软雅黑" panose="020B0503020204020204" pitchFamily="34" charset="-122"/>
+                          <a:cs typeface="+mn-cs"/>
+                        </a:rPr>
+                        <a:t>Orca</a:t>
+                      </a:r>
+                      <a:endParaRPr lang="zh-CN" altLang="en-US" b="0" baseline="0" dirty="0">
+                        <a:latin typeface="Times New Roman" panose="02020603050405020304" pitchFamily="18" charset="0"/>
+                        <a:ea typeface="微软雅黑" panose="020B0503020204020204" pitchFamily="34" charset="-122"/>
+                      </a:endParaRPr>
+                    </a:p>
+                  </a:txBody>
+                  <a:tcPr/>
+                </a:tc>
+                <a:extLst>
+                  <a:ext uri="{0D108BD9-81ED-4DB2-BD59-A6C34878D82A}">
+                    <a16:rowId xmlns:a16="http://schemas.microsoft.com/office/drawing/2014/main" val="3439519161"/>
+                  </a:ext>
+                </a:extLst>
+              </a:tr>
+              <a:tr h="370840">
+                <a:tc>
+                  <a:txBody>
+                    <a:bodyPr/>
+                    <a:lstStyle/>
+                    <a:p>
+                      <a:pPr algn="just"/>
+                      <a:r>
+                        <a:rPr lang="zh-CN" altLang="en-US" baseline="0" dirty="0" smtClean="0">
+                          <a:latin typeface="Times New Roman" panose="02020603050405020304" pitchFamily="18" charset="0"/>
+                          <a:ea typeface="微软雅黑" panose="020B0503020204020204" pitchFamily="34" charset="-122"/>
+                        </a:rPr>
+                        <a:t>评测模型</a:t>
+                      </a:r>
+                      <a:endParaRPr lang="zh-CN" altLang="en-US" baseline="0" dirty="0">
+                        <a:latin typeface="Times New Roman" panose="02020603050405020304" pitchFamily="18" charset="0"/>
+                        <a:ea typeface="微软雅黑" panose="020B0503020204020204" pitchFamily="34" charset="-122"/>
+                      </a:endParaRPr>
+                    </a:p>
+                  </a:txBody>
+                  <a:tcPr/>
+                </a:tc>
+                <a:tc>
+                  <a:txBody>
+                    <a:bodyPr/>
+                    <a:lstStyle/>
+                    <a:p>
+                      <a:r>
+                        <a:rPr lang="en-US" altLang="zh-CN" sz="1800" b="0" i="0" kern="1200" baseline="0" dirty="0" smtClean="0">
+                          <a:solidFill>
+                            <a:schemeClr val="dk1"/>
+                          </a:solidFill>
+                          <a:effectLst/>
+                          <a:latin typeface="Times New Roman" panose="02020603050405020304" pitchFamily="18" charset="0"/>
+                          <a:ea typeface="微软雅黑" panose="020B0503020204020204" pitchFamily="34" charset="-122"/>
+                          <a:cs typeface="+mn-cs"/>
+                        </a:rPr>
+                        <a:t>13B</a:t>
+                      </a:r>
+                      <a:r>
+                        <a:rPr lang="zh-CN" altLang="en-US" sz="1800" b="0" i="0" kern="1200" baseline="0" dirty="0" smtClean="0">
+                          <a:solidFill>
+                            <a:schemeClr val="dk1"/>
+                          </a:solidFill>
+                          <a:effectLst/>
+                          <a:latin typeface="Times New Roman" panose="02020603050405020304" pitchFamily="18" charset="0"/>
+                          <a:ea typeface="微软雅黑" panose="020B0503020204020204" pitchFamily="34" charset="-122"/>
+                          <a:cs typeface="+mn-cs"/>
+                        </a:rPr>
+                        <a:t>、</a:t>
+                      </a:r>
+                      <a:r>
+                        <a:rPr lang="en-US" altLang="zh-CN" sz="1800" b="0" i="0" kern="1200" baseline="0" dirty="0" smtClean="0">
+                          <a:solidFill>
+                            <a:schemeClr val="dk1"/>
+                          </a:solidFill>
+                          <a:effectLst/>
+                          <a:latin typeface="Times New Roman" panose="02020603050405020304" pitchFamily="18" charset="0"/>
+                          <a:ea typeface="微软雅黑" panose="020B0503020204020204" pitchFamily="34" charset="-122"/>
+                          <a:cs typeface="+mn-cs"/>
+                        </a:rPr>
+                        <a:t>66B </a:t>
+                      </a:r>
+                      <a:r>
+                        <a:rPr lang="zh-CN" altLang="en-US" sz="1800" b="0" i="0" kern="1200" baseline="0" dirty="0" smtClean="0">
+                          <a:solidFill>
+                            <a:schemeClr val="dk1"/>
+                          </a:solidFill>
+                          <a:effectLst/>
+                          <a:latin typeface="Times New Roman" panose="02020603050405020304" pitchFamily="18" charset="0"/>
+                          <a:ea typeface="微软雅黑" panose="020B0503020204020204" pitchFamily="34" charset="-122"/>
+                          <a:cs typeface="+mn-cs"/>
+                        </a:rPr>
+                        <a:t>和 </a:t>
+                      </a:r>
+                      <a:r>
+                        <a:rPr lang="en-US" altLang="zh-CN" sz="1800" b="0" i="0" kern="1200" baseline="0" dirty="0" smtClean="0">
+                          <a:solidFill>
+                            <a:schemeClr val="dk1"/>
+                          </a:solidFill>
+                          <a:effectLst/>
+                          <a:latin typeface="Times New Roman" panose="02020603050405020304" pitchFamily="18" charset="0"/>
+                          <a:ea typeface="微软雅黑" panose="020B0503020204020204" pitchFamily="34" charset="-122"/>
+                          <a:cs typeface="+mn-cs"/>
+                        </a:rPr>
+                        <a:t>175B </a:t>
+                      </a:r>
+                      <a:r>
+                        <a:rPr lang="zh-CN" altLang="en-US" sz="1800" b="0" i="0" kern="1200" baseline="0" dirty="0" smtClean="0">
+                          <a:solidFill>
+                            <a:schemeClr val="dk1"/>
+                          </a:solidFill>
+                          <a:effectLst/>
+                          <a:latin typeface="Times New Roman" panose="02020603050405020304" pitchFamily="18" charset="0"/>
+                          <a:ea typeface="微软雅黑" panose="020B0503020204020204" pitchFamily="34" charset="-122"/>
+                          <a:cs typeface="+mn-cs"/>
+                        </a:rPr>
+                        <a:t>参数的 </a:t>
+                      </a:r>
+                      <a:r>
+                        <a:rPr lang="en-US" altLang="zh-CN" sz="1800" b="0" i="0" kern="1200" baseline="0" dirty="0" smtClean="0">
+                          <a:solidFill>
+                            <a:schemeClr val="dk1"/>
+                          </a:solidFill>
+                          <a:effectLst/>
+                          <a:latin typeface="Times New Roman" panose="02020603050405020304" pitchFamily="18" charset="0"/>
+                          <a:ea typeface="微软雅黑" panose="020B0503020204020204" pitchFamily="34" charset="-122"/>
+                          <a:cs typeface="+mn-cs"/>
+                        </a:rPr>
+                        <a:t>OPT </a:t>
+                      </a:r>
+                      <a:r>
+                        <a:rPr lang="zh-CN" altLang="en-US" sz="1800" b="0" i="0" kern="1200" baseline="0" dirty="0" smtClean="0">
+                          <a:solidFill>
+                            <a:schemeClr val="dk1"/>
+                          </a:solidFill>
+                          <a:effectLst/>
+                          <a:latin typeface="Times New Roman" panose="02020603050405020304" pitchFamily="18" charset="0"/>
+                          <a:ea typeface="微软雅黑" panose="020B0503020204020204" pitchFamily="34" charset="-122"/>
+                          <a:cs typeface="+mn-cs"/>
+                        </a:rPr>
+                        <a:t>模型以及具有 </a:t>
+                      </a:r>
+                      <a:r>
+                        <a:rPr lang="en-US" altLang="zh-CN" sz="1800" b="0" i="0" kern="1200" baseline="0" dirty="0" smtClean="0">
+                          <a:solidFill>
+                            <a:schemeClr val="dk1"/>
+                          </a:solidFill>
+                          <a:effectLst/>
+                          <a:latin typeface="Times New Roman" panose="02020603050405020304" pitchFamily="18" charset="0"/>
+                          <a:ea typeface="微软雅黑" panose="020B0503020204020204" pitchFamily="34" charset="-122"/>
+                          <a:cs typeface="+mn-cs"/>
+                        </a:rPr>
+                        <a:t>13B </a:t>
+                      </a:r>
+                      <a:r>
+                        <a:rPr lang="zh-CN" altLang="en-US" sz="1800" b="0" i="0" kern="1200" baseline="0" dirty="0" smtClean="0">
+                          <a:solidFill>
+                            <a:schemeClr val="dk1"/>
+                          </a:solidFill>
+                          <a:effectLst/>
+                          <a:latin typeface="Times New Roman" panose="02020603050405020304" pitchFamily="18" charset="0"/>
+                          <a:ea typeface="微软雅黑" panose="020B0503020204020204" pitchFamily="34" charset="-122"/>
+                          <a:cs typeface="+mn-cs"/>
+                        </a:rPr>
+                        <a:t>参数的 </a:t>
+                      </a:r>
+                      <a:r>
+                        <a:rPr lang="en-US" altLang="zh-CN" sz="1800" b="0" i="0" kern="1200" baseline="0" dirty="0" smtClean="0">
+                          <a:solidFill>
+                            <a:schemeClr val="dk1"/>
+                          </a:solidFill>
+                          <a:effectLst/>
+                          <a:latin typeface="Times New Roman" panose="02020603050405020304" pitchFamily="18" charset="0"/>
+                          <a:ea typeface="微软雅黑" panose="020B0503020204020204" pitchFamily="34" charset="-122"/>
+                          <a:cs typeface="+mn-cs"/>
+                        </a:rPr>
+                        <a:t>LLaMA</a:t>
+                      </a:r>
+                      <a:endParaRPr lang="zh-CN" altLang="en-US" baseline="0" dirty="0">
+                        <a:latin typeface="Times New Roman" panose="02020603050405020304" pitchFamily="18" charset="0"/>
+                        <a:ea typeface="微软雅黑" panose="020B0503020204020204" pitchFamily="34" charset="-122"/>
+                      </a:endParaRPr>
+                    </a:p>
+                  </a:txBody>
+                  <a:tcPr/>
+                </a:tc>
+                <a:extLst>
+                  <a:ext uri="{0D108BD9-81ED-4DB2-BD59-A6C34878D82A}">
+                    <a16:rowId xmlns:a16="http://schemas.microsoft.com/office/drawing/2014/main" val="3764474017"/>
+                  </a:ext>
+                </a:extLst>
+              </a:tr>
+              <a:tr h="370840">
+                <a:tc>
+                  <a:txBody>
+                    <a:bodyPr/>
+                    <a:lstStyle/>
+                    <a:p>
+                      <a:pPr algn="just"/>
+                      <a:r>
+                        <a:rPr lang="zh-CN" altLang="en-US" baseline="0" dirty="0" smtClean="0">
+                          <a:latin typeface="Times New Roman" panose="02020603050405020304" pitchFamily="18" charset="0"/>
+                          <a:ea typeface="微软雅黑" panose="020B0503020204020204" pitchFamily="34" charset="-122"/>
+                        </a:rPr>
+                        <a:t>评价指标</a:t>
+                      </a:r>
+                      <a:endParaRPr lang="zh-CN" altLang="en-US" baseline="0" dirty="0">
+                        <a:latin typeface="Times New Roman" panose="02020603050405020304" pitchFamily="18" charset="0"/>
+                        <a:ea typeface="微软雅黑" panose="020B0503020204020204" pitchFamily="34" charset="-122"/>
+                      </a:endParaRPr>
+                    </a:p>
+                  </a:txBody>
+                  <a:tcPr/>
+                </a:tc>
+                <a:tc>
+                  <a:txBody>
+                    <a:bodyPr/>
+                    <a:lstStyle/>
+                    <a:p>
+                      <a:pPr marL="0" marR="0" indent="0" algn="l" defTabSz="914400" rtl="0" eaLnBrk="1" fontAlgn="auto" latinLnBrk="0" hangingPunct="1">
+                        <a:lnSpc>
+                          <a:spcPct val="100000"/>
+                        </a:lnSpc>
+                        <a:spcBef>
+                          <a:spcPts val="0"/>
+                        </a:spcBef>
+                        <a:spcAft>
+                          <a:spcPts val="0"/>
+                        </a:spcAft>
+                        <a:buClrTx/>
+                        <a:buSzTx/>
+                        <a:buFontTx/>
+                        <a:buNone/>
+                        <a:tabLst/>
+                        <a:defRPr/>
+                      </a:pPr>
+                      <a:r>
+                        <a:rPr lang="zh-CN" altLang="en-US" sz="1800" b="0" i="0" kern="1200" baseline="0" dirty="0" smtClean="0">
+                          <a:solidFill>
+                            <a:schemeClr val="dk1"/>
+                          </a:solidFill>
+                          <a:effectLst/>
+                          <a:latin typeface="Times New Roman" panose="02020603050405020304" pitchFamily="18" charset="0"/>
+                          <a:ea typeface="微软雅黑" panose="020B0503020204020204" pitchFamily="34" charset="-122"/>
+                          <a:cs typeface="+mn-cs"/>
+                        </a:rPr>
+                        <a:t>系统的</a:t>
+                      </a:r>
+                      <a:r>
+                        <a:rPr lang="zh-CN" altLang="en-US" sz="1800" b="1" i="0" kern="1200" baseline="0" dirty="0" smtClean="0">
+                          <a:solidFill>
+                            <a:schemeClr val="dk1"/>
+                          </a:solidFill>
+                          <a:effectLst/>
+                          <a:latin typeface="Times New Roman" panose="02020603050405020304" pitchFamily="18" charset="0"/>
+                          <a:ea typeface="微软雅黑" panose="020B0503020204020204" pitchFamily="34" charset="-122"/>
+                          <a:cs typeface="+mn-cs"/>
+                        </a:rPr>
+                        <a:t>归一化延迟</a:t>
+                      </a:r>
+                      <a:r>
+                        <a:rPr lang="zh-CN" altLang="en-US" sz="1800" b="0" i="0" kern="1200" baseline="0" dirty="0" smtClean="0">
+                          <a:solidFill>
+                            <a:schemeClr val="dk1"/>
+                          </a:solidFill>
+                          <a:effectLst/>
+                          <a:latin typeface="Times New Roman" panose="02020603050405020304" pitchFamily="18" charset="0"/>
+                          <a:ea typeface="微软雅黑" panose="020B0503020204020204" pitchFamily="34" charset="-122"/>
+                          <a:cs typeface="+mn-cs"/>
+                        </a:rPr>
+                        <a:t>，即每个请求的端到端延迟的平均值除以其输出长度</a:t>
+                      </a:r>
+                      <a:endParaRPr lang="zh-CN" altLang="en-US" baseline="0" dirty="0" smtClean="0">
+                        <a:latin typeface="Times New Roman" panose="02020603050405020304" pitchFamily="18" charset="0"/>
+                        <a:ea typeface="微软雅黑" panose="020B0503020204020204" pitchFamily="34" charset="-122"/>
+                      </a:endParaRPr>
+                    </a:p>
+                  </a:txBody>
+                  <a:tcPr/>
+                </a:tc>
+                <a:extLst>
+                  <a:ext uri="{0D108BD9-81ED-4DB2-BD59-A6C34878D82A}">
+                    <a16:rowId xmlns:a16="http://schemas.microsoft.com/office/drawing/2014/main" val="3712975535"/>
+                  </a:ext>
+                </a:extLst>
+              </a:tr>
+              <a:tr h="370840">
+                <a:tc>
+                  <a:txBody>
+                    <a:bodyPr/>
+                    <a:lstStyle/>
+                    <a:p>
+                      <a:pPr marL="0" algn="just" defTabSz="914400" rtl="0" eaLnBrk="1" latinLnBrk="0" hangingPunct="1"/>
+                      <a:r>
+                        <a:rPr lang="zh-CN" altLang="en-US" sz="1800" kern="1200" baseline="0" dirty="0" smtClean="0">
+                          <a:solidFill>
+                            <a:schemeClr val="dk1"/>
+                          </a:solidFill>
+                          <a:latin typeface="Times New Roman" panose="02020603050405020304" pitchFamily="18" charset="0"/>
+                          <a:ea typeface="微软雅黑" panose="020B0503020204020204" pitchFamily="34" charset="-122"/>
+                          <a:cs typeface="+mn-cs"/>
+                        </a:rPr>
+                        <a:t>负载场景</a:t>
+                      </a:r>
+                      <a:endParaRPr lang="zh-CN" altLang="en-US" sz="1800" kern="1200" baseline="0" dirty="0">
+                        <a:solidFill>
+                          <a:schemeClr val="dk1"/>
+                        </a:solidFill>
+                        <a:latin typeface="Times New Roman" panose="02020603050405020304" pitchFamily="18" charset="0"/>
+                        <a:ea typeface="微软雅黑" panose="020B0503020204020204" pitchFamily="34" charset="-122"/>
+                        <a:cs typeface="+mn-cs"/>
+                      </a:endParaRPr>
+                    </a:p>
+                  </a:txBody>
+                  <a:tcPr/>
+                </a:tc>
+                <a:tc>
+                  <a:txBody>
+                    <a:bodyPr/>
+                    <a:lstStyle/>
+                    <a:p>
+                      <a:pPr marL="0" marR="0" indent="0" algn="l" defTabSz="914400" rtl="0" eaLnBrk="1" fontAlgn="auto" latinLnBrk="0" hangingPunct="1">
+                        <a:lnSpc>
+                          <a:spcPct val="100000"/>
+                        </a:lnSpc>
+                        <a:spcBef>
+                          <a:spcPts val="0"/>
+                        </a:spcBef>
+                        <a:spcAft>
+                          <a:spcPts val="0"/>
+                        </a:spcAft>
+                        <a:buClrTx/>
+                        <a:buSzTx/>
+                        <a:buFontTx/>
+                        <a:buNone/>
+                        <a:tabLst/>
+                        <a:defRPr/>
+                      </a:pPr>
+                      <a:r>
+                        <a:rPr lang="zh-CN" altLang="en-US" sz="1800" b="0" i="0" kern="1200" baseline="0" dirty="0" smtClean="0">
+                          <a:solidFill>
+                            <a:schemeClr val="dk1"/>
+                          </a:solidFill>
+                          <a:effectLst/>
+                          <a:latin typeface="Times New Roman" panose="02020603050405020304" pitchFamily="18" charset="0"/>
+                          <a:ea typeface="微软雅黑" panose="020B0503020204020204" pitchFamily="34" charset="-122"/>
+                          <a:cs typeface="+mn-cs"/>
+                        </a:rPr>
+                        <a:t>基础采样、并行采样、束搜索、共享前缀、聊天机器人</a:t>
+                      </a:r>
+                      <a:endParaRPr lang="zh-CN" altLang="en-US" b="0" baseline="0" dirty="0" smtClean="0">
+                        <a:latin typeface="Times New Roman" panose="02020603050405020304" pitchFamily="18" charset="0"/>
+                        <a:ea typeface="微软雅黑" panose="020B0503020204020204" pitchFamily="34" charset="-122"/>
+                      </a:endParaRPr>
+                    </a:p>
+                  </a:txBody>
+                  <a:tcPr/>
+                </a:tc>
+                <a:extLst>
+                  <a:ext uri="{0D108BD9-81ED-4DB2-BD59-A6C34878D82A}">
+                    <a16:rowId xmlns:a16="http://schemas.microsoft.com/office/drawing/2014/main" val="1884191299"/>
+                  </a:ext>
+                </a:extLst>
+              </a:tr>
+            </a:tbl>
+          </a:graphicData>
+        </a:graphic>
+      </p:graphicFrame>
+      <p:sp>
+        <p:nvSpPr>
+          <p:cNvPr id="9" name="矩形 8"/>
+          <p:cNvSpPr/>
+          <p:nvPr/>
+        </p:nvSpPr>
+        <p:spPr>
+          <a:xfrm>
+            <a:off x="301898" y="3955135"/>
+            <a:ext cx="1184002" cy="507831"/>
+          </a:xfrm>
+          <a:prstGeom prst="rect">
+            <a:avLst/>
+          </a:prstGeom>
+        </p:spPr>
+        <p:txBody>
+          <a:bodyPr wrap="square">
+            <a:spAutoFit/>
+          </a:bodyPr>
+          <a:lstStyle/>
+          <a:p>
+            <a:pPr>
+              <a:lnSpc>
+                <a:spcPct val="150000"/>
+              </a:lnSpc>
+            </a:pPr>
+            <a:r>
+              <a:rPr lang="zh-CN" altLang="en-US" b="1" dirty="0">
+                <a:latin typeface="Times New Roman" panose="02020603050405020304" pitchFamily="18" charset="0"/>
+                <a:ea typeface="微软雅黑" panose="020B0503020204020204" pitchFamily="34" charset="-122"/>
+              </a:rPr>
+              <a:t>消融</a:t>
+            </a:r>
+            <a:r>
+              <a:rPr lang="zh-CN" altLang="en-US" b="1" dirty="0" smtClean="0">
+                <a:latin typeface="Times New Roman" panose="02020603050405020304" pitchFamily="18" charset="0"/>
+                <a:ea typeface="微软雅黑" panose="020B0503020204020204" pitchFamily="34" charset="-122"/>
+              </a:rPr>
+              <a:t>实验</a:t>
+            </a:r>
+            <a:endParaRPr lang="en-US" altLang="zh-CN" dirty="0" smtClean="0">
+              <a:latin typeface="Times New Roman" panose="02020603050405020304" pitchFamily="18" charset="0"/>
+              <a:ea typeface="微软雅黑" panose="020B0503020204020204" pitchFamily="34" charset="-122"/>
+            </a:endParaRPr>
+          </a:p>
+        </p:txBody>
+      </p:sp>
+      <p:pic>
+        <p:nvPicPr>
+          <p:cNvPr id="8" name="图片 7"/>
+          <p:cNvPicPr>
+            <a:picLocks noChangeAspect="1"/>
+          </p:cNvPicPr>
+          <p:nvPr/>
+        </p:nvPicPr>
+        <p:blipFill>
+          <a:blip r:embed="rId4"/>
+          <a:stretch>
+            <a:fillRect/>
+          </a:stretch>
+        </p:blipFill>
+        <p:spPr>
+          <a:xfrm>
+            <a:off x="301898" y="4674660"/>
+            <a:ext cx="4080287" cy="1845190"/>
+          </a:xfrm>
+          <a:prstGeom prst="rect">
+            <a:avLst/>
+          </a:prstGeom>
+        </p:spPr>
+      </p:pic>
+      <p:pic>
+        <p:nvPicPr>
+          <p:cNvPr id="11" name="图片 10"/>
+          <p:cNvPicPr>
+            <a:picLocks noChangeAspect="1"/>
+          </p:cNvPicPr>
+          <p:nvPr/>
+        </p:nvPicPr>
+        <p:blipFill>
+          <a:blip r:embed="rId5"/>
+          <a:stretch>
+            <a:fillRect/>
+          </a:stretch>
+        </p:blipFill>
+        <p:spPr>
+          <a:xfrm>
+            <a:off x="7446534" y="4674660"/>
+            <a:ext cx="4231993" cy="1787814"/>
+          </a:xfrm>
+          <a:prstGeom prst="rect">
+            <a:avLst/>
+          </a:prstGeom>
+        </p:spPr>
+      </p:pic>
+      <p:sp>
+        <p:nvSpPr>
+          <p:cNvPr id="13" name="矩形 12"/>
+          <p:cNvSpPr/>
+          <p:nvPr/>
+        </p:nvSpPr>
+        <p:spPr>
+          <a:xfrm>
+            <a:off x="389819" y="4420605"/>
+            <a:ext cx="4384404" cy="307777"/>
+          </a:xfrm>
+          <a:prstGeom prst="rect">
+            <a:avLst/>
+          </a:prstGeom>
+        </p:spPr>
+        <p:txBody>
+          <a:bodyPr wrap="square">
+            <a:spAutoFit/>
+          </a:bodyPr>
+          <a:lstStyle/>
+          <a:p>
+            <a:r>
+              <a:rPr lang="zh-CN" altLang="en-US" sz="1400" b="1" dirty="0">
+                <a:solidFill>
+                  <a:srgbClr val="FF0000"/>
+                </a:solidFill>
+                <a:latin typeface="楷体" panose="02010609060101010101" pitchFamily="49" charset="-122"/>
+                <a:ea typeface="楷体" panose="02010609060101010101" pitchFamily="49" charset="-122"/>
+              </a:rPr>
+              <a:t>测</a:t>
+            </a:r>
+            <a:r>
+              <a:rPr lang="zh-CN" altLang="en-US" sz="1400" b="1" dirty="0" smtClean="0">
+                <a:solidFill>
+                  <a:srgbClr val="FF0000"/>
+                </a:solidFill>
+                <a:latin typeface="楷体" panose="02010609060101010101" pitchFamily="49" charset="-122"/>
+                <a:ea typeface="楷体" panose="02010609060101010101" pitchFamily="49" charset="-122"/>
+              </a:rPr>
+              <a:t>量底</a:t>
+            </a:r>
+            <a:r>
+              <a:rPr lang="zh-CN" altLang="en-US" sz="1400" b="1" dirty="0">
+                <a:solidFill>
+                  <a:srgbClr val="FF0000"/>
+                </a:solidFill>
+                <a:latin typeface="楷体" panose="02010609060101010101" pitchFamily="49" charset="-122"/>
+                <a:ea typeface="楷体" panose="02010609060101010101" pitchFamily="49" charset="-122"/>
+              </a:rPr>
+              <a:t>层开销：内核延迟比基线高 </a:t>
+            </a:r>
+            <a:r>
+              <a:rPr lang="en-US" altLang="zh-CN" sz="1400" b="1" dirty="0">
+                <a:solidFill>
+                  <a:srgbClr val="FF0000"/>
+                </a:solidFill>
+                <a:latin typeface="楷体" panose="02010609060101010101" pitchFamily="49" charset="-122"/>
+                <a:ea typeface="楷体" panose="02010609060101010101" pitchFamily="49" charset="-122"/>
+              </a:rPr>
+              <a:t>20-26</a:t>
+            </a:r>
+            <a:r>
+              <a:rPr lang="en-US" altLang="zh-CN" sz="1400" b="1" dirty="0" smtClean="0">
+                <a:solidFill>
+                  <a:srgbClr val="FF0000"/>
+                </a:solidFill>
+                <a:latin typeface="楷体" panose="02010609060101010101" pitchFamily="49" charset="-122"/>
+                <a:ea typeface="楷体" panose="02010609060101010101" pitchFamily="49" charset="-122"/>
+              </a:rPr>
+              <a:t>%</a:t>
+            </a:r>
+            <a:r>
+              <a:rPr lang="zh-CN" altLang="en-US" sz="1400" b="1" dirty="0" smtClean="0">
+                <a:solidFill>
+                  <a:srgbClr val="FF0000"/>
+                </a:solidFill>
+                <a:latin typeface="楷体" panose="02010609060101010101" pitchFamily="49" charset="-122"/>
+                <a:ea typeface="楷体" panose="02010609060101010101" pitchFamily="49" charset="-122"/>
+              </a:rPr>
+              <a:t>，承认代价</a:t>
+            </a:r>
+            <a:endParaRPr lang="zh-CN" altLang="en-US" sz="1400" b="1" dirty="0">
+              <a:solidFill>
+                <a:srgbClr val="FF0000"/>
+              </a:solidFill>
+              <a:latin typeface="楷体" panose="02010609060101010101" pitchFamily="49" charset="-122"/>
+              <a:ea typeface="楷体" panose="02010609060101010101" pitchFamily="49" charset="-122"/>
+            </a:endParaRPr>
+          </a:p>
+        </p:txBody>
+      </p:sp>
+      <p:sp>
+        <p:nvSpPr>
+          <p:cNvPr id="14" name="矩形 13"/>
+          <p:cNvSpPr/>
+          <p:nvPr/>
+        </p:nvSpPr>
+        <p:spPr>
+          <a:xfrm>
+            <a:off x="2663333" y="6506563"/>
+            <a:ext cx="1441420" cy="307777"/>
+          </a:xfrm>
+          <a:prstGeom prst="rect">
+            <a:avLst/>
+          </a:prstGeom>
+        </p:spPr>
+        <p:txBody>
+          <a:bodyPr wrap="square">
+            <a:spAutoFit/>
+          </a:bodyPr>
+          <a:lstStyle/>
+          <a:p>
+            <a:r>
+              <a:rPr lang="zh-CN" altLang="en-US" sz="1400" b="1" dirty="0">
+                <a:solidFill>
+                  <a:srgbClr val="FF0000"/>
+                </a:solidFill>
+                <a:latin typeface="楷体" panose="02010609060101010101" pitchFamily="49" charset="-122"/>
+                <a:ea typeface="楷体" panose="02010609060101010101" pitchFamily="49" charset="-122"/>
+              </a:rPr>
+              <a:t>寻找最优块大小</a:t>
+            </a:r>
+          </a:p>
+        </p:txBody>
+      </p:sp>
+      <p:sp>
+        <p:nvSpPr>
+          <p:cNvPr id="15" name="矩形 14"/>
+          <p:cNvSpPr/>
+          <p:nvPr/>
+        </p:nvSpPr>
+        <p:spPr>
+          <a:xfrm>
+            <a:off x="7666341" y="4420605"/>
+            <a:ext cx="2159566" cy="307777"/>
+          </a:xfrm>
+          <a:prstGeom prst="rect">
+            <a:avLst/>
+          </a:prstGeom>
+        </p:spPr>
+        <p:txBody>
+          <a:bodyPr wrap="square">
+            <a:spAutoFit/>
+          </a:bodyPr>
+          <a:lstStyle/>
+          <a:p>
+            <a:r>
+              <a:rPr lang="zh-CN" altLang="en-US" sz="1400" b="1" dirty="0">
+                <a:solidFill>
+                  <a:srgbClr val="FF0000"/>
+                </a:solidFill>
+                <a:latin typeface="楷体" panose="02010609060101010101" pitchFamily="49" charset="-122"/>
+                <a:ea typeface="楷体" panose="02010609060101010101" pitchFamily="49" charset="-122"/>
+              </a:rPr>
+              <a:t>分析恢复机制的开销来源</a:t>
+            </a:r>
+          </a:p>
+        </p:txBody>
+      </p:sp>
+      <p:sp>
+        <p:nvSpPr>
+          <p:cNvPr id="16" name="矩形 15"/>
+          <p:cNvSpPr/>
+          <p:nvPr/>
+        </p:nvSpPr>
+        <p:spPr>
+          <a:xfrm>
+            <a:off x="9491826" y="6408752"/>
+            <a:ext cx="2339102" cy="307777"/>
+          </a:xfrm>
+          <a:prstGeom prst="rect">
+            <a:avLst/>
+          </a:prstGeom>
+        </p:spPr>
+        <p:txBody>
+          <a:bodyPr wrap="square">
+            <a:spAutoFit/>
+          </a:bodyPr>
+          <a:lstStyle/>
+          <a:p>
+            <a:r>
+              <a:rPr lang="zh-CN" altLang="en-US" sz="1400" b="1" dirty="0">
+                <a:solidFill>
+                  <a:srgbClr val="FF0000"/>
+                </a:solidFill>
+                <a:latin typeface="楷体" panose="02010609060101010101" pitchFamily="49" charset="-122"/>
+                <a:ea typeface="楷体" panose="02010609060101010101" pitchFamily="49" charset="-122"/>
+              </a:rPr>
+              <a:t>评估恢复机制的端到端影响</a:t>
+            </a:r>
+          </a:p>
+        </p:txBody>
+      </p:sp>
+    </p:spTree>
+    <p:extLst>
+      <p:ext uri="{BB962C8B-B14F-4D97-AF65-F5344CB8AC3E}">
+        <p14:creationId xmlns:p14="http://schemas.microsoft.com/office/powerpoint/2010/main" val="931045506"/>
+      </p:ext>
+    </p:extLst>
+  </p:cSld>
+  <p:clrMapOvr>
+    <a:masterClrMapping/>
+  </p:clrMapOvr>
+  <p:timing>
+    <p:tnLst>
+      <p:par>
+        <p:cTn id="1" dur="indefinite" restart="never" nodeType="tmRoot"/>
+      </p:par>
+    </p:tnLst>
+  </p:timing>
+</p:sld>
+</file>
+
+<file path=ppt/slides/slide16.xml><?xml version="1.0" encoding="utf-8"?>
 <p:sld xmlns:a="http://schemas.openxmlformats.org/drawingml/2006/main" xmlns:r="http://schemas.openxmlformats.org/officeDocument/2006/relationships" xmlns:p="http://schemas.openxmlformats.org/presentationml/2006/main">
   <p:cSld>
     <p:spTree>
@@ -7907,7 +12318,7 @@
               <a:buChar char="Ø"/>
             </a:pPr>
             <a:r>
-              <a:rPr lang="en-US" altLang="zh-CN" sz="2400" b="1" dirty="0">
+              <a:rPr lang="zh-CN" altLang="en-US" sz="2400" b="1" dirty="0">
                 <a:solidFill>
                   <a:srgbClr val="62055D"/>
                 </a:solidFill>
@@ -7916,7 +12327,19 @@
                 <a:cs typeface="Times New Roman" panose="02020603050405020304" pitchFamily="18" charset="0"/>
                 <a:sym typeface="Impact" panose="020B0806030902050204" pitchFamily="34" charset="0"/>
               </a:rPr>
-              <a:t>Results</a:t>
+              <a:t>实</a:t>
+            </a:r>
+            <a:r>
+              <a:rPr lang="zh-CN" altLang="en-US" sz="2400" b="1" dirty="0" smtClean="0">
+                <a:solidFill>
+                  <a:srgbClr val="62055D"/>
+                </a:solidFill>
+                <a:latin typeface="Times New Roman" panose="02020603050405020304" pitchFamily="18" charset="0"/>
+                <a:ea typeface="微软雅黑" panose="020B0503020204020204" pitchFamily="34" charset="-122"/>
+                <a:cs typeface="Times New Roman" panose="02020603050405020304" pitchFamily="18" charset="0"/>
+                <a:sym typeface="Impact" panose="020B0806030902050204" pitchFamily="34" charset="0"/>
+              </a:rPr>
+              <a:t>现与结果评估</a:t>
             </a:r>
             <a:endParaRPr lang="zh-CN" altLang="en-US" sz="2400" dirty="0">
               <a:solidFill>
@@ -9284,7 +13707,7 @@
         </p:nvSpPr>
         <p:spPr>
           <a:xfrm>
-            <a:off x="129540" y="4912006"/>
+            <a:off x="129540" y="4751435"/>
             <a:ext cx="11529030" cy="1754326"/>
           </a:xfrm>
           <a:prstGeom prst="rect">
@@ -10341,7 +14764,7 @@
         <p:spPr>
           <a:xfrm>
             <a:off x="301898" y="1492444"/>
-            <a:ext cx="11529030" cy="1477328"/>
+            <a:ext cx="11529030" cy="1843710"/>
           </a:xfrm>
           <a:prstGeom prst="rect">
             <a:avLst/>
@@ -10534,9 +14957,60 @@
                 <a:latin typeface="Times New Roman" panose="02020603050405020304" pitchFamily="18" charset="0"/>
                 <a:ea typeface="微软雅黑" panose="020B0503020204020204" pitchFamily="34" charset="-122"/>
               </a:rPr>
-              <a:t>块大小（𝐵）。</a:t>
-            </a:r>
-            <a:endParaRPr lang="en-US" altLang="zh-CN" sz="2000" dirty="0">
+              <a:t>块大小（𝐵）</a:t>
+            </a:r>
+            <a:r>
+              <a:rPr lang="zh-CN" altLang="en-US" sz="2000" dirty="0" smtClean="0">
+                <a:latin typeface="Times New Roman" panose="02020603050405020304" pitchFamily="18" charset="0"/>
+                <a:ea typeface="微软雅黑" panose="020B0503020204020204" pitchFamily="34" charset="-122"/>
+              </a:rPr>
+              <a:t>。</a:t>
+            </a:r>
+            <a:r>
+              <a:rPr lang="en-US" altLang="zh-CN" sz="2000" dirty="0">
+                <a:latin typeface="Times New Roman" panose="02020603050405020304" pitchFamily="18" charset="0"/>
+                <a:ea typeface="微软雅黑" panose="020B0503020204020204" pitchFamily="34" charset="-122"/>
+              </a:rPr>
+              <a:t> </a:t>
+            </a:r>
+            <a:endParaRPr lang="en-US" altLang="zh-CN" sz="2000" dirty="0" smtClean="0">
+              <a:latin typeface="Times New Roman" panose="02020603050405020304" pitchFamily="18" charset="0"/>
+              <a:ea typeface="微软雅黑" panose="020B0503020204020204" pitchFamily="34" charset="-122"/>
+            </a:endParaRPr>
+          </a:p>
+          <a:p>
+            <a:pPr algn="ctr">
+              <a:lnSpc>
+                <a:spcPct val="150000"/>
+              </a:lnSpc>
+              <a:buClr>
+                <a:schemeClr val="accent1"/>
+              </a:buClr>
+            </a:pPr>
+            <a:r>
+              <a:rPr lang="en-US" altLang="zh-CN" b="1" dirty="0" smtClean="0">
+                <a:solidFill>
+                  <a:srgbClr val="FF0000"/>
+                </a:solidFill>
+                <a:latin typeface="Times New Roman" panose="02020603050405020304" pitchFamily="18" charset="0"/>
+                <a:ea typeface="微软雅黑" panose="020B0503020204020204" pitchFamily="34" charset="-122"/>
+              </a:rPr>
+              <a:t>PagedAttention </a:t>
+            </a:r>
+            <a:r>
+              <a:rPr lang="zh-CN" altLang="en-US" b="1" dirty="0">
+                <a:solidFill>
+                  <a:srgbClr val="FF0000"/>
+                </a:solidFill>
+                <a:latin typeface="Times New Roman" panose="02020603050405020304" pitchFamily="18" charset="0"/>
+                <a:ea typeface="微软雅黑" panose="020B0503020204020204" pitchFamily="34" charset="-122"/>
+              </a:rPr>
+              <a:t>的核心思想是打破连续内存假设</a:t>
+            </a:r>
+            <a:endParaRPr lang="en-US" altLang="zh-CN" b="1" dirty="0">
+              <a:solidFill>
+                <a:srgbClr val="FF0000"/>
+              </a:solidFill>
               <a:latin typeface="Times New Roman" panose="02020603050405020304" pitchFamily="18" charset="0"/>
               <a:ea typeface="微软雅黑" panose="020B0503020204020204" pitchFamily="34" charset="-122"/>
             </a:endParaRPr>

--- a/AI-Infra/vLLM/vllm-PageAttention.pptx
+++ b/AI-Infra/vLLM/vllm-PageAttention.pptx
@@ -5,7 +5,7 @@
     <p:sldMasterId id="2147483648" r:id="rId1"/>
   </p:sldMasterIdLst>
   <p:notesMasterIdLst>
-    <p:notesMasterId r:id="rId18"/>
+    <p:notesMasterId r:id="rId19"/>
   </p:notesMasterIdLst>
   <p:sldIdLst>
     <p:sldId id="410" r:id="rId2"/>
@@ -23,7 +23,8 @@
     <p:sldId id="562" r:id="rId14"/>
     <p:sldId id="563" r:id="rId15"/>
     <p:sldId id="564" r:id="rId16"/>
-    <p:sldId id="411" r:id="rId17"/>
+    <p:sldId id="565" r:id="rId17"/>
+    <p:sldId id="411" r:id="rId18"/>
   </p:sldIdLst>
   <p:sldSz cx="12192000" cy="6858000"/>
   <p:notesSz cx="6858000" cy="9144000"/>
@@ -1112,6 +1113,90 @@
             <a:spLocks noGrp="1"/>
           </p:cNvSpPr>
           <p:nvPr>
+            <p:ph type="sldNum" sz="quarter" idx="5"/>
+          </p:nvPr>
+        </p:nvSpPr>
+        <p:spPr/>
+        <p:txBody>
+          <a:bodyPr/>
+          <a:lstStyle/>
+          <a:p>
+            <a:fld id="{9963718C-E13D-4500-A87B-3750CAAD43CC}" type="slidenum">
+              <a:rPr lang="zh-CN" altLang="en-US" smtClean="0"/>
+              <a:t>16</a:t>
+            </a:fld>
+            <a:endParaRPr lang="zh-CN" altLang="en-US"/>
+          </a:p>
+        </p:txBody>
+      </p:sp>
+    </p:spTree>
+    <p:extLst>
+      <p:ext uri="{BB962C8B-B14F-4D97-AF65-F5344CB8AC3E}">
+        <p14:creationId xmlns:p14="http://schemas.microsoft.com/office/powerpoint/2010/main" val="681510786"/>
+      </p:ext>
+    </p:extLst>
+  </p:cSld>
+  <p:clrMapOvr>
+    <a:masterClrMapping/>
+  </p:clrMapOvr>
+</p:notes>
+</file>
+
+<file path=ppt/notesSlides/notesSlide17.xml><?xml version="1.0" encoding="utf-8"?>
+<p:notes xmlns:a="http://schemas.openxmlformats.org/drawingml/2006/main" xmlns:r="http://schemas.openxmlformats.org/officeDocument/2006/relationships" xmlns:p="http://schemas.openxmlformats.org/presentationml/2006/main">
+  <p:cSld>
+    <p:spTree>
+      <p:nvGrpSpPr>
+        <p:cNvPr id="1" name=""/>
+        <p:cNvGrpSpPr/>
+        <p:nvPr/>
+      </p:nvGrpSpPr>
+      <p:grpSpPr>
+        <a:xfrm>
+          <a:off x="0" y="0"/>
+          <a:ext cx="0" cy="0"/>
+          <a:chOff x="0" y="0"/>
+          <a:chExt cx="0" cy="0"/>
+        </a:xfrm>
+      </p:grpSpPr>
+      <p:sp>
+        <p:nvSpPr>
+          <p:cNvPr id="2" name="幻灯片图像占位符 1"/>
+          <p:cNvSpPr>
+            <a:spLocks noGrp="1" noRot="1" noChangeAspect="1"/>
+          </p:cNvSpPr>
+          <p:nvPr>
+            <p:ph type="sldImg"/>
+          </p:nvPr>
+        </p:nvSpPr>
+        <p:spPr/>
+      </p:sp>
+      <p:sp>
+        <p:nvSpPr>
+          <p:cNvPr id="3" name="备注占位符 2"/>
+          <p:cNvSpPr>
+            <a:spLocks noGrp="1"/>
+          </p:cNvSpPr>
+          <p:nvPr>
+            <p:ph type="body" idx="1"/>
+          </p:nvPr>
+        </p:nvSpPr>
+        <p:spPr/>
+        <p:txBody>
+          <a:bodyPr/>
+          <a:lstStyle/>
+          <a:p>
+            <a:endParaRPr lang="zh-CN" altLang="en-US" dirty="0"/>
+          </a:p>
+        </p:txBody>
+      </p:sp>
+      <p:sp>
+        <p:nvSpPr>
+          <p:cNvPr id="4" name="灯片编号占位符 3"/>
+          <p:cNvSpPr>
+            <a:spLocks noGrp="1"/>
+          </p:cNvSpPr>
+          <p:nvPr>
             <p:ph type="sldNum" sz="quarter" idx="10"/>
           </p:nvPr>
         </p:nvSpPr>
@@ -1122,7 +1207,7 @@
           <a:p>
             <a:fld id="{04F69107-35E3-4F45-9121-475D3C203D59}" type="slidenum">
               <a:rPr lang="zh-CN" altLang="en-US" smtClean="0"/>
-              <a:t>16</a:t>
+              <a:t>17</a:t>
             </a:fld>
             <a:endParaRPr lang="zh-CN" altLang="en-US"/>
           </a:p>
@@ -5253,6 +5338,13 @@
       <p:transition/>
     </mc:Fallback>
   </mc:AlternateContent>
+  <p:timing>
+    <p:tnLst>
+      <p:par>
+        <p:cTn id="1" dur="indefinite" restart="never" nodeType="tmRoot"/>
+      </p:par>
+    </p:tnLst>
+  </p:timing>
 </p:sld>
 </file>
 
@@ -8382,14 +8474,7 @@
                 <a:latin typeface="Times New Roman" panose="02020603050405020304" pitchFamily="18" charset="0"/>
                 <a:ea typeface="微软雅黑" panose="020B0503020204020204" pitchFamily="34" charset="-122"/>
               </a:rPr>
-              <a:t>张</a:t>
-            </a:r>
-            <a:r>
-              <a:rPr lang="zh-CN" altLang="en-US" b="1" dirty="0">
-                <a:latin typeface="Times New Roman" panose="02020603050405020304" pitchFamily="18" charset="0"/>
-                <a:ea typeface="微软雅黑" panose="020B0503020204020204" pitchFamily="34" charset="-122"/>
-              </a:rPr>
-              <a:t>量模型并行 </a:t>
+              <a:t>张量模型并行 </a:t>
             </a:r>
             <a:r>
               <a:rPr lang="en-US" altLang="zh-CN" b="1" dirty="0">
@@ -8435,14 +8520,7 @@
                 <a:latin typeface="Times New Roman" panose="02020603050405020304" pitchFamily="18" charset="0"/>
                 <a:ea typeface="微软雅黑" panose="020B0503020204020204" pitchFamily="34" charset="-122"/>
               </a:rPr>
-              <a:t>执</a:t>
-            </a:r>
-            <a:r>
-              <a:rPr lang="zh-CN" altLang="en-US" b="1" dirty="0">
-                <a:latin typeface="Times New Roman" panose="02020603050405020304" pitchFamily="18" charset="0"/>
-                <a:ea typeface="微软雅黑" panose="020B0503020204020204" pitchFamily="34" charset="-122"/>
-              </a:rPr>
-              <a:t>行：</a:t>
+              <a:t>执行：</a:t>
             </a:r>
             <a:r>
               <a:rPr lang="zh-CN" altLang="en-US" dirty="0" smtClean="0"/>
@@ -8687,28 +8765,7 @@
                 <a:latin typeface="Times New Roman" panose="02020603050405020304" pitchFamily="18" charset="0"/>
                 <a:ea typeface="微软雅黑" panose="020B0503020204020204" pitchFamily="34" charset="-122"/>
               </a:rPr>
-              <a:t>工作节点共享这个映射关</a:t>
-            </a:r>
-            <a:r>
-              <a:rPr lang="zh-CN" altLang="en-US" sz="1600" dirty="0">
-                <a:latin typeface="Times New Roman" panose="02020603050405020304" pitchFamily="18" charset="0"/>
-                <a:ea typeface="微软雅黑" panose="020B0503020204020204" pitchFamily="34" charset="-122"/>
-              </a:rPr>
-              <a:t>系</a:t>
-            </a:r>
-            <a:r>
-              <a:rPr lang="zh-CN" altLang="en-US" sz="1600" dirty="0">
-                <a:latin typeface="Times New Roman" panose="02020603050405020304" pitchFamily="18" charset="0"/>
-                <a:ea typeface="微软雅黑" panose="020B0503020204020204" pitchFamily="34" charset="-122"/>
-              </a:rPr>
-              <a:t>，</a:t>
-            </a:r>
-            <a:r>
-              <a:rPr lang="zh-CN" altLang="en-US" sz="1600" dirty="0">
-                <a:latin typeface="Times New Roman" panose="02020603050405020304" pitchFamily="18" charset="0"/>
-                <a:ea typeface="微软雅黑" panose="020B0503020204020204" pitchFamily="34" charset="-122"/>
-              </a:rPr>
-              <a:t>每</a:t>
+              <a:t>工作节点共享这个映射关系，每</a:t>
             </a:r>
             <a:r>
               <a:rPr lang="zh-CN" altLang="en-US" sz="1600" dirty="0" smtClean="0">
@@ -8845,21 +8902,7 @@
                 <a:latin typeface="Times New Roman" panose="02020603050405020304" pitchFamily="18" charset="0"/>
                 <a:ea typeface="微软雅黑" panose="020B0503020204020204" pitchFamily="34" charset="-122"/>
               </a:rPr>
-              <a:t>执</a:t>
-            </a:r>
-            <a:r>
-              <a:rPr lang="zh-CN" altLang="en-US" sz="1600" dirty="0">
-                <a:latin typeface="Times New Roman" panose="02020603050405020304" pitchFamily="18" charset="0"/>
-                <a:ea typeface="微软雅黑" panose="020B0503020204020204" pitchFamily="34" charset="-122"/>
-              </a:rPr>
-              <a:t>行模型前向传</a:t>
-            </a:r>
-            <a:r>
-              <a:rPr lang="zh-CN" altLang="en-US" sz="1600" dirty="0">
-                <a:latin typeface="Times New Roman" panose="02020603050405020304" pitchFamily="18" charset="0"/>
-                <a:ea typeface="微软雅黑" panose="020B0503020204020204" pitchFamily="34" charset="-122"/>
-              </a:rPr>
-              <a:t>播</a:t>
+              <a:t>执行模型前向传播</a:t>
             </a:r>
             <a:endParaRPr lang="en-US" altLang="zh-CN" sz="1600" dirty="0">
               <a:latin typeface="Times New Roman" panose="02020603050405020304" pitchFamily="18" charset="0"/>
@@ -8882,14 +8925,7 @@
                 <a:latin typeface="Times New Roman" panose="02020603050405020304" pitchFamily="18" charset="0"/>
                 <a:ea typeface="微软雅黑" panose="020B0503020204020204" pitchFamily="34" charset="-122"/>
               </a:rPr>
-              <a:t>在</a:t>
-            </a:r>
-            <a:r>
-              <a:rPr lang="zh-CN" altLang="en-US" sz="1600" dirty="0">
-                <a:latin typeface="Times New Roman" panose="02020603050405020304" pitchFamily="18" charset="0"/>
-                <a:ea typeface="微软雅黑" panose="020B0503020204020204" pitchFamily="34" charset="-122"/>
-              </a:rPr>
-              <a:t>注意力层，根据块表从本地显存读取所需的 </a:t>
+              <a:t>在注意力层，根据块表从本地显存读取所需的 </a:t>
             </a:r>
             <a:r>
               <a:rPr lang="en-US" altLang="zh-CN" sz="1600" dirty="0">
@@ -8933,14 +8969,7 @@
                 <a:latin typeface="Times New Roman" panose="02020603050405020304" pitchFamily="18" charset="0"/>
                 <a:ea typeface="微软雅黑" panose="020B0503020204020204" pitchFamily="34" charset="-122"/>
               </a:rPr>
-              <a:t>在</a:t>
-            </a:r>
-            <a:r>
-              <a:rPr lang="zh-CN" altLang="en-US" sz="1600" dirty="0">
-                <a:latin typeface="Times New Roman" panose="02020603050405020304" pitchFamily="18" charset="0"/>
-                <a:ea typeface="微软雅黑" panose="020B0503020204020204" pitchFamily="34" charset="-122"/>
-              </a:rPr>
-              <a:t>需要聚合的层（如 </a:t>
+              <a:t>在需要聚合的层（如 </a:t>
             </a:r>
             <a:r>
               <a:rPr lang="en-US" altLang="zh-CN" sz="1600" dirty="0">
@@ -9453,14 +9482,7 @@
                 <a:latin typeface="Times New Roman" panose="02020603050405020304" pitchFamily="18" charset="0"/>
                 <a:ea typeface="微软雅黑" panose="020B0503020204020204" pitchFamily="34" charset="-122"/>
               </a:rPr>
-              <a:t>务系</a:t>
-            </a:r>
-            <a:r>
-              <a:rPr lang="zh-CN" altLang="en-US" dirty="0">
-                <a:latin typeface="Times New Roman" panose="02020603050405020304" pitchFamily="18" charset="0"/>
-                <a:ea typeface="微软雅黑" panose="020B0503020204020204" pitchFamily="34" charset="-122"/>
-              </a:rPr>
-              <a:t>统，包含一个基于 </a:t>
+              <a:t>务系统，包含一个基于 </a:t>
             </a:r>
             <a:r>
               <a:rPr lang="en-US" altLang="zh-CN" dirty="0" smtClean="0">
@@ -11403,6 +11425,1484 @@
       </p:grpSpPr>
       <p:sp>
         <p:nvSpPr>
+          <p:cNvPr id="2" name="TextBox 6"/>
+          <p:cNvSpPr>
+            <a:spLocks noChangeArrowheads="1"/>
+          </p:cNvSpPr>
+          <p:nvPr/>
+        </p:nvSpPr>
+        <p:spPr bwMode="auto">
+          <a:xfrm>
+            <a:off x="2423693" y="260912"/>
+            <a:ext cx="9407235" cy="430530"/>
+          </a:xfrm>
+          <a:prstGeom prst="rect">
+            <a:avLst/>
+          </a:prstGeom>
+          <a:noFill/>
+          <a:ln>
+            <a:noFill/>
+          </a:ln>
+          <a:extLst>
+            <a:ext uri="{909E8E84-426E-40DD-AFC4-6F175D3DCCD1}">
+              <a14:hiddenFill xmlns:a14="http://schemas.microsoft.com/office/drawing/2010/main">
+                <a:solidFill>
+                  <a:srgbClr val="FFFFFF"/>
+                </a:solidFill>
+              </a14:hiddenFill>
+            </a:ext>
+            <a:ext uri="{91240B29-F687-4F45-9708-019B960494DF}">
+              <a14:hiddenLine xmlns:a14="http://schemas.microsoft.com/office/drawing/2010/main" w="9525">
+                <a:solidFill>
+                  <a:srgbClr val="000000"/>
+                </a:solidFill>
+                <a:miter lim="800000"/>
+                <a:headEnd/>
+                <a:tailEnd/>
+              </a14:hiddenLine>
+            </a:ext>
+          </a:extLst>
+        </p:spPr>
+        <p:txBody>
+          <a:bodyPr wrap="square" lIns="0" tIns="0" rIns="0" bIns="0" anchor="ctr">
+            <a:spAutoFit/>
+          </a:bodyPr>
+          <a:lstStyle>
+            <a:lvl1pPr>
+              <a:defRPr>
+                <a:solidFill>
+                  <a:schemeClr val="tx1"/>
+                </a:solidFill>
+                <a:latin typeface="Arial" panose="020B0604020202020204" pitchFamily="34" charset="0"/>
+                <a:ea typeface="宋体" panose="02010600030101010101" pitchFamily="2" charset="-122"/>
+              </a:defRPr>
+            </a:lvl1pPr>
+            <a:lvl2pPr marL="742950" indent="-285750">
+              <a:defRPr>
+                <a:solidFill>
+                  <a:schemeClr val="tx1"/>
+                </a:solidFill>
+                <a:latin typeface="Arial" panose="020B0604020202020204" pitchFamily="34" charset="0"/>
+                <a:ea typeface="宋体" panose="02010600030101010101" pitchFamily="2" charset="-122"/>
+              </a:defRPr>
+            </a:lvl2pPr>
+            <a:lvl3pPr marL="1143000" indent="-228600">
+              <a:defRPr>
+                <a:solidFill>
+                  <a:schemeClr val="tx1"/>
+                </a:solidFill>
+                <a:latin typeface="Arial" panose="020B0604020202020204" pitchFamily="34" charset="0"/>
+                <a:ea typeface="宋体" panose="02010600030101010101" pitchFamily="2" charset="-122"/>
+              </a:defRPr>
+            </a:lvl3pPr>
+            <a:lvl4pPr marL="1600200" indent="-228600">
+              <a:defRPr>
+                <a:solidFill>
+                  <a:schemeClr val="tx1"/>
+                </a:solidFill>
+                <a:latin typeface="Arial" panose="020B0604020202020204" pitchFamily="34" charset="0"/>
+                <a:ea typeface="宋体" panose="02010600030101010101" pitchFamily="2" charset="-122"/>
+              </a:defRPr>
+            </a:lvl4pPr>
+            <a:lvl5pPr marL="2057400" indent="-228600">
+              <a:defRPr>
+                <a:solidFill>
+                  <a:schemeClr val="tx1"/>
+                </a:solidFill>
+                <a:latin typeface="Arial" panose="020B0604020202020204" pitchFamily="34" charset="0"/>
+                <a:ea typeface="宋体" panose="02010600030101010101" pitchFamily="2" charset="-122"/>
+              </a:defRPr>
+            </a:lvl5pPr>
+            <a:lvl6pPr marL="2514600" indent="-228600" eaLnBrk="0" fontAlgn="base" hangingPunct="0">
+              <a:spcBef>
+                <a:spcPct val="0"/>
+              </a:spcBef>
+              <a:spcAft>
+                <a:spcPct val="0"/>
+              </a:spcAft>
+              <a:defRPr>
+                <a:solidFill>
+                  <a:schemeClr val="tx1"/>
+                </a:solidFill>
+                <a:latin typeface="Arial" panose="020B0604020202020204" pitchFamily="34" charset="0"/>
+                <a:ea typeface="宋体" panose="02010600030101010101" pitchFamily="2" charset="-122"/>
+              </a:defRPr>
+            </a:lvl6pPr>
+            <a:lvl7pPr marL="2971800" indent="-228600" eaLnBrk="0" fontAlgn="base" hangingPunct="0">
+              <a:spcBef>
+                <a:spcPct val="0"/>
+              </a:spcBef>
+              <a:spcAft>
+                <a:spcPct val="0"/>
+              </a:spcAft>
+              <a:defRPr>
+                <a:solidFill>
+                  <a:schemeClr val="tx1"/>
+                </a:solidFill>
+                <a:latin typeface="Arial" panose="020B0604020202020204" pitchFamily="34" charset="0"/>
+                <a:ea typeface="宋体" panose="02010600030101010101" pitchFamily="2" charset="-122"/>
+              </a:defRPr>
+            </a:lvl7pPr>
+            <a:lvl8pPr marL="3429000" indent="-228600" eaLnBrk="0" fontAlgn="base" hangingPunct="0">
+              <a:spcBef>
+                <a:spcPct val="0"/>
+              </a:spcBef>
+              <a:spcAft>
+                <a:spcPct val="0"/>
+              </a:spcAft>
+              <a:defRPr>
+                <a:solidFill>
+                  <a:schemeClr val="tx1"/>
+                </a:solidFill>
+                <a:latin typeface="Arial" panose="020B0604020202020204" pitchFamily="34" charset="0"/>
+                <a:ea typeface="宋体" panose="02010600030101010101" pitchFamily="2" charset="-122"/>
+              </a:defRPr>
+            </a:lvl8pPr>
+            <a:lvl9pPr marL="3886200" indent="-228600" eaLnBrk="0" fontAlgn="base" hangingPunct="0">
+              <a:spcBef>
+                <a:spcPct val="0"/>
+              </a:spcBef>
+              <a:spcAft>
+                <a:spcPct val="0"/>
+              </a:spcAft>
+              <a:defRPr>
+                <a:solidFill>
+                  <a:schemeClr val="tx1"/>
+                </a:solidFill>
+                <a:latin typeface="Arial" panose="020B0604020202020204" pitchFamily="34" charset="0"/>
+                <a:ea typeface="宋体" panose="02010600030101010101" pitchFamily="2" charset="-122"/>
+              </a:defRPr>
+            </a:lvl9pPr>
+          </a:lstStyle>
+          <a:p>
+            <a:pPr marL="0" marR="0" lvl="0" indent="0" algn="l" defTabSz="914400" rtl="0" eaLnBrk="1" fontAlgn="base" latinLnBrk="0" hangingPunct="1">
+              <a:lnSpc>
+                <a:spcPct val="100000"/>
+              </a:lnSpc>
+              <a:spcBef>
+                <a:spcPct val="0"/>
+              </a:spcBef>
+              <a:spcAft>
+                <a:spcPct val="0"/>
+              </a:spcAft>
+              <a:buClrTx/>
+              <a:buSzTx/>
+              <a:buFontTx/>
+              <a:buNone/>
+              <a:defRPr/>
+            </a:pPr>
+            <a:r>
+              <a:rPr lang="zh-CN" altLang="en-US" sz="2800" b="1" noProof="0" dirty="0">
+                <a:solidFill>
+                  <a:srgbClr val="62055D"/>
+                </a:solidFill>
+                <a:latin typeface="Times New Roman" panose="02020603050405020304" pitchFamily="18" charset="0"/>
+                <a:ea typeface="微软雅黑" panose="020B0503020204020204" pitchFamily="34" charset="-122"/>
+                <a:cs typeface="Times New Roman" panose="02020603050405020304" pitchFamily="18" charset="0"/>
+                <a:sym typeface="Impact" panose="020B0806030902050204" pitchFamily="34" charset="0"/>
+              </a:rPr>
+              <a:t>思</a:t>
+            </a:r>
+            <a:r>
+              <a:rPr lang="zh-CN" altLang="en-US" sz="2800" b="1" noProof="0" dirty="0" smtClean="0">
+                <a:solidFill>
+                  <a:srgbClr val="62055D"/>
+                </a:solidFill>
+                <a:latin typeface="Times New Roman" panose="02020603050405020304" pitchFamily="18" charset="0"/>
+                <a:ea typeface="微软雅黑" panose="020B0503020204020204" pitchFamily="34" charset="-122"/>
+                <a:cs typeface="Times New Roman" panose="02020603050405020304" pitchFamily="18" charset="0"/>
+                <a:sym typeface="Impact" panose="020B0806030902050204" pitchFamily="34" charset="0"/>
+              </a:rPr>
+              <a:t>考与展望</a:t>
+            </a:r>
+            <a:endParaRPr kumimoji="0" lang="zh-CN" altLang="en-US" sz="2800" b="1" i="0" u="none" strike="noStrike" kern="1200" cap="none" spc="0" normalizeH="0" baseline="0" noProof="0" dirty="0">
+              <a:ln>
+                <a:noFill/>
+              </a:ln>
+              <a:solidFill>
+                <a:srgbClr val="62055D"/>
+              </a:solidFill>
+              <a:effectLst/>
+              <a:uLnTx/>
+              <a:uFillTx/>
+              <a:latin typeface="Times New Roman" panose="02020603050405020304" pitchFamily="18" charset="0"/>
+              <a:ea typeface="微软雅黑" panose="020B0503020204020204" pitchFamily="34" charset="-122"/>
+              <a:cs typeface="Times New Roman" panose="02020603050405020304" pitchFamily="18" charset="0"/>
+              <a:sym typeface="Impact" panose="020B0806030902050204" pitchFamily="34" charset="0"/>
+            </a:endParaRPr>
+          </a:p>
+        </p:txBody>
+      </p:sp>
+      <p:pic>
+        <p:nvPicPr>
+          <p:cNvPr id="4" name="内容占位符 4"/>
+          <p:cNvPicPr>
+            <a:picLocks noChangeAspect="1"/>
+          </p:cNvPicPr>
+          <p:nvPr/>
+        </p:nvPicPr>
+        <p:blipFill>
+          <a:blip r:embed="rId3" cstate="print">
+            <a:extLst>
+              <a:ext uri="{28A0092B-C50C-407E-A947-70E740481C1C}">
+                <a14:useLocalDpi xmlns:a14="http://schemas.microsoft.com/office/drawing/2010/main" val="0"/>
+              </a:ext>
+            </a:extLst>
+          </a:blip>
+          <a:stretch>
+            <a:fillRect/>
+          </a:stretch>
+        </p:blipFill>
+        <p:spPr>
+          <a:xfrm>
+            <a:off x="129540" y="159790"/>
+            <a:ext cx="1989778" cy="632774"/>
+          </a:xfrm>
+          <a:prstGeom prst="rect">
+            <a:avLst/>
+          </a:prstGeom>
+        </p:spPr>
+      </p:pic>
+      <p:sp>
+        <p:nvSpPr>
+          <p:cNvPr id="6" name="矩形 5"/>
+          <p:cNvSpPr/>
+          <p:nvPr/>
+        </p:nvSpPr>
+        <p:spPr>
+          <a:xfrm>
+            <a:off x="2423694" y="697914"/>
+            <a:ext cx="6745244" cy="71852"/>
+          </a:xfrm>
+          <a:prstGeom prst="rect">
+            <a:avLst/>
+          </a:prstGeom>
+          <a:gradFill flip="none" rotWithShape="1">
+            <a:gsLst>
+              <a:gs pos="0">
+                <a:srgbClr val="63065F">
+                  <a:shade val="30000"/>
+                  <a:satMod val="115000"/>
+                  <a:alpha val="60000"/>
+                  <a:lumMod val="100000"/>
+                </a:srgbClr>
+              </a:gs>
+              <a:gs pos="52000">
+                <a:srgbClr val="63065F">
+                  <a:shade val="67500"/>
+                  <a:satMod val="115000"/>
+                  <a:alpha val="70000"/>
+                </a:srgbClr>
+              </a:gs>
+              <a:gs pos="100000">
+                <a:srgbClr val="63065F">
+                  <a:shade val="100000"/>
+                  <a:satMod val="115000"/>
+                </a:srgbClr>
+              </a:gs>
+            </a:gsLst>
+            <a:lin ang="5400000" scaled="1"/>
+            <a:tileRect/>
+          </a:gradFill>
+          <a:ln>
+            <a:noFill/>
+          </a:ln>
+        </p:spPr>
+        <p:style>
+          <a:lnRef idx="2">
+            <a:schemeClr val="accent1">
+              <a:shade val="50000"/>
+            </a:schemeClr>
+          </a:lnRef>
+          <a:fillRef idx="1">
+            <a:schemeClr val="accent1"/>
+          </a:fillRef>
+          <a:effectRef idx="0">
+            <a:schemeClr val="accent1"/>
+          </a:effectRef>
+          <a:fontRef idx="minor">
+            <a:schemeClr val="lt1"/>
+          </a:fontRef>
+        </p:style>
+        <p:txBody>
+          <a:bodyPr rtlCol="0" anchor="ctr"/>
+          <a:lstStyle/>
+          <a:p>
+            <a:pPr algn="ctr"/>
+            <a:endParaRPr lang="zh-CN" altLang="en-US"/>
+          </a:p>
+        </p:txBody>
+      </p:sp>
+      <p:sp>
+        <p:nvSpPr>
+          <p:cNvPr id="7" name="矩形 6"/>
+          <p:cNvSpPr/>
+          <p:nvPr/>
+        </p:nvSpPr>
+        <p:spPr>
+          <a:xfrm>
+            <a:off x="301898" y="924576"/>
+            <a:ext cx="800219" cy="461665"/>
+          </a:xfrm>
+          <a:prstGeom prst="rect">
+            <a:avLst/>
+          </a:prstGeom>
+        </p:spPr>
+        <p:txBody>
+          <a:bodyPr wrap="none">
+            <a:spAutoFit/>
+          </a:bodyPr>
+          <a:lstStyle/>
+          <a:p>
+            <a:r>
+              <a:rPr lang="zh-CN" altLang="en-US" sz="2400" b="1" dirty="0" smtClean="0">
+                <a:latin typeface="Times New Roman" panose="02020603050405020304" pitchFamily="18" charset="0"/>
+                <a:ea typeface="微软雅黑" panose="020B0503020204020204" pitchFamily="34" charset="-122"/>
+              </a:rPr>
+              <a:t>思考</a:t>
+            </a:r>
+            <a:endParaRPr lang="zh-CN" altLang="en-US" sz="2400" b="1" dirty="0">
+              <a:latin typeface="Times New Roman" panose="02020603050405020304" pitchFamily="18" charset="0"/>
+              <a:ea typeface="微软雅黑" panose="020B0503020204020204" pitchFamily="34" charset="-122"/>
+            </a:endParaRPr>
+          </a:p>
+        </p:txBody>
+      </p:sp>
+      <p:sp>
+        <p:nvSpPr>
+          <p:cNvPr id="17" name="矩形 16"/>
+          <p:cNvSpPr/>
+          <p:nvPr/>
+        </p:nvSpPr>
+        <p:spPr>
+          <a:xfrm>
+            <a:off x="301898" y="4083572"/>
+            <a:ext cx="800219" cy="461665"/>
+          </a:xfrm>
+          <a:prstGeom prst="rect">
+            <a:avLst/>
+          </a:prstGeom>
+        </p:spPr>
+        <p:txBody>
+          <a:bodyPr wrap="none">
+            <a:spAutoFit/>
+          </a:bodyPr>
+          <a:lstStyle/>
+          <a:p>
+            <a:r>
+              <a:rPr lang="zh-CN" altLang="en-US" sz="2400" b="1" dirty="0">
+                <a:latin typeface="Times New Roman" panose="02020603050405020304" pitchFamily="18" charset="0"/>
+                <a:ea typeface="微软雅黑" panose="020B0503020204020204" pitchFamily="34" charset="-122"/>
+              </a:rPr>
+              <a:t>展望</a:t>
+            </a:r>
+            <a:endParaRPr lang="zh-CN" altLang="en-US" sz="2400" b="1" dirty="0">
+              <a:latin typeface="Times New Roman" panose="02020603050405020304" pitchFamily="18" charset="0"/>
+              <a:ea typeface="微软雅黑" panose="020B0503020204020204" pitchFamily="34" charset="-122"/>
+            </a:endParaRPr>
+          </a:p>
+        </p:txBody>
+      </p:sp>
+      <p:sp>
+        <p:nvSpPr>
+          <p:cNvPr id="5" name="矩形 4"/>
+          <p:cNvSpPr/>
+          <p:nvPr/>
+        </p:nvSpPr>
+        <p:spPr>
+          <a:xfrm>
+            <a:off x="298646" y="1361398"/>
+            <a:ext cx="11532282" cy="2816156"/>
+          </a:xfrm>
+          <a:prstGeom prst="rect">
+            <a:avLst/>
+          </a:prstGeom>
+        </p:spPr>
+        <p:txBody>
+          <a:bodyPr wrap="square">
+            <a:spAutoFit/>
+          </a:bodyPr>
+          <a:lstStyle/>
+          <a:p>
+            <a:pPr>
+              <a:lnSpc>
+                <a:spcPct val="150000"/>
+              </a:lnSpc>
+            </a:pPr>
+            <a:r>
+              <a:rPr lang="en-US" altLang="zh-CN" dirty="0">
+                <a:solidFill>
+                  <a:srgbClr val="111133"/>
+                </a:solidFill>
+                <a:latin typeface="Times New Roman" panose="02020603050405020304" pitchFamily="18" charset="0"/>
+                <a:ea typeface="微软雅黑" panose="020B0503020204020204" pitchFamily="34" charset="-122"/>
+              </a:rPr>
+              <a:t>PagedAttention </a:t>
+            </a:r>
+            <a:r>
+              <a:rPr lang="zh-CN" altLang="en-US" dirty="0">
+                <a:solidFill>
+                  <a:srgbClr val="111133"/>
+                </a:solidFill>
+                <a:latin typeface="Times New Roman" panose="02020603050405020304" pitchFamily="18" charset="0"/>
+                <a:ea typeface="微软雅黑" panose="020B0503020204020204" pitchFamily="34" charset="-122"/>
+              </a:rPr>
+              <a:t>的成功依赖于 </a:t>
+            </a:r>
+            <a:r>
+              <a:rPr lang="en-US" altLang="zh-CN" dirty="0">
+                <a:solidFill>
+                  <a:srgbClr val="111133"/>
+                </a:solidFill>
+                <a:latin typeface="Times New Roman" panose="02020603050405020304" pitchFamily="18" charset="0"/>
+                <a:ea typeface="微软雅黑" panose="020B0503020204020204" pitchFamily="34" charset="-122"/>
+              </a:rPr>
+              <a:t>LLM </a:t>
+            </a:r>
+            <a:r>
+              <a:rPr lang="zh-CN" altLang="en-US" dirty="0">
+                <a:solidFill>
+                  <a:srgbClr val="111133"/>
+                </a:solidFill>
+                <a:latin typeface="Times New Roman" panose="02020603050405020304" pitchFamily="18" charset="0"/>
+                <a:ea typeface="微软雅黑" panose="020B0503020204020204" pitchFamily="34" charset="-122"/>
+              </a:rPr>
+              <a:t>服务的</a:t>
+            </a:r>
+            <a:r>
+              <a:rPr lang="zh-CN" altLang="en-US" b="1" dirty="0">
+                <a:solidFill>
+                  <a:srgbClr val="111133"/>
+                </a:solidFill>
+                <a:latin typeface="Times New Roman" panose="02020603050405020304" pitchFamily="18" charset="0"/>
+                <a:ea typeface="微软雅黑" panose="020B0503020204020204" pitchFamily="34" charset="-122"/>
+              </a:rPr>
+              <a:t>特定属</a:t>
+            </a:r>
+            <a:r>
+              <a:rPr lang="zh-CN" altLang="en-US" b="1" dirty="0" smtClean="0">
+                <a:solidFill>
+                  <a:srgbClr val="111133"/>
+                </a:solidFill>
+                <a:latin typeface="Times New Roman" panose="02020603050405020304" pitchFamily="18" charset="0"/>
+                <a:ea typeface="微软雅黑" panose="020B0503020204020204" pitchFamily="34" charset="-122"/>
+              </a:rPr>
+              <a:t>性</a:t>
+            </a:r>
+            <a:endParaRPr lang="en-US" altLang="zh-CN" dirty="0" smtClean="0">
+              <a:solidFill>
+                <a:srgbClr val="111133"/>
+              </a:solidFill>
+              <a:latin typeface="Times New Roman" panose="02020603050405020304" pitchFamily="18" charset="0"/>
+              <a:ea typeface="微软雅黑" panose="020B0503020204020204" pitchFamily="34" charset="-122"/>
+            </a:endParaRPr>
+          </a:p>
+          <a:p>
+            <a:pPr marL="285750" indent="-285750">
+              <a:lnSpc>
+                <a:spcPct val="150000"/>
+              </a:lnSpc>
+              <a:buClr>
+                <a:schemeClr val="accent1"/>
+              </a:buClr>
+              <a:buFont typeface="Wingdings" panose="05000000000000000000" pitchFamily="2" charset="2"/>
+              <a:buChar char="u"/>
+            </a:pPr>
+            <a:r>
+              <a:rPr lang="zh-CN" altLang="en-US" b="1" dirty="0" smtClean="0">
+                <a:solidFill>
+                  <a:srgbClr val="111133"/>
+                </a:solidFill>
+                <a:latin typeface="Times New Roman" panose="02020603050405020304" pitchFamily="18" charset="0"/>
+                <a:ea typeface="微软雅黑" panose="020B0503020204020204" pitchFamily="34" charset="-122"/>
+              </a:rPr>
+              <a:t>动</a:t>
+            </a:r>
+            <a:r>
+              <a:rPr lang="zh-CN" altLang="en-US" b="1" dirty="0">
+                <a:solidFill>
+                  <a:srgbClr val="111133"/>
+                </a:solidFill>
+                <a:latin typeface="Times New Roman" panose="02020603050405020304" pitchFamily="18" charset="0"/>
+                <a:ea typeface="微软雅黑" panose="020B0503020204020204" pitchFamily="34" charset="-122"/>
+              </a:rPr>
+              <a:t>态内存需求</a:t>
+            </a:r>
+            <a:r>
+              <a:rPr lang="zh-CN" altLang="en-US" dirty="0">
+                <a:solidFill>
+                  <a:srgbClr val="111133"/>
+                </a:solidFill>
+                <a:latin typeface="Times New Roman" panose="02020603050405020304" pitchFamily="18" charset="0"/>
+                <a:ea typeface="微软雅黑" panose="020B0503020204020204" pitchFamily="34" charset="-122"/>
+              </a:rPr>
+              <a:t>（输出长度未知</a:t>
+            </a:r>
+            <a:r>
+              <a:rPr lang="zh-CN" altLang="en-US" dirty="0" smtClean="0">
+                <a:solidFill>
+                  <a:srgbClr val="111133"/>
+                </a:solidFill>
+                <a:latin typeface="Times New Roman" panose="02020603050405020304" pitchFamily="18" charset="0"/>
+                <a:ea typeface="微软雅黑" panose="020B0503020204020204" pitchFamily="34" charset="-122"/>
+              </a:rPr>
+              <a:t>）</a:t>
+            </a:r>
+            <a:endParaRPr lang="en-US" altLang="zh-CN" dirty="0">
+              <a:solidFill>
+                <a:srgbClr val="111133"/>
+              </a:solidFill>
+              <a:latin typeface="Times New Roman" panose="02020603050405020304" pitchFamily="18" charset="0"/>
+              <a:ea typeface="微软雅黑" panose="020B0503020204020204" pitchFamily="34" charset="-122"/>
+            </a:endParaRPr>
+          </a:p>
+          <a:p>
+            <a:pPr marL="285750" indent="-285750">
+              <a:lnSpc>
+                <a:spcPct val="150000"/>
+              </a:lnSpc>
+              <a:buClr>
+                <a:schemeClr val="accent1"/>
+              </a:buClr>
+              <a:buFont typeface="Wingdings" panose="05000000000000000000" pitchFamily="2" charset="2"/>
+              <a:buChar char="u"/>
+            </a:pPr>
+            <a:r>
+              <a:rPr lang="zh-CN" altLang="en-US" b="1" dirty="0" smtClean="0">
+                <a:solidFill>
+                  <a:srgbClr val="111133"/>
+                </a:solidFill>
+                <a:latin typeface="Times New Roman" panose="02020603050405020304" pitchFamily="18" charset="0"/>
+                <a:ea typeface="微软雅黑" panose="020B0503020204020204" pitchFamily="34" charset="-122"/>
+              </a:rPr>
+              <a:t>内</a:t>
+            </a:r>
+            <a:r>
+              <a:rPr lang="zh-CN" altLang="en-US" b="1" dirty="0">
+                <a:solidFill>
+                  <a:srgbClr val="111133"/>
+                </a:solidFill>
+                <a:latin typeface="Times New Roman" panose="02020603050405020304" pitchFamily="18" charset="0"/>
+                <a:ea typeface="微软雅黑" panose="020B0503020204020204" pitchFamily="34" charset="-122"/>
+              </a:rPr>
+              <a:t>存瓶颈</a:t>
+            </a:r>
+            <a:r>
+              <a:rPr lang="zh-CN" altLang="en-US" dirty="0">
+                <a:solidFill>
+                  <a:srgbClr val="111133"/>
+                </a:solidFill>
+                <a:latin typeface="Times New Roman" panose="02020603050405020304" pitchFamily="18" charset="0"/>
+                <a:ea typeface="微软雅黑" panose="020B0503020204020204" pitchFamily="34" charset="-122"/>
+              </a:rPr>
+              <a:t>（</a:t>
+            </a:r>
+            <a:r>
+              <a:rPr lang="en-US" altLang="zh-CN" dirty="0">
+                <a:solidFill>
+                  <a:srgbClr val="111133"/>
+                </a:solidFill>
+                <a:latin typeface="Times New Roman" panose="02020603050405020304" pitchFamily="18" charset="0"/>
+                <a:ea typeface="微软雅黑" panose="020B0503020204020204" pitchFamily="34" charset="-122"/>
+              </a:rPr>
+              <a:t>KV </a:t>
+            </a:r>
+            <a:r>
+              <a:rPr lang="zh-CN" altLang="en-US" dirty="0">
+                <a:solidFill>
+                  <a:srgbClr val="111133"/>
+                </a:solidFill>
+                <a:latin typeface="Times New Roman" panose="02020603050405020304" pitchFamily="18" charset="0"/>
+                <a:ea typeface="微软雅黑" panose="020B0503020204020204" pitchFamily="34" charset="-122"/>
+              </a:rPr>
+              <a:t>缓存巨大</a:t>
+            </a:r>
+            <a:r>
+              <a:rPr lang="zh-CN" altLang="en-US" dirty="0" smtClean="0">
+                <a:solidFill>
+                  <a:srgbClr val="111133"/>
+                </a:solidFill>
+                <a:latin typeface="Times New Roman" panose="02020603050405020304" pitchFamily="18" charset="0"/>
+                <a:ea typeface="微软雅黑" panose="020B0503020204020204" pitchFamily="34" charset="-122"/>
+              </a:rPr>
+              <a:t>）</a:t>
+            </a:r>
+            <a:endParaRPr lang="en-US" altLang="zh-CN" dirty="0" smtClean="0">
+              <a:solidFill>
+                <a:srgbClr val="111133"/>
+              </a:solidFill>
+              <a:latin typeface="Times New Roman" panose="02020603050405020304" pitchFamily="18" charset="0"/>
+              <a:ea typeface="微软雅黑" panose="020B0503020204020204" pitchFamily="34" charset="-122"/>
+            </a:endParaRPr>
+          </a:p>
+          <a:p>
+            <a:pPr>
+              <a:lnSpc>
+                <a:spcPct val="150000"/>
+              </a:lnSpc>
+              <a:buClr>
+                <a:schemeClr val="accent1"/>
+              </a:buClr>
+            </a:pPr>
+            <a:r>
+              <a:rPr lang="zh-CN" altLang="en-US" sz="1600" dirty="0" smtClean="0">
+                <a:latin typeface="Times New Roman" panose="02020603050405020304" pitchFamily="18" charset="0"/>
+                <a:ea typeface="微软雅黑" panose="020B0503020204020204" pitchFamily="34" charset="-122"/>
+              </a:rPr>
+              <a:t>但该技术不适</a:t>
+            </a:r>
+            <a:r>
+              <a:rPr lang="zh-CN" altLang="en-US" sz="1600" dirty="0">
+                <a:latin typeface="Times New Roman" panose="02020603050405020304" pitchFamily="18" charset="0"/>
+                <a:ea typeface="微软雅黑" panose="020B0503020204020204" pitchFamily="34" charset="-122"/>
+              </a:rPr>
+              <a:t>用于</a:t>
+            </a:r>
+            <a:r>
+              <a:rPr lang="zh-CN" altLang="en-US" sz="1600" dirty="0">
+                <a:latin typeface="Times New Roman" panose="02020603050405020304" pitchFamily="18" charset="0"/>
+                <a:ea typeface="微软雅黑" panose="020B0503020204020204" pitchFamily="34" charset="-122"/>
+              </a:rPr>
+              <a:t>内存可以静态分</a:t>
+            </a:r>
+            <a:r>
+              <a:rPr lang="zh-CN" altLang="en-US" sz="1600" dirty="0" smtClean="0">
+                <a:latin typeface="Times New Roman" panose="02020603050405020304" pitchFamily="18" charset="0"/>
+                <a:ea typeface="微软雅黑" panose="020B0503020204020204" pitchFamily="34" charset="-122"/>
+              </a:rPr>
+              <a:t>配以及计算密集型的非</a:t>
+            </a:r>
+            <a:r>
+              <a:rPr lang="en-US" altLang="zh-CN" sz="1600" dirty="0" smtClean="0">
+                <a:latin typeface="Times New Roman" panose="02020603050405020304" pitchFamily="18" charset="0"/>
+                <a:ea typeface="微软雅黑" panose="020B0503020204020204" pitchFamily="34" charset="-122"/>
+              </a:rPr>
+              <a:t>LLM</a:t>
+            </a:r>
+            <a:r>
+              <a:rPr lang="zh-CN" altLang="en-US" sz="1600" dirty="0" smtClean="0">
+                <a:latin typeface="Times New Roman" panose="02020603050405020304" pitchFamily="18" charset="0"/>
+                <a:ea typeface="微软雅黑" panose="020B0503020204020204" pitchFamily="34" charset="-122"/>
+              </a:rPr>
+              <a:t>模型</a:t>
+            </a:r>
+            <a:endParaRPr lang="en-US" altLang="zh-CN" sz="1600" dirty="0" smtClean="0">
+              <a:latin typeface="Times New Roman" panose="02020603050405020304" pitchFamily="18" charset="0"/>
+              <a:ea typeface="微软雅黑" panose="020B0503020204020204" pitchFamily="34" charset="-122"/>
+            </a:endParaRPr>
+          </a:p>
+          <a:p>
+            <a:pPr>
+              <a:lnSpc>
+                <a:spcPct val="150000"/>
+              </a:lnSpc>
+              <a:buClr>
+                <a:schemeClr val="accent1"/>
+              </a:buClr>
+            </a:pPr>
+            <a:r>
+              <a:rPr lang="en-US" altLang="zh-CN" sz="1600" dirty="0"/>
+              <a:t>vLLM </a:t>
+            </a:r>
+            <a:r>
+              <a:rPr lang="zh-CN" altLang="en-US" sz="1600" dirty="0"/>
+              <a:t>不是简单地照搬操作系统的分页，而是进行了</a:t>
+            </a:r>
+            <a:r>
+              <a:rPr lang="zh-CN" altLang="en-US" sz="1600" b="1" dirty="0"/>
+              <a:t>深度的、应用特定的改</a:t>
+            </a:r>
+            <a:r>
+              <a:rPr lang="zh-CN" altLang="en-US" sz="1600" b="1" dirty="0" smtClean="0"/>
+              <a:t>造</a:t>
+            </a:r>
+            <a:endParaRPr lang="en-US" altLang="zh-CN" sz="1600" b="1" dirty="0" smtClean="0"/>
+          </a:p>
+          <a:p>
+            <a:pPr>
+              <a:lnSpc>
+                <a:spcPct val="150000"/>
+              </a:lnSpc>
+              <a:buClr>
+                <a:schemeClr val="accent1"/>
+              </a:buClr>
+            </a:pPr>
+            <a:r>
+              <a:rPr lang="zh-CN" altLang="en-US" sz="1400" dirty="0" smtClean="0">
+                <a:latin typeface="+mj-ea"/>
+                <a:ea typeface="+mj-ea"/>
+              </a:rPr>
+              <a:t>①</a:t>
+            </a:r>
+            <a:r>
+              <a:rPr lang="zh-CN" altLang="en-US" sz="1400" b="1" dirty="0" smtClean="0">
+                <a:latin typeface="+mj-ea"/>
+                <a:ea typeface="+mj-ea"/>
+              </a:rPr>
+              <a:t>全</a:t>
+            </a:r>
+            <a:r>
+              <a:rPr lang="zh-CN" altLang="en-US" sz="1400" b="1" dirty="0">
+                <a:latin typeface="+mj-ea"/>
+                <a:ea typeface="+mj-ea"/>
+              </a:rPr>
+              <a:t>有或全无换</a:t>
+            </a:r>
+            <a:r>
+              <a:rPr lang="zh-CN" altLang="en-US" sz="1400" b="1" dirty="0" smtClean="0">
+                <a:latin typeface="+mj-ea"/>
+                <a:ea typeface="+mj-ea"/>
+              </a:rPr>
+              <a:t>出</a:t>
+            </a:r>
+            <a:r>
+              <a:rPr lang="en-US" altLang="zh-CN" sz="1400" dirty="0">
+                <a:latin typeface="+mj-ea"/>
+                <a:ea typeface="+mj-ea"/>
+              </a:rPr>
+              <a:t>(All-or-nothing swap-out)</a:t>
+            </a:r>
+            <a:r>
+              <a:rPr lang="zh-CN" altLang="en-US" sz="1400" dirty="0" smtClean="0">
+                <a:latin typeface="+mj-ea"/>
+                <a:ea typeface="+mj-ea"/>
+              </a:rPr>
+              <a:t>：</a:t>
+            </a:r>
+            <a:r>
+              <a:rPr lang="en-US" altLang="zh-CN" sz="1400" dirty="0" smtClean="0">
+                <a:latin typeface="+mj-ea"/>
+                <a:ea typeface="+mj-ea"/>
+              </a:rPr>
+              <a:t>LLM</a:t>
+            </a:r>
+            <a:r>
+              <a:rPr lang="zh-CN" altLang="en-US" sz="1400" dirty="0" smtClean="0">
+                <a:latin typeface="+mj-ea"/>
+                <a:ea typeface="+mj-ea"/>
+              </a:rPr>
+              <a:t>自回归</a:t>
+            </a:r>
+            <a:r>
+              <a:rPr lang="zh-CN" altLang="en-US" sz="1400" dirty="0">
+                <a:latin typeface="+mj-ea"/>
+                <a:ea typeface="+mj-ea"/>
+              </a:rPr>
+              <a:t>特</a:t>
+            </a:r>
+            <a:r>
+              <a:rPr lang="zh-CN" altLang="en-US" sz="1400" dirty="0" smtClean="0">
+                <a:latin typeface="+mj-ea"/>
+                <a:ea typeface="+mj-ea"/>
+              </a:rPr>
+              <a:t>性；②</a:t>
+            </a:r>
+            <a:r>
+              <a:rPr lang="zh-CN" altLang="en-US" sz="1400" b="1" dirty="0" smtClean="0">
+                <a:latin typeface="+mj-ea"/>
+                <a:ea typeface="+mj-ea"/>
+              </a:rPr>
+              <a:t>重</a:t>
+            </a:r>
+            <a:r>
+              <a:rPr lang="zh-CN" altLang="en-US" sz="1400" b="1" dirty="0">
+                <a:latin typeface="+mj-ea"/>
+                <a:ea typeface="+mj-ea"/>
+              </a:rPr>
+              <a:t>计算</a:t>
+            </a:r>
+            <a:r>
+              <a:rPr lang="zh-CN" altLang="en-US" sz="1400" dirty="0">
+                <a:latin typeface="+mj-ea"/>
+                <a:ea typeface="+mj-ea"/>
+              </a:rPr>
+              <a:t> </a:t>
+            </a:r>
+            <a:r>
+              <a:rPr lang="en-US" altLang="zh-CN" sz="1400" dirty="0">
+                <a:latin typeface="+mj-ea"/>
+                <a:ea typeface="+mj-ea"/>
+              </a:rPr>
+              <a:t>(Recomputation</a:t>
+            </a:r>
+            <a:r>
+              <a:rPr lang="en-US" altLang="zh-CN" sz="1400" dirty="0" smtClean="0">
+                <a:latin typeface="+mj-ea"/>
+                <a:ea typeface="+mj-ea"/>
+              </a:rPr>
+              <a:t>)</a:t>
+            </a:r>
+            <a:r>
+              <a:rPr lang="zh-CN" altLang="en-US" sz="1400" dirty="0" smtClean="0">
+                <a:latin typeface="+mj-ea"/>
+                <a:ea typeface="+mj-ea"/>
+              </a:rPr>
+              <a:t>；③</a:t>
+            </a:r>
+            <a:r>
+              <a:rPr lang="zh-CN" altLang="en-US" sz="1400" b="1" dirty="0" smtClean="0">
+                <a:latin typeface="+mj-ea"/>
+                <a:ea typeface="+mj-ea"/>
+              </a:rPr>
+              <a:t>内</a:t>
+            </a:r>
+            <a:r>
+              <a:rPr lang="zh-CN" altLang="en-US" sz="1400" b="1" dirty="0">
+                <a:latin typeface="+mj-ea"/>
+                <a:ea typeface="+mj-ea"/>
+              </a:rPr>
+              <a:t>核融合</a:t>
+            </a:r>
+            <a:r>
+              <a:rPr lang="zh-CN" altLang="en-US" sz="1400" dirty="0">
+                <a:latin typeface="+mj-ea"/>
+                <a:ea typeface="+mj-ea"/>
+              </a:rPr>
+              <a:t> </a:t>
+            </a:r>
+            <a:r>
+              <a:rPr lang="en-US" altLang="zh-CN" sz="1400" dirty="0">
+                <a:latin typeface="+mj-ea"/>
+                <a:ea typeface="+mj-ea"/>
+              </a:rPr>
+              <a:t>(Kernel Fusion</a:t>
+            </a:r>
+            <a:r>
+              <a:rPr lang="en-US" altLang="zh-CN" sz="1400" dirty="0" smtClean="0">
+                <a:latin typeface="+mj-ea"/>
+                <a:ea typeface="+mj-ea"/>
+              </a:rPr>
+              <a:t>):</a:t>
+            </a:r>
+            <a:r>
+              <a:rPr lang="zh-CN" altLang="en-US" sz="1400" dirty="0">
+                <a:latin typeface="+mj-ea"/>
+                <a:ea typeface="+mj-ea"/>
+              </a:rPr>
+              <a:t>为了减轻分页带来的间接寻址开</a:t>
+            </a:r>
+            <a:r>
+              <a:rPr lang="zh-CN" altLang="en-US" sz="1400" dirty="0" smtClean="0">
+                <a:latin typeface="+mj-ea"/>
+                <a:ea typeface="+mj-ea"/>
+              </a:rPr>
+              <a:t>销</a:t>
+            </a:r>
+            <a:r>
+              <a:rPr lang="en-US" altLang="zh-CN" sz="1400" dirty="0" smtClean="0">
+                <a:latin typeface="+mj-ea"/>
+                <a:ea typeface="+mj-ea"/>
+              </a:rPr>
+              <a:t>,</a:t>
+            </a:r>
+            <a:r>
+              <a:rPr lang="zh-CN" altLang="en-US" sz="1400" dirty="0" smtClean="0">
+                <a:latin typeface="+mj-ea"/>
+                <a:ea typeface="+mj-ea"/>
+              </a:rPr>
+              <a:t>将</a:t>
+            </a:r>
+            <a:r>
+              <a:rPr lang="zh-CN" altLang="en-US" sz="1400" dirty="0">
+                <a:latin typeface="+mj-ea"/>
+                <a:ea typeface="+mj-ea"/>
+              </a:rPr>
+              <a:t>“查找块地址”和“执行注意力计算”等操作融合到一个 </a:t>
+            </a:r>
+            <a:r>
+              <a:rPr lang="en-US" altLang="zh-CN" sz="1400" dirty="0">
+                <a:latin typeface="+mj-ea"/>
+                <a:ea typeface="+mj-ea"/>
+              </a:rPr>
+              <a:t>GPU </a:t>
+            </a:r>
+            <a:r>
+              <a:rPr lang="zh-CN" altLang="en-US" sz="1400" dirty="0">
+                <a:latin typeface="+mj-ea"/>
+                <a:ea typeface="+mj-ea"/>
+              </a:rPr>
+              <a:t>内核</a:t>
+            </a:r>
+            <a:r>
+              <a:rPr lang="zh-CN" altLang="en-US" sz="1400" dirty="0" smtClean="0">
+                <a:latin typeface="+mj-ea"/>
+                <a:ea typeface="+mj-ea"/>
+              </a:rPr>
+              <a:t>中</a:t>
+            </a:r>
+            <a:r>
+              <a:rPr lang="zh-CN" altLang="en-US" sz="1400" dirty="0">
+                <a:latin typeface="+mj-ea"/>
+                <a:ea typeface="+mj-ea"/>
+              </a:rPr>
+              <a:t>。</a:t>
+            </a:r>
+            <a:endParaRPr lang="en-US" altLang="zh-CN" sz="1400" dirty="0">
+              <a:latin typeface="+mj-ea"/>
+              <a:ea typeface="+mj-ea"/>
+            </a:endParaRPr>
+          </a:p>
+        </p:txBody>
+      </p:sp>
+      <p:sp>
+        <p:nvSpPr>
+          <p:cNvPr id="18" name="矩形 17"/>
+          <p:cNvSpPr/>
+          <p:nvPr/>
+        </p:nvSpPr>
+        <p:spPr>
+          <a:xfrm>
+            <a:off x="298646" y="4614376"/>
+            <a:ext cx="11532282" cy="1938992"/>
+          </a:xfrm>
+          <a:prstGeom prst="rect">
+            <a:avLst/>
+          </a:prstGeom>
+        </p:spPr>
+        <p:txBody>
+          <a:bodyPr wrap="square">
+            <a:spAutoFit/>
+          </a:bodyPr>
+          <a:lstStyle/>
+          <a:p>
+            <a:pPr marL="342900" indent="-342900">
+              <a:lnSpc>
+                <a:spcPct val="150000"/>
+              </a:lnSpc>
+              <a:buFont typeface="+mj-lt"/>
+              <a:buAutoNum type="arabicPeriod"/>
+            </a:pPr>
+            <a:r>
+              <a:rPr lang="zh-CN" altLang="en-US" sz="1600" dirty="0">
+                <a:solidFill>
+                  <a:srgbClr val="111133"/>
+                </a:solidFill>
+                <a:latin typeface="Times New Roman" panose="02020603050405020304" pitchFamily="18" charset="0"/>
+                <a:ea typeface="微软雅黑" panose="020B0503020204020204" pitchFamily="34" charset="-122"/>
+              </a:rPr>
+              <a:t>之</a:t>
+            </a:r>
+            <a:r>
+              <a:rPr lang="zh-CN" altLang="en-US" sz="1600" dirty="0" smtClean="0">
+                <a:solidFill>
+                  <a:srgbClr val="111133"/>
+                </a:solidFill>
+                <a:latin typeface="Times New Roman" panose="02020603050405020304" pitchFamily="18" charset="0"/>
+                <a:ea typeface="微软雅黑" panose="020B0503020204020204" pitchFamily="34" charset="-122"/>
+              </a:rPr>
+              <a:t>前，</a:t>
+            </a:r>
+            <a:r>
+              <a:rPr lang="en-US" altLang="zh-CN" sz="1600" b="1" dirty="0" smtClean="0">
+                <a:solidFill>
+                  <a:srgbClr val="111133"/>
+                </a:solidFill>
+                <a:latin typeface="Times New Roman" panose="02020603050405020304" pitchFamily="18" charset="0"/>
+                <a:ea typeface="微软雅黑" panose="020B0503020204020204" pitchFamily="34" charset="-122"/>
+              </a:rPr>
+              <a:t>AI </a:t>
+            </a:r>
+            <a:r>
+              <a:rPr lang="en-US" altLang="zh-CN" sz="1600" b="1" dirty="0">
+                <a:solidFill>
+                  <a:srgbClr val="111133"/>
+                </a:solidFill>
+                <a:latin typeface="Times New Roman" panose="02020603050405020304" pitchFamily="18" charset="0"/>
+                <a:ea typeface="微软雅黑" panose="020B0503020204020204" pitchFamily="34" charset="-122"/>
+              </a:rPr>
+              <a:t>Infra </a:t>
+            </a:r>
+            <a:r>
+              <a:rPr lang="zh-CN" altLang="en-US" sz="1600" dirty="0">
+                <a:solidFill>
+                  <a:srgbClr val="111133"/>
+                </a:solidFill>
+                <a:latin typeface="Times New Roman" panose="02020603050405020304" pitchFamily="18" charset="0"/>
+                <a:ea typeface="微软雅黑" panose="020B0503020204020204" pitchFamily="34" charset="-122"/>
+              </a:rPr>
+              <a:t>的重点是优化计算（</a:t>
+            </a:r>
+            <a:r>
+              <a:rPr lang="zh-CN" altLang="en-US" sz="1600" dirty="0" smtClean="0">
+                <a:solidFill>
+                  <a:srgbClr val="111133"/>
+                </a:solidFill>
+                <a:latin typeface="Times New Roman" panose="02020603050405020304" pitchFamily="18" charset="0"/>
+                <a:ea typeface="微软雅黑" panose="020B0503020204020204" pitchFamily="34" charset="-122"/>
+              </a:rPr>
+              <a:t>如算</a:t>
+            </a:r>
+            <a:r>
+              <a:rPr lang="zh-CN" altLang="en-US" sz="1600" dirty="0">
+                <a:solidFill>
+                  <a:srgbClr val="111133"/>
+                </a:solidFill>
+                <a:latin typeface="Times New Roman" panose="02020603050405020304" pitchFamily="18" charset="0"/>
+                <a:ea typeface="微软雅黑" panose="020B0503020204020204" pitchFamily="34" charset="-122"/>
+              </a:rPr>
+              <a:t>子融合）。随着模型规模爆炸式增长，</a:t>
+            </a:r>
+            <a:r>
+              <a:rPr lang="zh-CN" altLang="en-US" sz="1600" b="1" dirty="0">
+                <a:solidFill>
+                  <a:srgbClr val="111133"/>
+                </a:solidFill>
+                <a:latin typeface="Times New Roman" panose="02020603050405020304" pitchFamily="18" charset="0"/>
+                <a:ea typeface="微软雅黑" panose="020B0503020204020204" pitchFamily="34" charset="-122"/>
+              </a:rPr>
+              <a:t>内存墙（</a:t>
+            </a:r>
+            <a:r>
+              <a:rPr lang="en-US" altLang="zh-CN" sz="1600" b="1" dirty="0">
+                <a:solidFill>
+                  <a:srgbClr val="111133"/>
+                </a:solidFill>
+                <a:latin typeface="Times New Roman" panose="02020603050405020304" pitchFamily="18" charset="0"/>
+                <a:ea typeface="微软雅黑" panose="020B0503020204020204" pitchFamily="34" charset="-122"/>
+              </a:rPr>
+              <a:t>Memory Wall</a:t>
+            </a:r>
+            <a:r>
+              <a:rPr lang="zh-CN" altLang="en-US" sz="1600" b="1" dirty="0">
+                <a:solidFill>
+                  <a:srgbClr val="111133"/>
+                </a:solidFill>
+                <a:latin typeface="Times New Roman" panose="02020603050405020304" pitchFamily="18" charset="0"/>
+                <a:ea typeface="微软雅黑" panose="020B0503020204020204" pitchFamily="34" charset="-122"/>
+              </a:rPr>
+              <a:t>）</a:t>
+            </a:r>
+            <a:r>
+              <a:rPr lang="en-US" altLang="zh-CN" sz="1600" dirty="0">
+                <a:solidFill>
+                  <a:srgbClr val="111133"/>
+                </a:solidFill>
+                <a:latin typeface="Times New Roman" panose="02020603050405020304" pitchFamily="18" charset="0"/>
+                <a:ea typeface="微软雅黑" panose="020B0503020204020204" pitchFamily="34" charset="-122"/>
+              </a:rPr>
+              <a:t> </a:t>
+            </a:r>
+            <a:r>
+              <a:rPr lang="zh-CN" altLang="en-US" sz="1600" dirty="0">
+                <a:solidFill>
+                  <a:srgbClr val="111133"/>
+                </a:solidFill>
+                <a:latin typeface="Times New Roman" panose="02020603050405020304" pitchFamily="18" charset="0"/>
+                <a:ea typeface="微软雅黑" panose="020B0503020204020204" pitchFamily="34" charset="-122"/>
+              </a:rPr>
+              <a:t>已成为比算力墙更紧迫的瓶</a:t>
+            </a:r>
+            <a:r>
+              <a:rPr lang="zh-CN" altLang="en-US" sz="1600" dirty="0" smtClean="0">
+                <a:solidFill>
+                  <a:srgbClr val="111133"/>
+                </a:solidFill>
+                <a:latin typeface="Times New Roman" panose="02020603050405020304" pitchFamily="18" charset="0"/>
+                <a:ea typeface="微软雅黑" panose="020B0503020204020204" pitchFamily="34" charset="-122"/>
+              </a:rPr>
+              <a:t>颈。</a:t>
+            </a:r>
+            <a:endParaRPr lang="en-US" altLang="zh-CN" sz="1600" dirty="0">
+              <a:solidFill>
+                <a:srgbClr val="111133"/>
+              </a:solidFill>
+              <a:latin typeface="Times New Roman" panose="02020603050405020304" pitchFamily="18" charset="0"/>
+              <a:ea typeface="微软雅黑" panose="020B0503020204020204" pitchFamily="34" charset="-122"/>
+            </a:endParaRPr>
+          </a:p>
+          <a:p>
+            <a:pPr marL="342900" indent="-342900">
+              <a:lnSpc>
+                <a:spcPct val="150000"/>
+              </a:lnSpc>
+              <a:buFont typeface="+mj-lt"/>
+              <a:buAutoNum type="arabicPeriod"/>
+            </a:pPr>
+            <a:r>
+              <a:rPr lang="en-US" altLang="zh-CN" sz="1600" dirty="0" smtClean="0">
+                <a:solidFill>
+                  <a:srgbClr val="111133"/>
+                </a:solidFill>
+                <a:latin typeface="Times New Roman" panose="02020603050405020304" pitchFamily="18" charset="0"/>
+                <a:ea typeface="微软雅黑" panose="020B0503020204020204" pitchFamily="34" charset="-122"/>
+              </a:rPr>
+              <a:t>vLLM </a:t>
+            </a:r>
+            <a:r>
+              <a:rPr lang="zh-CN" altLang="en-US" sz="1600" dirty="0">
+                <a:solidFill>
+                  <a:srgbClr val="111133"/>
+                </a:solidFill>
+                <a:latin typeface="Times New Roman" panose="02020603050405020304" pitchFamily="18" charset="0"/>
+                <a:ea typeface="微软雅黑" panose="020B0503020204020204" pitchFamily="34" charset="-122"/>
+              </a:rPr>
+              <a:t>目前不原生支持</a:t>
+            </a:r>
+            <a:r>
+              <a:rPr lang="zh-CN" altLang="en-US" sz="1600" b="1" dirty="0">
+                <a:solidFill>
+                  <a:srgbClr val="111133"/>
+                </a:solidFill>
+                <a:latin typeface="Times New Roman" panose="02020603050405020304" pitchFamily="18" charset="0"/>
+                <a:ea typeface="微软雅黑" panose="020B0503020204020204" pitchFamily="34" charset="-122"/>
+              </a:rPr>
+              <a:t>多模</a:t>
+            </a:r>
+            <a:r>
+              <a:rPr lang="zh-CN" altLang="en-US" sz="1600" b="1" dirty="0" smtClean="0">
+                <a:solidFill>
+                  <a:srgbClr val="111133"/>
+                </a:solidFill>
+                <a:latin typeface="Times New Roman" panose="02020603050405020304" pitchFamily="18" charset="0"/>
+                <a:ea typeface="微软雅黑" panose="020B0503020204020204" pitchFamily="34" charset="-122"/>
+              </a:rPr>
+              <a:t>态大模</a:t>
+            </a:r>
+            <a:r>
+              <a:rPr lang="zh-CN" altLang="en-US" sz="1600" b="1" dirty="0">
+                <a:solidFill>
+                  <a:srgbClr val="111133"/>
+                </a:solidFill>
+                <a:latin typeface="Times New Roman" panose="02020603050405020304" pitchFamily="18" charset="0"/>
+                <a:ea typeface="微软雅黑" panose="020B0503020204020204" pitchFamily="34" charset="-122"/>
+              </a:rPr>
+              <a:t>型</a:t>
+            </a:r>
+            <a:r>
+              <a:rPr lang="zh-CN" altLang="en-US" sz="1600" dirty="0">
+                <a:solidFill>
+                  <a:srgbClr val="111133"/>
+                </a:solidFill>
+                <a:latin typeface="Times New Roman" panose="02020603050405020304" pitchFamily="18" charset="0"/>
+                <a:ea typeface="微软雅黑" panose="020B0503020204020204" pitchFamily="34" charset="-122"/>
+              </a:rPr>
+              <a:t>（如 </a:t>
+            </a:r>
+            <a:r>
+              <a:rPr lang="en-US" altLang="zh-CN" sz="1600" dirty="0">
+                <a:solidFill>
+                  <a:srgbClr val="111133"/>
+                </a:solidFill>
+                <a:latin typeface="Times New Roman" panose="02020603050405020304" pitchFamily="18" charset="0"/>
+                <a:ea typeface="微软雅黑" panose="020B0503020204020204" pitchFamily="34" charset="-122"/>
+              </a:rPr>
+              <a:t>LLaVA</a:t>
+            </a:r>
+            <a:r>
+              <a:rPr lang="zh-CN" altLang="en-US" sz="1600" dirty="0">
+                <a:solidFill>
+                  <a:srgbClr val="111133"/>
+                </a:solidFill>
+                <a:latin typeface="Times New Roman" panose="02020603050405020304" pitchFamily="18" charset="0"/>
+                <a:ea typeface="微软雅黑" panose="020B0503020204020204" pitchFamily="34" charset="-122"/>
+              </a:rPr>
+              <a:t>、</a:t>
+            </a:r>
+            <a:r>
+              <a:rPr lang="en-US" altLang="zh-CN" sz="1600" dirty="0">
+                <a:solidFill>
+                  <a:srgbClr val="111133"/>
+                </a:solidFill>
+                <a:latin typeface="Times New Roman" panose="02020603050405020304" pitchFamily="18" charset="0"/>
+                <a:ea typeface="微软雅黑" panose="020B0503020204020204" pitchFamily="34" charset="-122"/>
+              </a:rPr>
+              <a:t>Qwen-VL</a:t>
+            </a:r>
+            <a:r>
+              <a:rPr lang="zh-CN" altLang="en-US" sz="1600" dirty="0">
+                <a:solidFill>
+                  <a:srgbClr val="111133"/>
+                </a:solidFill>
+                <a:latin typeface="Times New Roman" panose="02020603050405020304" pitchFamily="18" charset="0"/>
+                <a:ea typeface="微软雅黑" panose="020B0503020204020204" pitchFamily="34" charset="-122"/>
+              </a:rPr>
+              <a:t>、</a:t>
+            </a:r>
+            <a:r>
+              <a:rPr lang="en-US" altLang="zh-CN" sz="1600" dirty="0">
+                <a:solidFill>
+                  <a:srgbClr val="111133"/>
+                </a:solidFill>
+                <a:latin typeface="Times New Roman" panose="02020603050405020304" pitchFamily="18" charset="0"/>
+                <a:ea typeface="微软雅黑" panose="020B0503020204020204" pitchFamily="34" charset="-122"/>
+              </a:rPr>
+              <a:t>GPT-4V </a:t>
+            </a:r>
+            <a:r>
+              <a:rPr lang="zh-CN" altLang="en-US" sz="1600" dirty="0">
+                <a:solidFill>
+                  <a:srgbClr val="111133"/>
+                </a:solidFill>
+                <a:latin typeface="Times New Roman" panose="02020603050405020304" pitchFamily="18" charset="0"/>
+                <a:ea typeface="微软雅黑" panose="020B0503020204020204" pitchFamily="34" charset="-122"/>
+              </a:rPr>
+              <a:t>等）的完整端到端推</a:t>
+            </a:r>
+            <a:r>
+              <a:rPr lang="zh-CN" altLang="en-US" sz="1600" dirty="0">
+                <a:solidFill>
+                  <a:srgbClr val="111133"/>
+                </a:solidFill>
+                <a:latin typeface="Times New Roman" panose="02020603050405020304" pitchFamily="18" charset="0"/>
+                <a:ea typeface="微软雅黑" panose="020B0503020204020204" pitchFamily="34" charset="-122"/>
+              </a:rPr>
+              <a:t>理</a:t>
+            </a:r>
+            <a:r>
+              <a:rPr lang="zh-CN" altLang="en-US" sz="1600" dirty="0" smtClean="0">
+                <a:solidFill>
+                  <a:srgbClr val="111133"/>
+                </a:solidFill>
+                <a:latin typeface="Times New Roman" panose="02020603050405020304" pitchFamily="18" charset="0"/>
+                <a:ea typeface="微软雅黑" panose="020B0503020204020204" pitchFamily="34" charset="-122"/>
+              </a:rPr>
+              <a:t>，多模</a:t>
+            </a:r>
+            <a:r>
+              <a:rPr lang="zh-CN" altLang="en-US" sz="1600" dirty="0">
+                <a:solidFill>
+                  <a:srgbClr val="111133"/>
+                </a:solidFill>
+                <a:latin typeface="Times New Roman" panose="02020603050405020304" pitchFamily="18" charset="0"/>
+                <a:ea typeface="微软雅黑" panose="020B0503020204020204" pitchFamily="34" charset="-122"/>
+              </a:rPr>
+              <a:t>态大模型</a:t>
+            </a:r>
+            <a:r>
+              <a:rPr lang="zh-CN" altLang="en-US" sz="1600" dirty="0" smtClean="0">
+                <a:solidFill>
+                  <a:srgbClr val="111133"/>
+                </a:solidFill>
+                <a:latin typeface="Times New Roman" panose="02020603050405020304" pitchFamily="18" charset="0"/>
+                <a:ea typeface="微软雅黑" panose="020B0503020204020204" pitchFamily="34" charset="-122"/>
+              </a:rPr>
+              <a:t>高效处理图</a:t>
+            </a:r>
+            <a:r>
+              <a:rPr lang="zh-CN" altLang="en-US" sz="1600" dirty="0">
+                <a:solidFill>
+                  <a:srgbClr val="111133"/>
+                </a:solidFill>
+                <a:latin typeface="Times New Roman" panose="02020603050405020304" pitchFamily="18" charset="0"/>
+                <a:ea typeface="微软雅黑" panose="020B0503020204020204" pitchFamily="34" charset="-122"/>
+              </a:rPr>
+              <a:t>像、视频等占用巨大内存的 </a:t>
+            </a:r>
+            <a:r>
+              <a:rPr lang="en-US" altLang="zh-CN" sz="1600" dirty="0" smtClean="0">
+                <a:solidFill>
+                  <a:srgbClr val="111133"/>
+                </a:solidFill>
+                <a:latin typeface="Times New Roman" panose="02020603050405020304" pitchFamily="18" charset="0"/>
+                <a:ea typeface="微软雅黑" panose="020B0503020204020204" pitchFamily="34" charset="-122"/>
+              </a:rPr>
+              <a:t>token</a:t>
+            </a:r>
+            <a:r>
+              <a:rPr lang="zh-CN" altLang="en-US" sz="1600" dirty="0" smtClean="0">
+                <a:solidFill>
+                  <a:srgbClr val="111133"/>
+                </a:solidFill>
+                <a:latin typeface="Times New Roman" panose="02020603050405020304" pitchFamily="18" charset="0"/>
+                <a:ea typeface="微软雅黑" panose="020B0503020204020204" pitchFamily="34" charset="-122"/>
+              </a:rPr>
+              <a:t>，这是未来可以拓展的点。</a:t>
+            </a:r>
+            <a:endParaRPr lang="en-US" altLang="zh-CN" sz="1600" dirty="0" smtClean="0">
+              <a:solidFill>
+                <a:srgbClr val="111133"/>
+              </a:solidFill>
+              <a:latin typeface="Times New Roman" panose="02020603050405020304" pitchFamily="18" charset="0"/>
+              <a:ea typeface="微软雅黑" panose="020B0503020204020204" pitchFamily="34" charset="-122"/>
+            </a:endParaRPr>
+          </a:p>
+          <a:p>
+            <a:pPr marL="342900" indent="-342900">
+              <a:lnSpc>
+                <a:spcPct val="150000"/>
+              </a:lnSpc>
+              <a:buFont typeface="+mj-lt"/>
+              <a:buAutoNum type="arabicPeriod"/>
+            </a:pPr>
+            <a:r>
+              <a:rPr lang="zh-CN" altLang="en-US" sz="1600" b="1" dirty="0" smtClean="0">
+                <a:solidFill>
+                  <a:srgbClr val="111133"/>
+                </a:solidFill>
+                <a:latin typeface="Times New Roman" panose="02020603050405020304" pitchFamily="18" charset="0"/>
+                <a:ea typeface="微软雅黑" panose="020B0503020204020204" pitchFamily="34" charset="-122"/>
+              </a:rPr>
+              <a:t>向</a:t>
+            </a:r>
+            <a:r>
+              <a:rPr lang="zh-CN" altLang="en-US" sz="1600" b="1" dirty="0">
+                <a:solidFill>
+                  <a:srgbClr val="111133"/>
+                </a:solidFill>
+                <a:latin typeface="Times New Roman" panose="02020603050405020304" pitchFamily="18" charset="0"/>
+                <a:ea typeface="微软雅黑" panose="020B0503020204020204" pitchFamily="34" charset="-122"/>
+              </a:rPr>
+              <a:t>量数据</a:t>
+            </a:r>
+            <a:r>
+              <a:rPr lang="zh-CN" altLang="en-US" sz="1600" b="1" dirty="0" smtClean="0">
+                <a:solidFill>
+                  <a:srgbClr val="111133"/>
+                </a:solidFill>
+                <a:latin typeface="Times New Roman" panose="02020603050405020304" pitchFamily="18" charset="0"/>
+                <a:ea typeface="微软雅黑" panose="020B0503020204020204" pitchFamily="34" charset="-122"/>
+              </a:rPr>
+              <a:t>库</a:t>
+            </a:r>
+            <a:r>
+              <a:rPr lang="zh-CN" altLang="en-US" sz="1600" dirty="0" smtClean="0">
+                <a:solidFill>
+                  <a:srgbClr val="111133"/>
+                </a:solidFill>
+                <a:latin typeface="Times New Roman" panose="02020603050405020304" pitchFamily="18" charset="0"/>
+                <a:ea typeface="微软雅黑" panose="020B0503020204020204" pitchFamily="34" charset="-122"/>
+              </a:rPr>
+              <a:t>与 </a:t>
+            </a:r>
+            <a:r>
+              <a:rPr lang="en-US" altLang="zh-CN" sz="1600" dirty="0">
+                <a:solidFill>
+                  <a:srgbClr val="111133"/>
+                </a:solidFill>
+                <a:latin typeface="Times New Roman" panose="02020603050405020304" pitchFamily="18" charset="0"/>
+                <a:ea typeface="微软雅黑" panose="020B0503020204020204" pitchFamily="34" charset="-122"/>
+              </a:rPr>
+              <a:t>LLM </a:t>
+            </a:r>
+            <a:r>
+              <a:rPr lang="zh-CN" altLang="en-US" sz="1600" dirty="0">
+                <a:solidFill>
+                  <a:srgbClr val="111133"/>
+                </a:solidFill>
+                <a:latin typeface="Times New Roman" panose="02020603050405020304" pitchFamily="18" charset="0"/>
+                <a:ea typeface="微软雅黑" panose="020B0503020204020204" pitchFamily="34" charset="-122"/>
+              </a:rPr>
+              <a:t>的 </a:t>
+            </a:r>
+            <a:r>
+              <a:rPr lang="en-US" altLang="zh-CN" sz="1600" dirty="0">
+                <a:solidFill>
+                  <a:srgbClr val="111133"/>
+                </a:solidFill>
+                <a:latin typeface="Times New Roman" panose="02020603050405020304" pitchFamily="18" charset="0"/>
+                <a:ea typeface="微软雅黑" panose="020B0503020204020204" pitchFamily="34" charset="-122"/>
+              </a:rPr>
+              <a:t>KV </a:t>
+            </a:r>
+            <a:r>
+              <a:rPr lang="zh-CN" altLang="en-US" sz="1600" dirty="0">
+                <a:solidFill>
+                  <a:srgbClr val="111133"/>
+                </a:solidFill>
+                <a:latin typeface="Times New Roman" panose="02020603050405020304" pitchFamily="18" charset="0"/>
+                <a:ea typeface="微软雅黑" panose="020B0503020204020204" pitchFamily="34" charset="-122"/>
+              </a:rPr>
+              <a:t>缓存类似，向量索引也面临内存瓶</a:t>
+            </a:r>
+            <a:r>
+              <a:rPr lang="zh-CN" altLang="en-US" sz="1600" dirty="0" smtClean="0">
+                <a:solidFill>
+                  <a:srgbClr val="111133"/>
+                </a:solidFill>
+                <a:latin typeface="Times New Roman" panose="02020603050405020304" pitchFamily="18" charset="0"/>
+                <a:ea typeface="微软雅黑" panose="020B0503020204020204" pitchFamily="34" charset="-122"/>
+              </a:rPr>
+              <a:t>颈，是否也可以应用</a:t>
+            </a:r>
+            <a:r>
+              <a:rPr lang="zh-CN" altLang="en-US" sz="1600" dirty="0">
+                <a:solidFill>
+                  <a:srgbClr val="111133"/>
+                </a:solidFill>
+                <a:latin typeface="Times New Roman" panose="02020603050405020304" pitchFamily="18" charset="0"/>
+                <a:ea typeface="微软雅黑" panose="020B0503020204020204" pitchFamily="34" charset="-122"/>
+              </a:rPr>
+              <a:t>类</a:t>
+            </a:r>
+            <a:r>
+              <a:rPr lang="zh-CN" altLang="en-US" sz="1600" dirty="0" smtClean="0">
+                <a:solidFill>
+                  <a:srgbClr val="111133"/>
+                </a:solidFill>
+                <a:latin typeface="Times New Roman" panose="02020603050405020304" pitchFamily="18" charset="0"/>
+                <a:ea typeface="微软雅黑" panose="020B0503020204020204" pitchFamily="34" charset="-122"/>
+              </a:rPr>
+              <a:t>似的</a:t>
+            </a:r>
+            <a:r>
+              <a:rPr lang="en-US" altLang="zh-CN" sz="1600" dirty="0" smtClean="0">
+                <a:solidFill>
+                  <a:srgbClr val="111133"/>
+                </a:solidFill>
+                <a:latin typeface="Times New Roman" panose="02020603050405020304" pitchFamily="18" charset="0"/>
+                <a:ea typeface="微软雅黑" panose="020B0503020204020204" pitchFamily="34" charset="-122"/>
+              </a:rPr>
+              <a:t>PagedAttention</a:t>
+            </a:r>
+            <a:r>
+              <a:rPr lang="zh-CN" altLang="en-US" sz="1600" dirty="0" smtClean="0">
+                <a:solidFill>
+                  <a:srgbClr val="111133"/>
+                </a:solidFill>
+                <a:latin typeface="Times New Roman" panose="02020603050405020304" pitchFamily="18" charset="0"/>
+                <a:ea typeface="微软雅黑" panose="020B0503020204020204" pitchFamily="34" charset="-122"/>
+              </a:rPr>
+              <a:t>机制呢？</a:t>
+            </a:r>
+            <a:endParaRPr lang="zh-CN" altLang="en-US" sz="1600" dirty="0">
+              <a:solidFill>
+                <a:srgbClr val="111133"/>
+              </a:solidFill>
+              <a:latin typeface="Times New Roman" panose="02020603050405020304" pitchFamily="18" charset="0"/>
+              <a:ea typeface="微软雅黑" panose="020B0503020204020204" pitchFamily="34" charset="-122"/>
+            </a:endParaRPr>
+          </a:p>
+        </p:txBody>
+      </p:sp>
+    </p:spTree>
+    <p:extLst>
+      <p:ext uri="{BB962C8B-B14F-4D97-AF65-F5344CB8AC3E}">
+        <p14:creationId xmlns:p14="http://schemas.microsoft.com/office/powerpoint/2010/main" val="3589855300"/>
+      </p:ext>
+    </p:extLst>
+  </p:cSld>
+  <p:clrMapOvr>
+    <a:masterClrMapping/>
+  </p:clrMapOvr>
+  <p:timing>
+    <p:tnLst>
+      <p:par>
+        <p:cTn id="1" dur="indefinite" restart="never" nodeType="tmRoot"/>
+      </p:par>
+    </p:tnLst>
+  </p:timing>
+</p:sld>
+</file>
+
+<file path=ppt/slides/slide17.xml><?xml version="1.0" encoding="utf-8"?>
+<p:sld xmlns:a="http://schemas.openxmlformats.org/drawingml/2006/main" xmlns:r="http://schemas.openxmlformats.org/officeDocument/2006/relationships" xmlns:p="http://schemas.openxmlformats.org/presentationml/2006/main">
+  <p:cSld>
+    <p:spTree>
+      <p:nvGrpSpPr>
+        <p:cNvPr id="1" name=""/>
+        <p:cNvGrpSpPr/>
+        <p:nvPr/>
+      </p:nvGrpSpPr>
+      <p:grpSpPr>
+        <a:xfrm>
+          <a:off x="0" y="0"/>
+          <a:ext cx="0" cy="0"/>
+          <a:chOff x="0" y="0"/>
+          <a:chExt cx="0" cy="0"/>
+        </a:xfrm>
+      </p:grpSpPr>
+      <p:sp>
+        <p:nvSpPr>
           <p:cNvPr id="13" name="直角三角形 12"/>
           <p:cNvSpPr/>
           <p:nvPr/>
@@ -11791,6 +13291,13 @@
       <p:transition/>
     </mc:Fallback>
   </mc:AlternateContent>
+  <p:timing>
+    <p:tnLst>
+      <p:par>
+        <p:cTn id="1" dur="indefinite" restart="never" nodeType="tmRoot"/>
+      </p:par>
+    </p:tnLst>
+  </p:timing>
 </p:sld>
 </file>
 
@@ -11911,7 +13418,7 @@
         </p:nvGrpSpPr>
         <p:grpSpPr>
           <a:xfrm>
-            <a:off x="198816" y="994465"/>
+            <a:off x="198816" y="968231"/>
             <a:ext cx="11775984" cy="5300848"/>
             <a:chOff x="198816" y="1041763"/>
             <a:chExt cx="11775984" cy="5300848"/>
@@ -12160,7 +13667,7 @@
         <p:spPr>
           <a:xfrm>
             <a:off x="3830967" y="2459504"/>
-            <a:ext cx="7726681" cy="2308324"/>
+            <a:ext cx="2851187" cy="2862322"/>
           </a:xfrm>
           <a:prstGeom prst="rect">
             <a:avLst/>
@@ -12339,7 +13846,69 @@
                 <a:cs typeface="Times New Roman" panose="02020603050405020304" pitchFamily="18" charset="0"/>
                 <a:sym typeface="Impact" panose="020B0806030902050204" pitchFamily="34" charset="0"/>
               </a:rPr>
-              <a:t>现与结果评估</a:t>
+              <a:t>现与结果评</a:t>
+            </a:r>
+            <a:r>
+              <a:rPr lang="zh-CN" altLang="en-US" sz="2400" b="1" dirty="0" smtClean="0">
+                <a:solidFill>
+                  <a:srgbClr val="62055D"/>
+                </a:solidFill>
+                <a:latin typeface="Times New Roman" panose="02020603050405020304" pitchFamily="18" charset="0"/>
+                <a:ea typeface="微软雅黑" panose="020B0503020204020204" pitchFamily="34" charset="-122"/>
+                <a:cs typeface="Times New Roman" panose="02020603050405020304" pitchFamily="18" charset="0"/>
+                <a:sym typeface="Impact" panose="020B0806030902050204" pitchFamily="34" charset="0"/>
+              </a:rPr>
+              <a:t>估</a:t>
+            </a:r>
+            <a:endParaRPr lang="en-US" altLang="zh-CN" sz="2400" b="1" dirty="0" smtClean="0">
+              <a:solidFill>
+                <a:srgbClr val="62055D"/>
+              </a:solidFill>
+              <a:latin typeface="Times New Roman" panose="02020603050405020304" pitchFamily="18" charset="0"/>
+              <a:ea typeface="微软雅黑" panose="020B0503020204020204" pitchFamily="34" charset="-122"/>
+              <a:cs typeface="Times New Roman" panose="02020603050405020304" pitchFamily="18" charset="0"/>
+              <a:sym typeface="Impact" panose="020B0806030902050204" pitchFamily="34" charset="0"/>
+            </a:endParaRPr>
+          </a:p>
+          <a:p>
+            <a:pPr marL="285750" marR="0" indent="-285750" algn="l" defTabSz="914400" rtl="0" eaLnBrk="1" fontAlgn="base" latinLnBrk="0" hangingPunct="1">
+              <a:lnSpc>
+                <a:spcPct val="150000"/>
+              </a:lnSpc>
+              <a:spcBef>
+                <a:spcPct val="0"/>
+              </a:spcBef>
+              <a:spcAft>
+                <a:spcPct val="0"/>
+              </a:spcAft>
+              <a:buClrTx/>
+              <a:buSzTx/>
+              <a:buFont typeface="Wingdings" panose="05000000000000000000" pitchFamily="2" charset="2"/>
+              <a:buChar char="Ø"/>
+            </a:pPr>
+            <a:r>
+              <a:rPr lang="zh-CN" altLang="en-US" sz="2400" b="1" dirty="0">
+                <a:solidFill>
+                  <a:srgbClr val="62055D"/>
+                </a:solidFill>
+                <a:latin typeface="Times New Roman" panose="02020603050405020304" pitchFamily="18" charset="0"/>
+                <a:ea typeface="微软雅黑" panose="020B0503020204020204" pitchFamily="34" charset="-122"/>
+                <a:cs typeface="Times New Roman" panose="02020603050405020304" pitchFamily="18" charset="0"/>
+                <a:sym typeface="Impact" panose="020B0806030902050204" pitchFamily="34" charset="0"/>
+              </a:rPr>
+              <a:t>思</a:t>
+            </a:r>
+            <a:r>
+              <a:rPr lang="zh-CN" altLang="en-US" sz="2400" b="1" dirty="0" smtClean="0">
+                <a:solidFill>
+                  <a:srgbClr val="62055D"/>
+                </a:solidFill>
+                <a:latin typeface="Times New Roman" panose="02020603050405020304" pitchFamily="18" charset="0"/>
+                <a:ea typeface="微软雅黑" panose="020B0503020204020204" pitchFamily="34" charset="-122"/>
+                <a:cs typeface="Times New Roman" panose="02020603050405020304" pitchFamily="18" charset="0"/>
+                <a:sym typeface="Impact" panose="020B0806030902050204" pitchFamily="34" charset="0"/>
+              </a:rPr>
+              <a:t>考与展望</a:t>
             </a:r>
             <a:endParaRPr lang="zh-CN" altLang="en-US" sz="2400" dirty="0">
               <a:solidFill>
@@ -12366,6 +13935,13 @@
       <p:transition/>
     </mc:Fallback>
   </mc:AlternateContent>
+  <p:timing>
+    <p:tnLst>
+      <p:par>
+        <p:cTn id="1" dur="indefinite" restart="never" nodeType="tmRoot"/>
+      </p:par>
+    </p:tnLst>
+  </p:timing>
 </p:sld>
 </file>
 
